--- a/Activity Recognition Using Smartphones.pptx
+++ b/Activity Recognition Using Smartphones.pptx
@@ -6247,34 +6247,33 @@
           <a:lstStyle/>
           <a:p>
             <a:r>
-              <a:rPr lang="en-US"/>
+              <a:rPr lang="en-US" dirty="0"/>
               <a:t>Project Background</a:t>
             </a:r>
           </a:p>
           <a:p>
             <a:r>
-              <a:rPr lang="en-US"/>
+              <a:rPr lang="en-US" dirty="0"/>
               <a:t>Dataset Information</a:t>
             </a:r>
           </a:p>
           <a:p>
             <a:r>
-              <a:rPr lang="en-US"/>
-              <a:t>Visualizations</a:t>
-            </a:r>
-          </a:p>
-          <a:p>
-            <a:r>
-              <a:rPr lang="en-US"/>
+              <a:rPr lang="en-US" dirty="0"/>
+              <a:t>Exploratory Data Analysis</a:t>
+            </a:r>
+          </a:p>
+          <a:p>
+            <a:r>
+              <a:rPr lang="en-US" dirty="0"/>
               <a:t>Modeling Techniques</a:t>
             </a:r>
           </a:p>
           <a:p>
             <a:r>
-              <a:rPr lang="en-US"/>
+              <a:rPr lang="en-US" dirty="0"/>
               <a:t>Results &amp; Conclusions</a:t>
             </a:r>
-            <a:endParaRPr lang="en-US" dirty="0"/>
           </a:p>
         </p:txBody>
       </p:sp>
@@ -6850,7 +6849,7 @@
           <a:p>
             <a:r>
               <a:rPr lang="en-US" dirty="0"/>
-              <a:t>Visualizations</a:t>
+              <a:t>EDA &amp; Feature Selection</a:t>
             </a:r>
           </a:p>
         </p:txBody>

--- a/Activity Recognition Using Smartphones.pptx
+++ b/Activity Recognition Using Smartphones.pptx
@@ -9,9 +9,12 @@
     <p:sldId id="260" r:id="rId3"/>
     <p:sldId id="258" r:id="rId4"/>
     <p:sldId id="259" r:id="rId5"/>
-    <p:sldId id="261" r:id="rId6"/>
-    <p:sldId id="262" r:id="rId7"/>
-    <p:sldId id="257" r:id="rId8"/>
+    <p:sldId id="264" r:id="rId6"/>
+    <p:sldId id="263" r:id="rId7"/>
+    <p:sldId id="261" r:id="rId8"/>
+    <p:sldId id="262" r:id="rId9"/>
+    <p:sldId id="257" r:id="rId10"/>
+    <p:sldId id="265" r:id="rId11"/>
   </p:sldIdLst>
   <p:sldSz cx="12192000" cy="6858000"/>
   <p:notesSz cx="6858000" cy="9144000"/>
@@ -127,6 +130,6960 @@
     </p:ext>
   </p:extLst>
 </p:presentation>
+</file>
+
+<file path=ppt/commentAuthors.xml><?xml version="1.0" encoding="utf-8"?>
+<p:cmAuthorLst xmlns:a="http://schemas.openxmlformats.org/drawingml/2006/main" xmlns:r="http://schemas.openxmlformats.org/officeDocument/2006/relationships" xmlns:p="http://schemas.openxmlformats.org/presentationml/2006/main">
+  <p:cmAuthor id="1" name="Kenny Bundy" initials="KB" lastIdx="1" clrIdx="0">
+    <p:extLst>
+      <p:ext uri="{19B8F6BF-5375-455C-9EA6-DF929625EA0E}">
+        <p15:presenceInfo xmlns:p15="http://schemas.microsoft.com/office/powerpoint/2012/main" userId="33f6a6d15d3a7a4f" providerId="Windows Live"/>
+      </p:ext>
+    </p:extLst>
+  </p:cmAuthor>
+</p:cmAuthorLst>
+</file>
+
+<file path=ppt/diagrams/colors1.xml><?xml version="1.0" encoding="utf-8"?>
+<dgm:colorsDef xmlns:dgm="http://schemas.openxmlformats.org/drawingml/2006/diagram" xmlns:a="http://schemas.openxmlformats.org/drawingml/2006/main" uniqueId="urn:microsoft.com/office/officeart/2005/8/colors/accent0_3">
+  <dgm:title val=""/>
+  <dgm:desc val=""/>
+  <dgm:catLst>
+    <dgm:cat type="mainScheme" pri="10300"/>
+  </dgm:catLst>
+  <dgm:styleLbl name="node0">
+    <dgm:fillClrLst meth="repeat">
+      <a:schemeClr val="dk2"/>
+    </dgm:fillClrLst>
+    <dgm:linClrLst meth="repeat">
+      <a:schemeClr val="lt2"/>
+    </dgm:linClrLst>
+    <dgm:effectClrLst/>
+    <dgm:txLinClrLst/>
+    <dgm:txFillClrLst/>
+    <dgm:txEffectClrLst/>
+  </dgm:styleLbl>
+  <dgm:styleLbl name="alignNode1">
+    <dgm:fillClrLst meth="repeat">
+      <a:schemeClr val="dk2"/>
+    </dgm:fillClrLst>
+    <dgm:linClrLst meth="repeat">
+      <a:schemeClr val="dk2"/>
+    </dgm:linClrLst>
+    <dgm:effectClrLst/>
+    <dgm:txLinClrLst/>
+    <dgm:txFillClrLst/>
+    <dgm:txEffectClrLst/>
+  </dgm:styleLbl>
+  <dgm:styleLbl name="node1">
+    <dgm:fillClrLst meth="repeat">
+      <a:schemeClr val="dk2"/>
+    </dgm:fillClrLst>
+    <dgm:linClrLst meth="repeat">
+      <a:schemeClr val="lt2"/>
+    </dgm:linClrLst>
+    <dgm:effectClrLst/>
+    <dgm:txLinClrLst/>
+    <dgm:txFillClrLst/>
+    <dgm:txEffectClrLst/>
+  </dgm:styleLbl>
+  <dgm:styleLbl name="lnNode1">
+    <dgm:fillClrLst meth="repeat">
+      <a:schemeClr val="dk2"/>
+    </dgm:fillClrLst>
+    <dgm:linClrLst meth="repeat">
+      <a:schemeClr val="lt2"/>
+    </dgm:linClrLst>
+    <dgm:effectClrLst/>
+    <dgm:txLinClrLst/>
+    <dgm:txFillClrLst/>
+    <dgm:txEffectClrLst/>
+  </dgm:styleLbl>
+  <dgm:styleLbl name="vennNode1">
+    <dgm:fillClrLst meth="repeat">
+      <a:schemeClr val="dk2">
+        <a:alpha val="50000"/>
+      </a:schemeClr>
+    </dgm:fillClrLst>
+    <dgm:linClrLst meth="repeat">
+      <a:schemeClr val="lt2"/>
+    </dgm:linClrLst>
+    <dgm:effectClrLst/>
+    <dgm:txLinClrLst/>
+    <dgm:txFillClrLst/>
+    <dgm:txEffectClrLst/>
+  </dgm:styleLbl>
+  <dgm:styleLbl name="node2">
+    <dgm:fillClrLst meth="repeat">
+      <a:schemeClr val="dk2"/>
+    </dgm:fillClrLst>
+    <dgm:linClrLst meth="repeat">
+      <a:schemeClr val="lt2"/>
+    </dgm:linClrLst>
+    <dgm:effectClrLst/>
+    <dgm:txLinClrLst/>
+    <dgm:txFillClrLst/>
+    <dgm:txEffectClrLst/>
+  </dgm:styleLbl>
+  <dgm:styleLbl name="node3">
+    <dgm:fillClrLst meth="repeat">
+      <a:schemeClr val="dk2"/>
+    </dgm:fillClrLst>
+    <dgm:linClrLst meth="repeat">
+      <a:schemeClr val="lt2"/>
+    </dgm:linClrLst>
+    <dgm:effectClrLst/>
+    <dgm:txLinClrLst/>
+    <dgm:txFillClrLst/>
+    <dgm:txEffectClrLst/>
+  </dgm:styleLbl>
+  <dgm:styleLbl name="node4">
+    <dgm:fillClrLst meth="repeat">
+      <a:schemeClr val="dk2"/>
+    </dgm:fillClrLst>
+    <dgm:linClrLst meth="repeat">
+      <a:schemeClr val="lt2"/>
+    </dgm:linClrLst>
+    <dgm:effectClrLst/>
+    <dgm:txLinClrLst/>
+    <dgm:txFillClrLst/>
+    <dgm:txEffectClrLst/>
+  </dgm:styleLbl>
+  <dgm:styleLbl name="fgImgPlace1">
+    <dgm:fillClrLst meth="repeat">
+      <a:schemeClr val="dk2">
+        <a:tint val="50000"/>
+      </a:schemeClr>
+    </dgm:fillClrLst>
+    <dgm:linClrLst meth="repeat">
+      <a:schemeClr val="lt2"/>
+    </dgm:linClrLst>
+    <dgm:effectClrLst/>
+    <dgm:txLinClrLst/>
+    <dgm:txFillClrLst meth="repeat">
+      <a:schemeClr val="lt2"/>
+    </dgm:txFillClrLst>
+    <dgm:txEffectClrLst/>
+  </dgm:styleLbl>
+  <dgm:styleLbl name="alignImgPlace1">
+    <dgm:fillClrLst meth="repeat">
+      <a:schemeClr val="dk2">
+        <a:tint val="50000"/>
+      </a:schemeClr>
+    </dgm:fillClrLst>
+    <dgm:linClrLst meth="repeat">
+      <a:schemeClr val="dk2">
+        <a:shade val="80000"/>
+      </a:schemeClr>
+    </dgm:linClrLst>
+    <dgm:effectClrLst/>
+    <dgm:txLinClrLst/>
+    <dgm:txFillClrLst meth="repeat">
+      <a:schemeClr val="lt2"/>
+    </dgm:txFillClrLst>
+    <dgm:txEffectClrLst/>
+  </dgm:styleLbl>
+  <dgm:styleLbl name="bgImgPlace1">
+    <dgm:fillClrLst meth="repeat">
+      <a:schemeClr val="dk2">
+        <a:tint val="50000"/>
+      </a:schemeClr>
+    </dgm:fillClrLst>
+    <dgm:linClrLst meth="repeat">
+      <a:schemeClr val="dk2">
+        <a:shade val="80000"/>
+      </a:schemeClr>
+    </dgm:linClrLst>
+    <dgm:effectClrLst/>
+    <dgm:txLinClrLst/>
+    <dgm:txFillClrLst meth="repeat">
+      <a:schemeClr val="lt2"/>
+    </dgm:txFillClrLst>
+    <dgm:txEffectClrLst/>
+  </dgm:styleLbl>
+  <dgm:styleLbl name="sibTrans2D1">
+    <dgm:fillClrLst meth="repeat">
+      <a:schemeClr val="dk2">
+        <a:tint val="60000"/>
+      </a:schemeClr>
+    </dgm:fillClrLst>
+    <dgm:linClrLst meth="repeat">
+      <a:schemeClr val="dk2">
+        <a:tint val="60000"/>
+      </a:schemeClr>
+    </dgm:linClrLst>
+    <dgm:effectClrLst/>
+    <dgm:txLinClrLst/>
+    <dgm:txFillClrLst/>
+    <dgm:txEffectClrLst/>
+  </dgm:styleLbl>
+  <dgm:styleLbl name="fgSibTrans2D1">
+    <dgm:fillClrLst meth="repeat">
+      <a:schemeClr val="dk2">
+        <a:tint val="60000"/>
+      </a:schemeClr>
+    </dgm:fillClrLst>
+    <dgm:linClrLst meth="repeat">
+      <a:schemeClr val="dk2">
+        <a:tint val="60000"/>
+      </a:schemeClr>
+    </dgm:linClrLst>
+    <dgm:effectClrLst/>
+    <dgm:txLinClrLst/>
+    <dgm:txFillClrLst/>
+    <dgm:txEffectClrLst/>
+  </dgm:styleLbl>
+  <dgm:styleLbl name="bgSibTrans2D1">
+    <dgm:fillClrLst meth="repeat">
+      <a:schemeClr val="dk2">
+        <a:tint val="60000"/>
+      </a:schemeClr>
+    </dgm:fillClrLst>
+    <dgm:linClrLst meth="repeat">
+      <a:schemeClr val="dk2">
+        <a:tint val="60000"/>
+      </a:schemeClr>
+    </dgm:linClrLst>
+    <dgm:effectClrLst/>
+    <dgm:txLinClrLst/>
+    <dgm:txFillClrLst/>
+    <dgm:txEffectClrLst/>
+  </dgm:styleLbl>
+  <dgm:styleLbl name="sibTrans1D1">
+    <dgm:fillClrLst meth="repeat">
+      <a:schemeClr val="dk2"/>
+    </dgm:fillClrLst>
+    <dgm:linClrLst meth="repeat">
+      <a:schemeClr val="dk2"/>
+    </dgm:linClrLst>
+    <dgm:effectClrLst/>
+    <dgm:txLinClrLst/>
+    <dgm:txFillClrLst meth="repeat">
+      <a:schemeClr val="lt2"/>
+    </dgm:txFillClrLst>
+    <dgm:txEffectClrLst/>
+  </dgm:styleLbl>
+  <dgm:styleLbl name="callout">
+    <dgm:fillClrLst meth="repeat">
+      <a:schemeClr val="dk2"/>
+    </dgm:fillClrLst>
+    <dgm:linClrLst meth="repeat">
+      <a:schemeClr val="dk2">
+        <a:tint val="50000"/>
+      </a:schemeClr>
+    </dgm:linClrLst>
+    <dgm:effectClrLst/>
+    <dgm:txLinClrLst/>
+    <dgm:txFillClrLst meth="repeat">
+      <a:schemeClr val="lt2"/>
+    </dgm:txFillClrLst>
+    <dgm:txEffectClrLst/>
+  </dgm:styleLbl>
+  <dgm:styleLbl name="asst0">
+    <dgm:fillClrLst meth="repeat">
+      <a:schemeClr val="dk2"/>
+    </dgm:fillClrLst>
+    <dgm:linClrLst meth="repeat">
+      <a:schemeClr val="lt2"/>
+    </dgm:linClrLst>
+    <dgm:effectClrLst/>
+    <dgm:txLinClrLst/>
+    <dgm:txFillClrLst/>
+    <dgm:txEffectClrLst/>
+  </dgm:styleLbl>
+  <dgm:styleLbl name="asst1">
+    <dgm:fillClrLst meth="repeat">
+      <a:schemeClr val="dk2"/>
+    </dgm:fillClrLst>
+    <dgm:linClrLst meth="repeat">
+      <a:schemeClr val="lt2"/>
+    </dgm:linClrLst>
+    <dgm:effectClrLst/>
+    <dgm:txLinClrLst/>
+    <dgm:txFillClrLst/>
+    <dgm:txEffectClrLst/>
+  </dgm:styleLbl>
+  <dgm:styleLbl name="asst2">
+    <dgm:fillClrLst meth="repeat">
+      <a:schemeClr val="dk2"/>
+    </dgm:fillClrLst>
+    <dgm:linClrLst meth="repeat">
+      <a:schemeClr val="lt2"/>
+    </dgm:linClrLst>
+    <dgm:effectClrLst/>
+    <dgm:txLinClrLst/>
+    <dgm:txFillClrLst/>
+    <dgm:txEffectClrLst/>
+  </dgm:styleLbl>
+  <dgm:styleLbl name="asst3">
+    <dgm:fillClrLst meth="repeat">
+      <a:schemeClr val="dk2"/>
+    </dgm:fillClrLst>
+    <dgm:linClrLst meth="repeat">
+      <a:schemeClr val="lt2"/>
+    </dgm:linClrLst>
+    <dgm:effectClrLst/>
+    <dgm:txLinClrLst/>
+    <dgm:txFillClrLst/>
+    <dgm:txEffectClrLst/>
+  </dgm:styleLbl>
+  <dgm:styleLbl name="asst4">
+    <dgm:fillClrLst meth="repeat">
+      <a:schemeClr val="dk2"/>
+    </dgm:fillClrLst>
+    <dgm:linClrLst meth="repeat">
+      <a:schemeClr val="lt2"/>
+    </dgm:linClrLst>
+    <dgm:effectClrLst/>
+    <dgm:txLinClrLst/>
+    <dgm:txFillClrLst/>
+    <dgm:txEffectClrLst/>
+  </dgm:styleLbl>
+  <dgm:styleLbl name="parChTrans2D1">
+    <dgm:fillClrLst meth="repeat">
+      <a:schemeClr val="dk2">
+        <a:tint val="60000"/>
+      </a:schemeClr>
+    </dgm:fillClrLst>
+    <dgm:linClrLst meth="repeat">
+      <a:schemeClr val="dk2">
+        <a:tint val="60000"/>
+      </a:schemeClr>
+    </dgm:linClrLst>
+    <dgm:effectClrLst/>
+    <dgm:txLinClrLst/>
+    <dgm:txFillClrLst meth="repeat">
+      <a:schemeClr val="lt2"/>
+    </dgm:txFillClrLst>
+    <dgm:txEffectClrLst/>
+  </dgm:styleLbl>
+  <dgm:styleLbl name="parChTrans2D2">
+    <dgm:fillClrLst meth="repeat">
+      <a:schemeClr val="dk2"/>
+    </dgm:fillClrLst>
+    <dgm:linClrLst meth="repeat">
+      <a:schemeClr val="dk2"/>
+    </dgm:linClrLst>
+    <dgm:effectClrLst/>
+    <dgm:txLinClrLst/>
+    <dgm:txFillClrLst meth="repeat">
+      <a:schemeClr val="lt2"/>
+    </dgm:txFillClrLst>
+    <dgm:txEffectClrLst/>
+  </dgm:styleLbl>
+  <dgm:styleLbl name="parChTrans2D3">
+    <dgm:fillClrLst meth="repeat">
+      <a:schemeClr val="dk2"/>
+    </dgm:fillClrLst>
+    <dgm:linClrLst meth="repeat">
+      <a:schemeClr val="dk2"/>
+    </dgm:linClrLst>
+    <dgm:effectClrLst/>
+    <dgm:txLinClrLst/>
+    <dgm:txFillClrLst meth="repeat">
+      <a:schemeClr val="lt2"/>
+    </dgm:txFillClrLst>
+    <dgm:txEffectClrLst/>
+  </dgm:styleLbl>
+  <dgm:styleLbl name="parChTrans2D4">
+    <dgm:fillClrLst meth="repeat">
+      <a:schemeClr val="dk2"/>
+    </dgm:fillClrLst>
+    <dgm:linClrLst meth="repeat">
+      <a:schemeClr val="dk2"/>
+    </dgm:linClrLst>
+    <dgm:effectClrLst/>
+    <dgm:txLinClrLst/>
+    <dgm:txFillClrLst meth="repeat">
+      <a:schemeClr val="lt2"/>
+    </dgm:txFillClrLst>
+    <dgm:txEffectClrLst/>
+  </dgm:styleLbl>
+  <dgm:styleLbl name="parChTrans1D1">
+    <dgm:fillClrLst meth="repeat">
+      <a:schemeClr val="dk2"/>
+    </dgm:fillClrLst>
+    <dgm:linClrLst meth="repeat">
+      <a:schemeClr val="dk2">
+        <a:shade val="60000"/>
+      </a:schemeClr>
+    </dgm:linClrLst>
+    <dgm:effectClrLst/>
+    <dgm:txLinClrLst/>
+    <dgm:txFillClrLst meth="repeat">
+      <a:schemeClr val="tx1"/>
+    </dgm:txFillClrLst>
+    <dgm:txEffectClrLst/>
+  </dgm:styleLbl>
+  <dgm:styleLbl name="parChTrans1D2">
+    <dgm:fillClrLst meth="repeat">
+      <a:schemeClr val="dk2"/>
+    </dgm:fillClrLst>
+    <dgm:linClrLst meth="repeat">
+      <a:schemeClr val="dk2">
+        <a:shade val="60000"/>
+      </a:schemeClr>
+    </dgm:linClrLst>
+    <dgm:effectClrLst/>
+    <dgm:txLinClrLst/>
+    <dgm:txFillClrLst meth="repeat">
+      <a:schemeClr val="tx1"/>
+    </dgm:txFillClrLst>
+    <dgm:txEffectClrLst/>
+  </dgm:styleLbl>
+  <dgm:styleLbl name="parChTrans1D3">
+    <dgm:fillClrLst meth="repeat">
+      <a:schemeClr val="dk2"/>
+    </dgm:fillClrLst>
+    <dgm:linClrLst meth="repeat">
+      <a:schemeClr val="dk2">
+        <a:shade val="80000"/>
+      </a:schemeClr>
+    </dgm:linClrLst>
+    <dgm:effectClrLst/>
+    <dgm:txLinClrLst/>
+    <dgm:txFillClrLst meth="repeat">
+      <a:schemeClr val="tx1"/>
+    </dgm:txFillClrLst>
+    <dgm:txEffectClrLst/>
+  </dgm:styleLbl>
+  <dgm:styleLbl name="parChTrans1D4">
+    <dgm:fillClrLst meth="repeat">
+      <a:schemeClr val="dk2"/>
+    </dgm:fillClrLst>
+    <dgm:linClrLst meth="repeat">
+      <a:schemeClr val="dk2">
+        <a:shade val="80000"/>
+      </a:schemeClr>
+    </dgm:linClrLst>
+    <dgm:effectClrLst/>
+    <dgm:txLinClrLst/>
+    <dgm:txFillClrLst meth="repeat">
+      <a:schemeClr val="tx1"/>
+    </dgm:txFillClrLst>
+    <dgm:txEffectClrLst/>
+  </dgm:styleLbl>
+  <dgm:styleLbl name="fgAcc1">
+    <dgm:fillClrLst meth="repeat">
+      <a:schemeClr val="lt2">
+        <a:alpha val="90000"/>
+      </a:schemeClr>
+    </dgm:fillClrLst>
+    <dgm:linClrLst meth="repeat">
+      <a:schemeClr val="dk2"/>
+    </dgm:linClrLst>
+    <dgm:effectClrLst/>
+    <dgm:txLinClrLst/>
+    <dgm:txFillClrLst meth="repeat">
+      <a:schemeClr val="dk1"/>
+    </dgm:txFillClrLst>
+    <dgm:txEffectClrLst/>
+  </dgm:styleLbl>
+  <dgm:styleLbl name="conFgAcc1">
+    <dgm:fillClrLst meth="repeat">
+      <a:schemeClr val="lt2">
+        <a:alpha val="90000"/>
+      </a:schemeClr>
+    </dgm:fillClrLst>
+    <dgm:linClrLst meth="repeat">
+      <a:schemeClr val="dk2"/>
+    </dgm:linClrLst>
+    <dgm:effectClrLst/>
+    <dgm:txLinClrLst/>
+    <dgm:txFillClrLst meth="repeat">
+      <a:schemeClr val="dk1"/>
+    </dgm:txFillClrLst>
+    <dgm:txEffectClrLst/>
+  </dgm:styleLbl>
+  <dgm:styleLbl name="alignAcc1">
+    <dgm:fillClrLst meth="repeat">
+      <a:schemeClr val="lt2">
+        <a:alpha val="90000"/>
+      </a:schemeClr>
+    </dgm:fillClrLst>
+    <dgm:linClrLst meth="repeat">
+      <a:schemeClr val="dk2"/>
+    </dgm:linClrLst>
+    <dgm:effectClrLst/>
+    <dgm:txLinClrLst/>
+    <dgm:txFillClrLst meth="repeat">
+      <a:schemeClr val="dk1"/>
+    </dgm:txFillClrLst>
+    <dgm:txEffectClrLst/>
+  </dgm:styleLbl>
+  <dgm:styleLbl name="trAlignAcc1">
+    <dgm:fillClrLst meth="repeat">
+      <a:schemeClr val="lt2">
+        <a:alpha val="40000"/>
+      </a:schemeClr>
+    </dgm:fillClrLst>
+    <dgm:linClrLst meth="repeat">
+      <a:schemeClr val="dk2"/>
+    </dgm:linClrLst>
+    <dgm:effectClrLst/>
+    <dgm:txLinClrLst/>
+    <dgm:txFillClrLst meth="repeat">
+      <a:schemeClr val="dk1"/>
+    </dgm:txFillClrLst>
+    <dgm:txEffectClrLst/>
+  </dgm:styleLbl>
+  <dgm:styleLbl name="bgAcc1">
+    <dgm:fillClrLst meth="repeat">
+      <a:schemeClr val="lt2">
+        <a:alpha val="90000"/>
+      </a:schemeClr>
+    </dgm:fillClrLst>
+    <dgm:linClrLst meth="repeat">
+      <a:schemeClr val="dk2"/>
+    </dgm:linClrLst>
+    <dgm:effectClrLst/>
+    <dgm:txLinClrLst/>
+    <dgm:txFillClrLst meth="repeat">
+      <a:schemeClr val="dk1"/>
+    </dgm:txFillClrLst>
+    <dgm:txEffectClrLst/>
+  </dgm:styleLbl>
+  <dgm:styleLbl name="solidFgAcc1">
+    <dgm:fillClrLst meth="repeat">
+      <a:schemeClr val="lt2"/>
+    </dgm:fillClrLst>
+    <dgm:linClrLst meth="repeat">
+      <a:schemeClr val="dk2"/>
+    </dgm:linClrLst>
+    <dgm:effectClrLst/>
+    <dgm:txLinClrLst/>
+    <dgm:txFillClrLst meth="repeat">
+      <a:schemeClr val="dk1"/>
+    </dgm:txFillClrLst>
+    <dgm:txEffectClrLst/>
+  </dgm:styleLbl>
+  <dgm:styleLbl name="solidAlignAcc1">
+    <dgm:fillClrLst meth="repeat">
+      <a:schemeClr val="lt2"/>
+    </dgm:fillClrLst>
+    <dgm:linClrLst meth="repeat">
+      <a:schemeClr val="dk2"/>
+    </dgm:linClrLst>
+    <dgm:effectClrLst/>
+    <dgm:txLinClrLst/>
+    <dgm:txFillClrLst meth="repeat">
+      <a:schemeClr val="dk1"/>
+    </dgm:txFillClrLst>
+    <dgm:txEffectClrLst/>
+  </dgm:styleLbl>
+  <dgm:styleLbl name="solidBgAcc1">
+    <dgm:fillClrLst meth="repeat">
+      <a:schemeClr val="lt2"/>
+    </dgm:fillClrLst>
+    <dgm:linClrLst meth="repeat">
+      <a:schemeClr val="dk2"/>
+    </dgm:linClrLst>
+    <dgm:effectClrLst/>
+    <dgm:txLinClrLst/>
+    <dgm:txFillClrLst meth="repeat">
+      <a:schemeClr val="dk1"/>
+    </dgm:txFillClrLst>
+    <dgm:txEffectClrLst/>
+  </dgm:styleLbl>
+  <dgm:styleLbl name="fgAccFollowNode1">
+    <dgm:fillClrLst meth="repeat">
+      <a:schemeClr val="dk2">
+        <a:alpha val="90000"/>
+        <a:tint val="40000"/>
+      </a:schemeClr>
+    </dgm:fillClrLst>
+    <dgm:linClrLst meth="repeat">
+      <a:schemeClr val="dk2">
+        <a:alpha val="90000"/>
+        <a:tint val="40000"/>
+      </a:schemeClr>
+    </dgm:linClrLst>
+    <dgm:effectClrLst/>
+    <dgm:txLinClrLst/>
+    <dgm:txFillClrLst meth="repeat">
+      <a:schemeClr val="dk1"/>
+    </dgm:txFillClrLst>
+    <dgm:txEffectClrLst/>
+  </dgm:styleLbl>
+  <dgm:styleLbl name="alignAccFollowNode1">
+    <dgm:fillClrLst meth="repeat">
+      <a:schemeClr val="dk2">
+        <a:alpha val="90000"/>
+        <a:tint val="40000"/>
+      </a:schemeClr>
+    </dgm:fillClrLst>
+    <dgm:linClrLst meth="repeat">
+      <a:schemeClr val="dk2">
+        <a:alpha val="90000"/>
+        <a:tint val="40000"/>
+      </a:schemeClr>
+    </dgm:linClrLst>
+    <dgm:effectClrLst/>
+    <dgm:txLinClrLst/>
+    <dgm:txFillClrLst meth="repeat">
+      <a:schemeClr val="dk1"/>
+    </dgm:txFillClrLst>
+    <dgm:txEffectClrLst/>
+  </dgm:styleLbl>
+  <dgm:styleLbl name="bgAccFollowNode1">
+    <dgm:fillClrLst meth="repeat">
+      <a:schemeClr val="dk2">
+        <a:alpha val="90000"/>
+        <a:tint val="40000"/>
+      </a:schemeClr>
+    </dgm:fillClrLst>
+    <dgm:linClrLst meth="repeat">
+      <a:schemeClr val="dk2">
+        <a:alpha val="90000"/>
+        <a:tint val="40000"/>
+      </a:schemeClr>
+    </dgm:linClrLst>
+    <dgm:effectClrLst/>
+    <dgm:txLinClrLst/>
+    <dgm:txFillClrLst meth="repeat">
+      <a:schemeClr val="dk1"/>
+    </dgm:txFillClrLst>
+    <dgm:txEffectClrLst/>
+  </dgm:styleLbl>
+  <dgm:styleLbl name="fgAcc0">
+    <dgm:fillClrLst meth="repeat">
+      <a:schemeClr val="lt2">
+        <a:alpha val="90000"/>
+      </a:schemeClr>
+    </dgm:fillClrLst>
+    <dgm:linClrLst meth="repeat">
+      <a:schemeClr val="dk2"/>
+    </dgm:linClrLst>
+    <dgm:effectClrLst/>
+    <dgm:txLinClrLst/>
+    <dgm:txFillClrLst meth="repeat">
+      <a:schemeClr val="dk1"/>
+    </dgm:txFillClrLst>
+    <dgm:txEffectClrLst/>
+  </dgm:styleLbl>
+  <dgm:styleLbl name="fgAcc2">
+    <dgm:fillClrLst meth="repeat">
+      <a:schemeClr val="lt2">
+        <a:alpha val="90000"/>
+      </a:schemeClr>
+    </dgm:fillClrLst>
+    <dgm:linClrLst meth="repeat">
+      <a:schemeClr val="dk2"/>
+    </dgm:linClrLst>
+    <dgm:effectClrLst/>
+    <dgm:txLinClrLst/>
+    <dgm:txFillClrLst meth="repeat">
+      <a:schemeClr val="dk1"/>
+    </dgm:txFillClrLst>
+    <dgm:txEffectClrLst/>
+  </dgm:styleLbl>
+  <dgm:styleLbl name="fgAcc3">
+    <dgm:fillClrLst meth="repeat">
+      <a:schemeClr val="lt2">
+        <a:alpha val="90000"/>
+      </a:schemeClr>
+    </dgm:fillClrLst>
+    <dgm:linClrLst meth="repeat">
+      <a:schemeClr val="dk2"/>
+    </dgm:linClrLst>
+    <dgm:effectClrLst/>
+    <dgm:txLinClrLst/>
+    <dgm:txFillClrLst meth="repeat">
+      <a:schemeClr val="dk1"/>
+    </dgm:txFillClrLst>
+    <dgm:txEffectClrLst/>
+  </dgm:styleLbl>
+  <dgm:styleLbl name="fgAcc4">
+    <dgm:fillClrLst meth="repeat">
+      <a:schemeClr val="lt2">
+        <a:alpha val="90000"/>
+      </a:schemeClr>
+    </dgm:fillClrLst>
+    <dgm:linClrLst meth="repeat">
+      <a:schemeClr val="dk2"/>
+    </dgm:linClrLst>
+    <dgm:effectClrLst/>
+    <dgm:txLinClrLst/>
+    <dgm:txFillClrLst meth="repeat">
+      <a:schemeClr val="dk1"/>
+    </dgm:txFillClrLst>
+    <dgm:txEffectClrLst/>
+  </dgm:styleLbl>
+  <dgm:styleLbl name="bgShp">
+    <dgm:fillClrLst meth="repeat">
+      <a:schemeClr val="dk2">
+        <a:tint val="40000"/>
+      </a:schemeClr>
+    </dgm:fillClrLst>
+    <dgm:linClrLst meth="repeat">
+      <a:schemeClr val="dk2"/>
+    </dgm:linClrLst>
+    <dgm:effectClrLst/>
+    <dgm:txLinClrLst/>
+    <dgm:txFillClrLst meth="repeat">
+      <a:schemeClr val="dk1"/>
+    </dgm:txFillClrLst>
+    <dgm:txEffectClrLst/>
+  </dgm:styleLbl>
+  <dgm:styleLbl name="dkBgShp">
+    <dgm:fillClrLst meth="repeat">
+      <a:schemeClr val="dk2">
+        <a:shade val="80000"/>
+      </a:schemeClr>
+    </dgm:fillClrLst>
+    <dgm:linClrLst meth="repeat">
+      <a:schemeClr val="dk2"/>
+    </dgm:linClrLst>
+    <dgm:effectClrLst/>
+    <dgm:txLinClrLst/>
+    <dgm:txFillClrLst meth="repeat">
+      <a:schemeClr val="lt1"/>
+    </dgm:txFillClrLst>
+    <dgm:txEffectClrLst/>
+  </dgm:styleLbl>
+  <dgm:styleLbl name="trBgShp">
+    <dgm:fillClrLst meth="repeat">
+      <a:schemeClr val="dk2">
+        <a:tint val="50000"/>
+        <a:alpha val="40000"/>
+      </a:schemeClr>
+    </dgm:fillClrLst>
+    <dgm:linClrLst meth="repeat">
+      <a:schemeClr val="dk2"/>
+    </dgm:linClrLst>
+    <dgm:effectClrLst/>
+    <dgm:txLinClrLst/>
+    <dgm:txFillClrLst meth="repeat">
+      <a:schemeClr val="lt1"/>
+    </dgm:txFillClrLst>
+    <dgm:txEffectClrLst/>
+  </dgm:styleLbl>
+  <dgm:styleLbl name="fgShp">
+    <dgm:fillClrLst meth="repeat">
+      <a:schemeClr val="dk2">
+        <a:tint val="60000"/>
+      </a:schemeClr>
+    </dgm:fillClrLst>
+    <dgm:linClrLst meth="repeat">
+      <a:schemeClr val="lt2"/>
+    </dgm:linClrLst>
+    <dgm:effectClrLst/>
+    <dgm:txLinClrLst/>
+    <dgm:txFillClrLst meth="repeat">
+      <a:schemeClr val="dk1"/>
+    </dgm:txFillClrLst>
+    <dgm:txEffectClrLst/>
+  </dgm:styleLbl>
+  <dgm:styleLbl name="revTx">
+    <dgm:fillClrLst meth="repeat">
+      <a:schemeClr val="lt2">
+        <a:alpha val="0"/>
+      </a:schemeClr>
+    </dgm:fillClrLst>
+    <dgm:linClrLst meth="repeat">
+      <a:schemeClr val="dk1">
+        <a:alpha val="0"/>
+      </a:schemeClr>
+    </dgm:linClrLst>
+    <dgm:effectClrLst/>
+    <dgm:txLinClrLst/>
+    <dgm:txFillClrLst meth="repeat">
+      <a:schemeClr val="tx1"/>
+    </dgm:txFillClrLst>
+    <dgm:txEffectClrLst/>
+  </dgm:styleLbl>
+</dgm:colorsDef>
+</file>
+
+<file path=ppt/diagrams/colors2.xml><?xml version="1.0" encoding="utf-8"?>
+<dgm:colorsDef xmlns:dgm="http://schemas.openxmlformats.org/drawingml/2006/diagram" xmlns:a="http://schemas.openxmlformats.org/drawingml/2006/main" uniqueId="urn:microsoft.com/office/officeart/2005/8/colors/accent0_3">
+  <dgm:title val=""/>
+  <dgm:desc val=""/>
+  <dgm:catLst>
+    <dgm:cat type="mainScheme" pri="10300"/>
+  </dgm:catLst>
+  <dgm:styleLbl name="node0">
+    <dgm:fillClrLst meth="repeat">
+      <a:schemeClr val="dk2"/>
+    </dgm:fillClrLst>
+    <dgm:linClrLst meth="repeat">
+      <a:schemeClr val="lt2"/>
+    </dgm:linClrLst>
+    <dgm:effectClrLst/>
+    <dgm:txLinClrLst/>
+    <dgm:txFillClrLst/>
+    <dgm:txEffectClrLst/>
+  </dgm:styleLbl>
+  <dgm:styleLbl name="alignNode1">
+    <dgm:fillClrLst meth="repeat">
+      <a:schemeClr val="dk2"/>
+    </dgm:fillClrLst>
+    <dgm:linClrLst meth="repeat">
+      <a:schemeClr val="dk2"/>
+    </dgm:linClrLst>
+    <dgm:effectClrLst/>
+    <dgm:txLinClrLst/>
+    <dgm:txFillClrLst/>
+    <dgm:txEffectClrLst/>
+  </dgm:styleLbl>
+  <dgm:styleLbl name="node1">
+    <dgm:fillClrLst meth="repeat">
+      <a:schemeClr val="dk2"/>
+    </dgm:fillClrLst>
+    <dgm:linClrLst meth="repeat">
+      <a:schemeClr val="lt2"/>
+    </dgm:linClrLst>
+    <dgm:effectClrLst/>
+    <dgm:txLinClrLst/>
+    <dgm:txFillClrLst/>
+    <dgm:txEffectClrLst/>
+  </dgm:styleLbl>
+  <dgm:styleLbl name="lnNode1">
+    <dgm:fillClrLst meth="repeat">
+      <a:schemeClr val="dk2"/>
+    </dgm:fillClrLst>
+    <dgm:linClrLst meth="repeat">
+      <a:schemeClr val="lt2"/>
+    </dgm:linClrLst>
+    <dgm:effectClrLst/>
+    <dgm:txLinClrLst/>
+    <dgm:txFillClrLst/>
+    <dgm:txEffectClrLst/>
+  </dgm:styleLbl>
+  <dgm:styleLbl name="vennNode1">
+    <dgm:fillClrLst meth="repeat">
+      <a:schemeClr val="dk2">
+        <a:alpha val="50000"/>
+      </a:schemeClr>
+    </dgm:fillClrLst>
+    <dgm:linClrLst meth="repeat">
+      <a:schemeClr val="lt2"/>
+    </dgm:linClrLst>
+    <dgm:effectClrLst/>
+    <dgm:txLinClrLst/>
+    <dgm:txFillClrLst/>
+    <dgm:txEffectClrLst/>
+  </dgm:styleLbl>
+  <dgm:styleLbl name="node2">
+    <dgm:fillClrLst meth="repeat">
+      <a:schemeClr val="dk2"/>
+    </dgm:fillClrLst>
+    <dgm:linClrLst meth="repeat">
+      <a:schemeClr val="lt2"/>
+    </dgm:linClrLst>
+    <dgm:effectClrLst/>
+    <dgm:txLinClrLst/>
+    <dgm:txFillClrLst/>
+    <dgm:txEffectClrLst/>
+  </dgm:styleLbl>
+  <dgm:styleLbl name="node3">
+    <dgm:fillClrLst meth="repeat">
+      <a:schemeClr val="dk2"/>
+    </dgm:fillClrLst>
+    <dgm:linClrLst meth="repeat">
+      <a:schemeClr val="lt2"/>
+    </dgm:linClrLst>
+    <dgm:effectClrLst/>
+    <dgm:txLinClrLst/>
+    <dgm:txFillClrLst/>
+    <dgm:txEffectClrLst/>
+  </dgm:styleLbl>
+  <dgm:styleLbl name="node4">
+    <dgm:fillClrLst meth="repeat">
+      <a:schemeClr val="dk2"/>
+    </dgm:fillClrLst>
+    <dgm:linClrLst meth="repeat">
+      <a:schemeClr val="lt2"/>
+    </dgm:linClrLst>
+    <dgm:effectClrLst/>
+    <dgm:txLinClrLst/>
+    <dgm:txFillClrLst/>
+    <dgm:txEffectClrLst/>
+  </dgm:styleLbl>
+  <dgm:styleLbl name="fgImgPlace1">
+    <dgm:fillClrLst meth="repeat">
+      <a:schemeClr val="dk2">
+        <a:tint val="50000"/>
+      </a:schemeClr>
+    </dgm:fillClrLst>
+    <dgm:linClrLst meth="repeat">
+      <a:schemeClr val="lt2"/>
+    </dgm:linClrLst>
+    <dgm:effectClrLst/>
+    <dgm:txLinClrLst/>
+    <dgm:txFillClrLst meth="repeat">
+      <a:schemeClr val="lt2"/>
+    </dgm:txFillClrLst>
+    <dgm:txEffectClrLst/>
+  </dgm:styleLbl>
+  <dgm:styleLbl name="alignImgPlace1">
+    <dgm:fillClrLst meth="repeat">
+      <a:schemeClr val="dk2">
+        <a:tint val="50000"/>
+      </a:schemeClr>
+    </dgm:fillClrLst>
+    <dgm:linClrLst meth="repeat">
+      <a:schemeClr val="dk2">
+        <a:shade val="80000"/>
+      </a:schemeClr>
+    </dgm:linClrLst>
+    <dgm:effectClrLst/>
+    <dgm:txLinClrLst/>
+    <dgm:txFillClrLst meth="repeat">
+      <a:schemeClr val="lt2"/>
+    </dgm:txFillClrLst>
+    <dgm:txEffectClrLst/>
+  </dgm:styleLbl>
+  <dgm:styleLbl name="bgImgPlace1">
+    <dgm:fillClrLst meth="repeat">
+      <a:schemeClr val="dk2">
+        <a:tint val="50000"/>
+      </a:schemeClr>
+    </dgm:fillClrLst>
+    <dgm:linClrLst meth="repeat">
+      <a:schemeClr val="dk2">
+        <a:shade val="80000"/>
+      </a:schemeClr>
+    </dgm:linClrLst>
+    <dgm:effectClrLst/>
+    <dgm:txLinClrLst/>
+    <dgm:txFillClrLst meth="repeat">
+      <a:schemeClr val="lt2"/>
+    </dgm:txFillClrLst>
+    <dgm:txEffectClrLst/>
+  </dgm:styleLbl>
+  <dgm:styleLbl name="sibTrans2D1">
+    <dgm:fillClrLst meth="repeat">
+      <a:schemeClr val="dk2">
+        <a:tint val="60000"/>
+      </a:schemeClr>
+    </dgm:fillClrLst>
+    <dgm:linClrLst meth="repeat">
+      <a:schemeClr val="dk2">
+        <a:tint val="60000"/>
+      </a:schemeClr>
+    </dgm:linClrLst>
+    <dgm:effectClrLst/>
+    <dgm:txLinClrLst/>
+    <dgm:txFillClrLst/>
+    <dgm:txEffectClrLst/>
+  </dgm:styleLbl>
+  <dgm:styleLbl name="fgSibTrans2D1">
+    <dgm:fillClrLst meth="repeat">
+      <a:schemeClr val="dk2">
+        <a:tint val="60000"/>
+      </a:schemeClr>
+    </dgm:fillClrLst>
+    <dgm:linClrLst meth="repeat">
+      <a:schemeClr val="dk2">
+        <a:tint val="60000"/>
+      </a:schemeClr>
+    </dgm:linClrLst>
+    <dgm:effectClrLst/>
+    <dgm:txLinClrLst/>
+    <dgm:txFillClrLst/>
+    <dgm:txEffectClrLst/>
+  </dgm:styleLbl>
+  <dgm:styleLbl name="bgSibTrans2D1">
+    <dgm:fillClrLst meth="repeat">
+      <a:schemeClr val="dk2">
+        <a:tint val="60000"/>
+      </a:schemeClr>
+    </dgm:fillClrLst>
+    <dgm:linClrLst meth="repeat">
+      <a:schemeClr val="dk2">
+        <a:tint val="60000"/>
+      </a:schemeClr>
+    </dgm:linClrLst>
+    <dgm:effectClrLst/>
+    <dgm:txLinClrLst/>
+    <dgm:txFillClrLst/>
+    <dgm:txEffectClrLst/>
+  </dgm:styleLbl>
+  <dgm:styleLbl name="sibTrans1D1">
+    <dgm:fillClrLst meth="repeat">
+      <a:schemeClr val="dk2"/>
+    </dgm:fillClrLst>
+    <dgm:linClrLst meth="repeat">
+      <a:schemeClr val="dk2"/>
+    </dgm:linClrLst>
+    <dgm:effectClrLst/>
+    <dgm:txLinClrLst/>
+    <dgm:txFillClrLst meth="repeat">
+      <a:schemeClr val="lt2"/>
+    </dgm:txFillClrLst>
+    <dgm:txEffectClrLst/>
+  </dgm:styleLbl>
+  <dgm:styleLbl name="callout">
+    <dgm:fillClrLst meth="repeat">
+      <a:schemeClr val="dk2"/>
+    </dgm:fillClrLst>
+    <dgm:linClrLst meth="repeat">
+      <a:schemeClr val="dk2">
+        <a:tint val="50000"/>
+      </a:schemeClr>
+    </dgm:linClrLst>
+    <dgm:effectClrLst/>
+    <dgm:txLinClrLst/>
+    <dgm:txFillClrLst meth="repeat">
+      <a:schemeClr val="lt2"/>
+    </dgm:txFillClrLst>
+    <dgm:txEffectClrLst/>
+  </dgm:styleLbl>
+  <dgm:styleLbl name="asst0">
+    <dgm:fillClrLst meth="repeat">
+      <a:schemeClr val="dk2"/>
+    </dgm:fillClrLst>
+    <dgm:linClrLst meth="repeat">
+      <a:schemeClr val="lt2"/>
+    </dgm:linClrLst>
+    <dgm:effectClrLst/>
+    <dgm:txLinClrLst/>
+    <dgm:txFillClrLst/>
+    <dgm:txEffectClrLst/>
+  </dgm:styleLbl>
+  <dgm:styleLbl name="asst1">
+    <dgm:fillClrLst meth="repeat">
+      <a:schemeClr val="dk2"/>
+    </dgm:fillClrLst>
+    <dgm:linClrLst meth="repeat">
+      <a:schemeClr val="lt2"/>
+    </dgm:linClrLst>
+    <dgm:effectClrLst/>
+    <dgm:txLinClrLst/>
+    <dgm:txFillClrLst/>
+    <dgm:txEffectClrLst/>
+  </dgm:styleLbl>
+  <dgm:styleLbl name="asst2">
+    <dgm:fillClrLst meth="repeat">
+      <a:schemeClr val="dk2"/>
+    </dgm:fillClrLst>
+    <dgm:linClrLst meth="repeat">
+      <a:schemeClr val="lt2"/>
+    </dgm:linClrLst>
+    <dgm:effectClrLst/>
+    <dgm:txLinClrLst/>
+    <dgm:txFillClrLst/>
+    <dgm:txEffectClrLst/>
+  </dgm:styleLbl>
+  <dgm:styleLbl name="asst3">
+    <dgm:fillClrLst meth="repeat">
+      <a:schemeClr val="dk2"/>
+    </dgm:fillClrLst>
+    <dgm:linClrLst meth="repeat">
+      <a:schemeClr val="lt2"/>
+    </dgm:linClrLst>
+    <dgm:effectClrLst/>
+    <dgm:txLinClrLst/>
+    <dgm:txFillClrLst/>
+    <dgm:txEffectClrLst/>
+  </dgm:styleLbl>
+  <dgm:styleLbl name="asst4">
+    <dgm:fillClrLst meth="repeat">
+      <a:schemeClr val="dk2"/>
+    </dgm:fillClrLst>
+    <dgm:linClrLst meth="repeat">
+      <a:schemeClr val="lt2"/>
+    </dgm:linClrLst>
+    <dgm:effectClrLst/>
+    <dgm:txLinClrLst/>
+    <dgm:txFillClrLst/>
+    <dgm:txEffectClrLst/>
+  </dgm:styleLbl>
+  <dgm:styleLbl name="parChTrans2D1">
+    <dgm:fillClrLst meth="repeat">
+      <a:schemeClr val="dk2">
+        <a:tint val="60000"/>
+      </a:schemeClr>
+    </dgm:fillClrLst>
+    <dgm:linClrLst meth="repeat">
+      <a:schemeClr val="dk2">
+        <a:tint val="60000"/>
+      </a:schemeClr>
+    </dgm:linClrLst>
+    <dgm:effectClrLst/>
+    <dgm:txLinClrLst/>
+    <dgm:txFillClrLst meth="repeat">
+      <a:schemeClr val="lt2"/>
+    </dgm:txFillClrLst>
+    <dgm:txEffectClrLst/>
+  </dgm:styleLbl>
+  <dgm:styleLbl name="parChTrans2D2">
+    <dgm:fillClrLst meth="repeat">
+      <a:schemeClr val="dk2"/>
+    </dgm:fillClrLst>
+    <dgm:linClrLst meth="repeat">
+      <a:schemeClr val="dk2"/>
+    </dgm:linClrLst>
+    <dgm:effectClrLst/>
+    <dgm:txLinClrLst/>
+    <dgm:txFillClrLst meth="repeat">
+      <a:schemeClr val="lt2"/>
+    </dgm:txFillClrLst>
+    <dgm:txEffectClrLst/>
+  </dgm:styleLbl>
+  <dgm:styleLbl name="parChTrans2D3">
+    <dgm:fillClrLst meth="repeat">
+      <a:schemeClr val="dk2"/>
+    </dgm:fillClrLst>
+    <dgm:linClrLst meth="repeat">
+      <a:schemeClr val="dk2"/>
+    </dgm:linClrLst>
+    <dgm:effectClrLst/>
+    <dgm:txLinClrLst/>
+    <dgm:txFillClrLst meth="repeat">
+      <a:schemeClr val="lt2"/>
+    </dgm:txFillClrLst>
+    <dgm:txEffectClrLst/>
+  </dgm:styleLbl>
+  <dgm:styleLbl name="parChTrans2D4">
+    <dgm:fillClrLst meth="repeat">
+      <a:schemeClr val="dk2"/>
+    </dgm:fillClrLst>
+    <dgm:linClrLst meth="repeat">
+      <a:schemeClr val="dk2"/>
+    </dgm:linClrLst>
+    <dgm:effectClrLst/>
+    <dgm:txLinClrLst/>
+    <dgm:txFillClrLst meth="repeat">
+      <a:schemeClr val="lt2"/>
+    </dgm:txFillClrLst>
+    <dgm:txEffectClrLst/>
+  </dgm:styleLbl>
+  <dgm:styleLbl name="parChTrans1D1">
+    <dgm:fillClrLst meth="repeat">
+      <a:schemeClr val="dk2"/>
+    </dgm:fillClrLst>
+    <dgm:linClrLst meth="repeat">
+      <a:schemeClr val="dk2">
+        <a:shade val="60000"/>
+      </a:schemeClr>
+    </dgm:linClrLst>
+    <dgm:effectClrLst/>
+    <dgm:txLinClrLst/>
+    <dgm:txFillClrLst meth="repeat">
+      <a:schemeClr val="tx1"/>
+    </dgm:txFillClrLst>
+    <dgm:txEffectClrLst/>
+  </dgm:styleLbl>
+  <dgm:styleLbl name="parChTrans1D2">
+    <dgm:fillClrLst meth="repeat">
+      <a:schemeClr val="dk2"/>
+    </dgm:fillClrLst>
+    <dgm:linClrLst meth="repeat">
+      <a:schemeClr val="dk2">
+        <a:shade val="60000"/>
+      </a:schemeClr>
+    </dgm:linClrLst>
+    <dgm:effectClrLst/>
+    <dgm:txLinClrLst/>
+    <dgm:txFillClrLst meth="repeat">
+      <a:schemeClr val="tx1"/>
+    </dgm:txFillClrLst>
+    <dgm:txEffectClrLst/>
+  </dgm:styleLbl>
+  <dgm:styleLbl name="parChTrans1D3">
+    <dgm:fillClrLst meth="repeat">
+      <a:schemeClr val="dk2"/>
+    </dgm:fillClrLst>
+    <dgm:linClrLst meth="repeat">
+      <a:schemeClr val="dk2">
+        <a:shade val="80000"/>
+      </a:schemeClr>
+    </dgm:linClrLst>
+    <dgm:effectClrLst/>
+    <dgm:txLinClrLst/>
+    <dgm:txFillClrLst meth="repeat">
+      <a:schemeClr val="tx1"/>
+    </dgm:txFillClrLst>
+    <dgm:txEffectClrLst/>
+  </dgm:styleLbl>
+  <dgm:styleLbl name="parChTrans1D4">
+    <dgm:fillClrLst meth="repeat">
+      <a:schemeClr val="dk2"/>
+    </dgm:fillClrLst>
+    <dgm:linClrLst meth="repeat">
+      <a:schemeClr val="dk2">
+        <a:shade val="80000"/>
+      </a:schemeClr>
+    </dgm:linClrLst>
+    <dgm:effectClrLst/>
+    <dgm:txLinClrLst/>
+    <dgm:txFillClrLst meth="repeat">
+      <a:schemeClr val="tx1"/>
+    </dgm:txFillClrLst>
+    <dgm:txEffectClrLst/>
+  </dgm:styleLbl>
+  <dgm:styleLbl name="fgAcc1">
+    <dgm:fillClrLst meth="repeat">
+      <a:schemeClr val="lt2">
+        <a:alpha val="90000"/>
+      </a:schemeClr>
+    </dgm:fillClrLst>
+    <dgm:linClrLst meth="repeat">
+      <a:schemeClr val="dk2"/>
+    </dgm:linClrLst>
+    <dgm:effectClrLst/>
+    <dgm:txLinClrLst/>
+    <dgm:txFillClrLst meth="repeat">
+      <a:schemeClr val="dk1"/>
+    </dgm:txFillClrLst>
+    <dgm:txEffectClrLst/>
+  </dgm:styleLbl>
+  <dgm:styleLbl name="conFgAcc1">
+    <dgm:fillClrLst meth="repeat">
+      <a:schemeClr val="lt2">
+        <a:alpha val="90000"/>
+      </a:schemeClr>
+    </dgm:fillClrLst>
+    <dgm:linClrLst meth="repeat">
+      <a:schemeClr val="dk2"/>
+    </dgm:linClrLst>
+    <dgm:effectClrLst/>
+    <dgm:txLinClrLst/>
+    <dgm:txFillClrLst meth="repeat">
+      <a:schemeClr val="dk1"/>
+    </dgm:txFillClrLst>
+    <dgm:txEffectClrLst/>
+  </dgm:styleLbl>
+  <dgm:styleLbl name="alignAcc1">
+    <dgm:fillClrLst meth="repeat">
+      <a:schemeClr val="lt2">
+        <a:alpha val="90000"/>
+      </a:schemeClr>
+    </dgm:fillClrLst>
+    <dgm:linClrLst meth="repeat">
+      <a:schemeClr val="dk2"/>
+    </dgm:linClrLst>
+    <dgm:effectClrLst/>
+    <dgm:txLinClrLst/>
+    <dgm:txFillClrLst meth="repeat">
+      <a:schemeClr val="dk1"/>
+    </dgm:txFillClrLst>
+    <dgm:txEffectClrLst/>
+  </dgm:styleLbl>
+  <dgm:styleLbl name="trAlignAcc1">
+    <dgm:fillClrLst meth="repeat">
+      <a:schemeClr val="lt2">
+        <a:alpha val="40000"/>
+      </a:schemeClr>
+    </dgm:fillClrLst>
+    <dgm:linClrLst meth="repeat">
+      <a:schemeClr val="dk2"/>
+    </dgm:linClrLst>
+    <dgm:effectClrLst/>
+    <dgm:txLinClrLst/>
+    <dgm:txFillClrLst meth="repeat">
+      <a:schemeClr val="dk1"/>
+    </dgm:txFillClrLst>
+    <dgm:txEffectClrLst/>
+  </dgm:styleLbl>
+  <dgm:styleLbl name="bgAcc1">
+    <dgm:fillClrLst meth="repeat">
+      <a:schemeClr val="lt2">
+        <a:alpha val="90000"/>
+      </a:schemeClr>
+    </dgm:fillClrLst>
+    <dgm:linClrLst meth="repeat">
+      <a:schemeClr val="dk2"/>
+    </dgm:linClrLst>
+    <dgm:effectClrLst/>
+    <dgm:txLinClrLst/>
+    <dgm:txFillClrLst meth="repeat">
+      <a:schemeClr val="dk1"/>
+    </dgm:txFillClrLst>
+    <dgm:txEffectClrLst/>
+  </dgm:styleLbl>
+  <dgm:styleLbl name="solidFgAcc1">
+    <dgm:fillClrLst meth="repeat">
+      <a:schemeClr val="lt2"/>
+    </dgm:fillClrLst>
+    <dgm:linClrLst meth="repeat">
+      <a:schemeClr val="dk2"/>
+    </dgm:linClrLst>
+    <dgm:effectClrLst/>
+    <dgm:txLinClrLst/>
+    <dgm:txFillClrLst meth="repeat">
+      <a:schemeClr val="dk1"/>
+    </dgm:txFillClrLst>
+    <dgm:txEffectClrLst/>
+  </dgm:styleLbl>
+  <dgm:styleLbl name="solidAlignAcc1">
+    <dgm:fillClrLst meth="repeat">
+      <a:schemeClr val="lt2"/>
+    </dgm:fillClrLst>
+    <dgm:linClrLst meth="repeat">
+      <a:schemeClr val="dk2"/>
+    </dgm:linClrLst>
+    <dgm:effectClrLst/>
+    <dgm:txLinClrLst/>
+    <dgm:txFillClrLst meth="repeat">
+      <a:schemeClr val="dk1"/>
+    </dgm:txFillClrLst>
+    <dgm:txEffectClrLst/>
+  </dgm:styleLbl>
+  <dgm:styleLbl name="solidBgAcc1">
+    <dgm:fillClrLst meth="repeat">
+      <a:schemeClr val="lt2"/>
+    </dgm:fillClrLst>
+    <dgm:linClrLst meth="repeat">
+      <a:schemeClr val="dk2"/>
+    </dgm:linClrLst>
+    <dgm:effectClrLst/>
+    <dgm:txLinClrLst/>
+    <dgm:txFillClrLst meth="repeat">
+      <a:schemeClr val="dk1"/>
+    </dgm:txFillClrLst>
+    <dgm:txEffectClrLst/>
+  </dgm:styleLbl>
+  <dgm:styleLbl name="fgAccFollowNode1">
+    <dgm:fillClrLst meth="repeat">
+      <a:schemeClr val="dk2">
+        <a:alpha val="90000"/>
+        <a:tint val="40000"/>
+      </a:schemeClr>
+    </dgm:fillClrLst>
+    <dgm:linClrLst meth="repeat">
+      <a:schemeClr val="dk2">
+        <a:alpha val="90000"/>
+        <a:tint val="40000"/>
+      </a:schemeClr>
+    </dgm:linClrLst>
+    <dgm:effectClrLst/>
+    <dgm:txLinClrLst/>
+    <dgm:txFillClrLst meth="repeat">
+      <a:schemeClr val="dk1"/>
+    </dgm:txFillClrLst>
+    <dgm:txEffectClrLst/>
+  </dgm:styleLbl>
+  <dgm:styleLbl name="alignAccFollowNode1">
+    <dgm:fillClrLst meth="repeat">
+      <a:schemeClr val="dk2">
+        <a:alpha val="90000"/>
+        <a:tint val="40000"/>
+      </a:schemeClr>
+    </dgm:fillClrLst>
+    <dgm:linClrLst meth="repeat">
+      <a:schemeClr val="dk2">
+        <a:alpha val="90000"/>
+        <a:tint val="40000"/>
+      </a:schemeClr>
+    </dgm:linClrLst>
+    <dgm:effectClrLst/>
+    <dgm:txLinClrLst/>
+    <dgm:txFillClrLst meth="repeat">
+      <a:schemeClr val="dk1"/>
+    </dgm:txFillClrLst>
+    <dgm:txEffectClrLst/>
+  </dgm:styleLbl>
+  <dgm:styleLbl name="bgAccFollowNode1">
+    <dgm:fillClrLst meth="repeat">
+      <a:schemeClr val="dk2">
+        <a:alpha val="90000"/>
+        <a:tint val="40000"/>
+      </a:schemeClr>
+    </dgm:fillClrLst>
+    <dgm:linClrLst meth="repeat">
+      <a:schemeClr val="dk2">
+        <a:alpha val="90000"/>
+        <a:tint val="40000"/>
+      </a:schemeClr>
+    </dgm:linClrLst>
+    <dgm:effectClrLst/>
+    <dgm:txLinClrLst/>
+    <dgm:txFillClrLst meth="repeat">
+      <a:schemeClr val="dk1"/>
+    </dgm:txFillClrLst>
+    <dgm:txEffectClrLst/>
+  </dgm:styleLbl>
+  <dgm:styleLbl name="fgAcc0">
+    <dgm:fillClrLst meth="repeat">
+      <a:schemeClr val="lt2">
+        <a:alpha val="90000"/>
+      </a:schemeClr>
+    </dgm:fillClrLst>
+    <dgm:linClrLst meth="repeat">
+      <a:schemeClr val="dk2"/>
+    </dgm:linClrLst>
+    <dgm:effectClrLst/>
+    <dgm:txLinClrLst/>
+    <dgm:txFillClrLst meth="repeat">
+      <a:schemeClr val="dk1"/>
+    </dgm:txFillClrLst>
+    <dgm:txEffectClrLst/>
+  </dgm:styleLbl>
+  <dgm:styleLbl name="fgAcc2">
+    <dgm:fillClrLst meth="repeat">
+      <a:schemeClr val="lt2">
+        <a:alpha val="90000"/>
+      </a:schemeClr>
+    </dgm:fillClrLst>
+    <dgm:linClrLst meth="repeat">
+      <a:schemeClr val="dk2"/>
+    </dgm:linClrLst>
+    <dgm:effectClrLst/>
+    <dgm:txLinClrLst/>
+    <dgm:txFillClrLst meth="repeat">
+      <a:schemeClr val="dk1"/>
+    </dgm:txFillClrLst>
+    <dgm:txEffectClrLst/>
+  </dgm:styleLbl>
+  <dgm:styleLbl name="fgAcc3">
+    <dgm:fillClrLst meth="repeat">
+      <a:schemeClr val="lt2">
+        <a:alpha val="90000"/>
+      </a:schemeClr>
+    </dgm:fillClrLst>
+    <dgm:linClrLst meth="repeat">
+      <a:schemeClr val="dk2"/>
+    </dgm:linClrLst>
+    <dgm:effectClrLst/>
+    <dgm:txLinClrLst/>
+    <dgm:txFillClrLst meth="repeat">
+      <a:schemeClr val="dk1"/>
+    </dgm:txFillClrLst>
+    <dgm:txEffectClrLst/>
+  </dgm:styleLbl>
+  <dgm:styleLbl name="fgAcc4">
+    <dgm:fillClrLst meth="repeat">
+      <a:schemeClr val="lt2">
+        <a:alpha val="90000"/>
+      </a:schemeClr>
+    </dgm:fillClrLst>
+    <dgm:linClrLst meth="repeat">
+      <a:schemeClr val="dk2"/>
+    </dgm:linClrLst>
+    <dgm:effectClrLst/>
+    <dgm:txLinClrLst/>
+    <dgm:txFillClrLst meth="repeat">
+      <a:schemeClr val="dk1"/>
+    </dgm:txFillClrLst>
+    <dgm:txEffectClrLst/>
+  </dgm:styleLbl>
+  <dgm:styleLbl name="bgShp">
+    <dgm:fillClrLst meth="repeat">
+      <a:schemeClr val="dk2">
+        <a:tint val="40000"/>
+      </a:schemeClr>
+    </dgm:fillClrLst>
+    <dgm:linClrLst meth="repeat">
+      <a:schemeClr val="dk2"/>
+    </dgm:linClrLst>
+    <dgm:effectClrLst/>
+    <dgm:txLinClrLst/>
+    <dgm:txFillClrLst meth="repeat">
+      <a:schemeClr val="dk1"/>
+    </dgm:txFillClrLst>
+    <dgm:txEffectClrLst/>
+  </dgm:styleLbl>
+  <dgm:styleLbl name="dkBgShp">
+    <dgm:fillClrLst meth="repeat">
+      <a:schemeClr val="dk2">
+        <a:shade val="80000"/>
+      </a:schemeClr>
+    </dgm:fillClrLst>
+    <dgm:linClrLst meth="repeat">
+      <a:schemeClr val="dk2"/>
+    </dgm:linClrLst>
+    <dgm:effectClrLst/>
+    <dgm:txLinClrLst/>
+    <dgm:txFillClrLst meth="repeat">
+      <a:schemeClr val="lt1"/>
+    </dgm:txFillClrLst>
+    <dgm:txEffectClrLst/>
+  </dgm:styleLbl>
+  <dgm:styleLbl name="trBgShp">
+    <dgm:fillClrLst meth="repeat">
+      <a:schemeClr val="dk2">
+        <a:tint val="50000"/>
+        <a:alpha val="40000"/>
+      </a:schemeClr>
+    </dgm:fillClrLst>
+    <dgm:linClrLst meth="repeat">
+      <a:schemeClr val="dk2"/>
+    </dgm:linClrLst>
+    <dgm:effectClrLst/>
+    <dgm:txLinClrLst/>
+    <dgm:txFillClrLst meth="repeat">
+      <a:schemeClr val="lt1"/>
+    </dgm:txFillClrLst>
+    <dgm:txEffectClrLst/>
+  </dgm:styleLbl>
+  <dgm:styleLbl name="fgShp">
+    <dgm:fillClrLst meth="repeat">
+      <a:schemeClr val="dk2">
+        <a:tint val="60000"/>
+      </a:schemeClr>
+    </dgm:fillClrLst>
+    <dgm:linClrLst meth="repeat">
+      <a:schemeClr val="lt2"/>
+    </dgm:linClrLst>
+    <dgm:effectClrLst/>
+    <dgm:txLinClrLst/>
+    <dgm:txFillClrLst meth="repeat">
+      <a:schemeClr val="dk1"/>
+    </dgm:txFillClrLst>
+    <dgm:txEffectClrLst/>
+  </dgm:styleLbl>
+  <dgm:styleLbl name="revTx">
+    <dgm:fillClrLst meth="repeat">
+      <a:schemeClr val="lt2">
+        <a:alpha val="0"/>
+      </a:schemeClr>
+    </dgm:fillClrLst>
+    <dgm:linClrLst meth="repeat">
+      <a:schemeClr val="dk1">
+        <a:alpha val="0"/>
+      </a:schemeClr>
+    </dgm:linClrLst>
+    <dgm:effectClrLst/>
+    <dgm:txLinClrLst/>
+    <dgm:txFillClrLst meth="repeat">
+      <a:schemeClr val="tx1"/>
+    </dgm:txFillClrLst>
+    <dgm:txEffectClrLst/>
+  </dgm:styleLbl>
+</dgm:colorsDef>
+</file>
+
+<file path=ppt/diagrams/data1.xml><?xml version="1.0" encoding="utf-8"?>
+<dgm:dataModel xmlns:dgm="http://schemas.openxmlformats.org/drawingml/2006/diagram" xmlns:a="http://schemas.openxmlformats.org/drawingml/2006/main">
+  <dgm:ptLst>
+    <dgm:pt modelId="{F1CCA763-98D2-4E41-AB3F-A803ADF498A3}" type="doc">
+      <dgm:prSet loTypeId="urn:microsoft.com/office/officeart/2005/8/layout/pList2" loCatId="list" qsTypeId="urn:microsoft.com/office/officeart/2005/8/quickstyle/3d1" qsCatId="3D" csTypeId="urn:microsoft.com/office/officeart/2005/8/colors/accent0_3" csCatId="mainScheme" phldr="1"/>
+      <dgm:spPr/>
+    </dgm:pt>
+    <dgm:pt modelId="{34FEFA9F-8AB1-4B93-BB57-D80655A547A5}">
+      <dgm:prSet phldrT="[Text]"/>
+      <dgm:spPr/>
+      <dgm:t>
+        <a:bodyPr/>
+        <a:lstStyle/>
+        <a:p>
+          <a:r>
+            <a:rPr lang="en-US" dirty="0"/>
+            <a:t>Human Activity Recognition (HAR) is the classification of sequences of sensor data into human activities</a:t>
+          </a:r>
+        </a:p>
+      </dgm:t>
+    </dgm:pt>
+    <dgm:pt modelId="{8937718E-E605-4B83-B6C1-0FC53218715B}" type="parTrans" cxnId="{0E57DC60-2FF3-436C-A409-8D0D8E8DDEE1}">
+      <dgm:prSet/>
+      <dgm:spPr/>
+      <dgm:t>
+        <a:bodyPr/>
+        <a:lstStyle/>
+        <a:p>
+          <a:endParaRPr lang="en-US"/>
+        </a:p>
+      </dgm:t>
+    </dgm:pt>
+    <dgm:pt modelId="{F32042FA-B6C1-44C6-A67E-B5FE5829305C}" type="sibTrans" cxnId="{0E57DC60-2FF3-436C-A409-8D0D8E8DDEE1}">
+      <dgm:prSet/>
+      <dgm:spPr/>
+      <dgm:t>
+        <a:bodyPr/>
+        <a:lstStyle/>
+        <a:p>
+          <a:endParaRPr lang="en-US"/>
+        </a:p>
+      </dgm:t>
+    </dgm:pt>
+    <dgm:pt modelId="{B21C45FC-7D4E-49D7-9634-17BC7D95EDDD}">
+      <dgm:prSet phldrT="[Text]"/>
+      <dgm:spPr/>
+      <dgm:t>
+        <a:bodyPr/>
+        <a:lstStyle/>
+        <a:p>
+          <a:r>
+            <a:rPr lang="en-US" dirty="0"/>
+            <a:t>Time series, multi-class classification problem ideally performed on smartphone or in cloud</a:t>
+          </a:r>
+        </a:p>
+      </dgm:t>
+    </dgm:pt>
+    <dgm:pt modelId="{798BB816-71E0-4E07-9F08-8A3D0C41894C}" type="parTrans" cxnId="{71954845-A536-446A-AA5A-C853F2F20509}">
+      <dgm:prSet/>
+      <dgm:spPr/>
+      <dgm:t>
+        <a:bodyPr/>
+        <a:lstStyle/>
+        <a:p>
+          <a:endParaRPr lang="en-US"/>
+        </a:p>
+      </dgm:t>
+    </dgm:pt>
+    <dgm:pt modelId="{4FAAF31F-20F9-48F0-8C30-F42C0F96A37D}" type="sibTrans" cxnId="{71954845-A536-446A-AA5A-C853F2F20509}">
+      <dgm:prSet/>
+      <dgm:spPr/>
+      <dgm:t>
+        <a:bodyPr/>
+        <a:lstStyle/>
+        <a:p>
+          <a:endParaRPr lang="en-US"/>
+        </a:p>
+      </dgm:t>
+    </dgm:pt>
+    <dgm:pt modelId="{8911A02F-88B5-4372-9C56-11A49F471E82}">
+      <dgm:prSet phldrT="[Text]"/>
+      <dgm:spPr/>
+      <dgm:t>
+        <a:bodyPr/>
+        <a:lstStyle/>
+        <a:p>
+          <a:r>
+            <a:rPr lang="en-US" dirty="0"/>
+            <a:t>Experiment consists of 12 activities performed by 30 volunteers</a:t>
+          </a:r>
+        </a:p>
+      </dgm:t>
+    </dgm:pt>
+    <dgm:pt modelId="{3B464D8A-6A4E-48A2-BAC6-7AFA428482B7}" type="parTrans" cxnId="{E4EAF557-AD75-4435-9A0A-4EE8CB9DE3C0}">
+      <dgm:prSet/>
+      <dgm:spPr/>
+      <dgm:t>
+        <a:bodyPr/>
+        <a:lstStyle/>
+        <a:p>
+          <a:endParaRPr lang="en-US"/>
+        </a:p>
+      </dgm:t>
+    </dgm:pt>
+    <dgm:pt modelId="{9C2F157A-18EC-4684-AC0C-8383F4DF089D}" type="sibTrans" cxnId="{E4EAF557-AD75-4435-9A0A-4EE8CB9DE3C0}">
+      <dgm:prSet/>
+      <dgm:spPr/>
+      <dgm:t>
+        <a:bodyPr/>
+        <a:lstStyle/>
+        <a:p>
+          <a:endParaRPr lang="en-US"/>
+        </a:p>
+      </dgm:t>
+    </dgm:pt>
+    <dgm:pt modelId="{CBD8EBDC-5F48-49A3-AC79-5A956DE68928}">
+      <dgm:prSet phldrT="[Text]"/>
+      <dgm:spPr/>
+      <dgm:t>
+        <a:bodyPr/>
+        <a:lstStyle/>
+        <a:p>
+          <a:r>
+            <a:rPr lang="en-US" dirty="0"/>
+            <a:t>Experiment data is from a smartphone accelerometer and gyroscope worn on waist (Samsung Galaxy S2)</a:t>
+          </a:r>
+        </a:p>
+      </dgm:t>
+    </dgm:pt>
+    <dgm:pt modelId="{F141F17A-F6DD-42C1-8C5B-9759318D549E}" type="parTrans" cxnId="{93DBB2EB-532A-4871-AAF3-EEB694B96DA5}">
+      <dgm:prSet/>
+      <dgm:spPr/>
+      <dgm:t>
+        <a:bodyPr/>
+        <a:lstStyle/>
+        <a:p>
+          <a:endParaRPr lang="en-US"/>
+        </a:p>
+      </dgm:t>
+    </dgm:pt>
+    <dgm:pt modelId="{72DCD525-2A65-491F-BB7B-0D98693EB6BD}" type="sibTrans" cxnId="{93DBB2EB-532A-4871-AAF3-EEB694B96DA5}">
+      <dgm:prSet/>
+      <dgm:spPr/>
+      <dgm:t>
+        <a:bodyPr/>
+        <a:lstStyle/>
+        <a:p>
+          <a:endParaRPr lang="en-US"/>
+        </a:p>
+      </dgm:t>
+    </dgm:pt>
+    <dgm:pt modelId="{49542699-0789-46A1-833D-F4611CB759CF}">
+      <dgm:prSet phldrT="[Text]"/>
+      <dgm:spPr/>
+      <dgm:t>
+        <a:bodyPr/>
+        <a:lstStyle/>
+        <a:p>
+          <a:r>
+            <a:rPr lang="en-US"/>
+            <a:t>Video was recorded for each subject and the movement data was manually labeled</a:t>
+          </a:r>
+          <a:endParaRPr lang="en-US" dirty="0"/>
+        </a:p>
+      </dgm:t>
+    </dgm:pt>
+    <dgm:pt modelId="{DC5E1972-5600-4473-8670-5F9C74F80BA0}" type="parTrans" cxnId="{D1A31061-0632-479F-85B8-4FEC4E806427}">
+      <dgm:prSet/>
+      <dgm:spPr/>
+      <dgm:t>
+        <a:bodyPr/>
+        <a:lstStyle/>
+        <a:p>
+          <a:endParaRPr lang="en-US"/>
+        </a:p>
+      </dgm:t>
+    </dgm:pt>
+    <dgm:pt modelId="{80AE77B2-79D1-472A-98DA-6B84562E773B}" type="sibTrans" cxnId="{D1A31061-0632-479F-85B8-4FEC4E806427}">
+      <dgm:prSet/>
+      <dgm:spPr/>
+      <dgm:t>
+        <a:bodyPr/>
+        <a:lstStyle/>
+        <a:p>
+          <a:endParaRPr lang="en-US"/>
+        </a:p>
+      </dgm:t>
+    </dgm:pt>
+    <dgm:pt modelId="{DBA7D97F-69A8-4B88-B86F-DF4601F9AEC5}">
+      <dgm:prSet phldrT="[Text]"/>
+      <dgm:spPr/>
+      <dgm:t>
+        <a:bodyPr/>
+        <a:lstStyle/>
+        <a:p>
+          <a:r>
+            <a:rPr lang="en-US" dirty="0"/>
+            <a:t>SVM classification accuracy 89% in 2012</a:t>
+          </a:r>
+        </a:p>
+      </dgm:t>
+    </dgm:pt>
+    <dgm:pt modelId="{AF797CF8-F27F-42A2-8DC3-6B200381A11A}" type="parTrans" cxnId="{268C2DF2-56C7-4119-9F53-94E610135666}">
+      <dgm:prSet/>
+      <dgm:spPr/>
+      <dgm:t>
+        <a:bodyPr/>
+        <a:lstStyle/>
+        <a:p>
+          <a:endParaRPr lang="en-US"/>
+        </a:p>
+      </dgm:t>
+    </dgm:pt>
+    <dgm:pt modelId="{14DEF67C-5DEE-4030-B8EC-1EABD0C425A0}" type="sibTrans" cxnId="{268C2DF2-56C7-4119-9F53-94E610135666}">
+      <dgm:prSet/>
+      <dgm:spPr/>
+      <dgm:t>
+        <a:bodyPr/>
+        <a:lstStyle/>
+        <a:p>
+          <a:endParaRPr lang="en-US"/>
+        </a:p>
+      </dgm:t>
+    </dgm:pt>
+    <dgm:pt modelId="{054D24E9-252C-4331-9698-786A3CE60FC7}" type="pres">
+      <dgm:prSet presAssocID="{F1CCA763-98D2-4E41-AB3F-A803ADF498A3}" presName="Name0" presStyleCnt="0">
+        <dgm:presLayoutVars>
+          <dgm:dir/>
+          <dgm:resizeHandles val="exact"/>
+        </dgm:presLayoutVars>
+      </dgm:prSet>
+      <dgm:spPr/>
+    </dgm:pt>
+    <dgm:pt modelId="{51D72048-A24E-4582-9691-25526292D244}" type="pres">
+      <dgm:prSet presAssocID="{F1CCA763-98D2-4E41-AB3F-A803ADF498A3}" presName="bkgdShp" presStyleLbl="alignAccFollowNode1" presStyleIdx="0" presStyleCnt="1"/>
+      <dgm:spPr/>
+    </dgm:pt>
+    <dgm:pt modelId="{843762A3-FD89-43F3-86A9-1190A551688F}" type="pres">
+      <dgm:prSet presAssocID="{F1CCA763-98D2-4E41-AB3F-A803ADF498A3}" presName="linComp" presStyleCnt="0"/>
+      <dgm:spPr/>
+    </dgm:pt>
+    <dgm:pt modelId="{8BA0298D-4176-4BAC-8C0A-2C21479077DE}" type="pres">
+      <dgm:prSet presAssocID="{34FEFA9F-8AB1-4B93-BB57-D80655A547A5}" presName="compNode" presStyleCnt="0"/>
+      <dgm:spPr/>
+    </dgm:pt>
+    <dgm:pt modelId="{8C36482A-8DAD-42B8-BDE7-BFB2B78F9F28}" type="pres">
+      <dgm:prSet presAssocID="{34FEFA9F-8AB1-4B93-BB57-D80655A547A5}" presName="node" presStyleLbl="node1" presStyleIdx="0" presStyleCnt="6">
+        <dgm:presLayoutVars>
+          <dgm:bulletEnabled val="1"/>
+        </dgm:presLayoutVars>
+      </dgm:prSet>
+      <dgm:spPr/>
+    </dgm:pt>
+    <dgm:pt modelId="{1A6CD8B8-0D24-4383-A6CB-F073549D511F}" type="pres">
+      <dgm:prSet presAssocID="{34FEFA9F-8AB1-4B93-BB57-D80655A547A5}" presName="invisiNode" presStyleLbl="node1" presStyleIdx="0" presStyleCnt="6"/>
+      <dgm:spPr/>
+    </dgm:pt>
+    <dgm:pt modelId="{0D7C8415-AF80-4627-A58B-1D99888FFE3D}" type="pres">
+      <dgm:prSet presAssocID="{34FEFA9F-8AB1-4B93-BB57-D80655A547A5}" presName="imagNode" presStyleLbl="fgImgPlace1" presStyleIdx="0" presStyleCnt="6"/>
+      <dgm:spPr>
+        <a:blipFill>
+          <a:blip xmlns:r="http://schemas.openxmlformats.org/officeDocument/2006/relationships" r:embed="rId1"/>
+          <a:srcRect/>
+          <a:stretch>
+            <a:fillRect l="-45000" r="-45000"/>
+          </a:stretch>
+        </a:blipFill>
+      </dgm:spPr>
+    </dgm:pt>
+    <dgm:pt modelId="{5595A0D8-7C4C-4E2C-A624-1ED30E83C7CF}" type="pres">
+      <dgm:prSet presAssocID="{F32042FA-B6C1-44C6-A67E-B5FE5829305C}" presName="sibTrans" presStyleLbl="sibTrans2D1" presStyleIdx="0" presStyleCnt="0"/>
+      <dgm:spPr/>
+    </dgm:pt>
+    <dgm:pt modelId="{AE68D19D-FD35-4D55-AE46-C5B2ABF51330}" type="pres">
+      <dgm:prSet presAssocID="{B21C45FC-7D4E-49D7-9634-17BC7D95EDDD}" presName="compNode" presStyleCnt="0"/>
+      <dgm:spPr/>
+    </dgm:pt>
+    <dgm:pt modelId="{BFA0A76F-87F1-47DC-819F-70252739A264}" type="pres">
+      <dgm:prSet presAssocID="{B21C45FC-7D4E-49D7-9634-17BC7D95EDDD}" presName="node" presStyleLbl="node1" presStyleIdx="1" presStyleCnt="6">
+        <dgm:presLayoutVars>
+          <dgm:bulletEnabled val="1"/>
+        </dgm:presLayoutVars>
+      </dgm:prSet>
+      <dgm:spPr/>
+    </dgm:pt>
+    <dgm:pt modelId="{EA80091F-3C15-4825-A1BF-AF8CD2CFEF15}" type="pres">
+      <dgm:prSet presAssocID="{B21C45FC-7D4E-49D7-9634-17BC7D95EDDD}" presName="invisiNode" presStyleLbl="node1" presStyleIdx="1" presStyleCnt="6"/>
+      <dgm:spPr/>
+    </dgm:pt>
+    <dgm:pt modelId="{D0E5BA81-45A1-4B2C-A824-9E2C5D89CF2C}" type="pres">
+      <dgm:prSet presAssocID="{B21C45FC-7D4E-49D7-9634-17BC7D95EDDD}" presName="imagNode" presStyleLbl="fgImgPlace1" presStyleIdx="1" presStyleCnt="6"/>
+      <dgm:spPr>
+        <a:blipFill>
+          <a:blip xmlns:r="http://schemas.openxmlformats.org/officeDocument/2006/relationships" r:embed="rId2"/>
+          <a:srcRect/>
+          <a:stretch>
+            <a:fillRect l="-30000" r="-30000"/>
+          </a:stretch>
+        </a:blipFill>
+      </dgm:spPr>
+      <dgm:extLst>
+        <a:ext uri="{E40237B7-FDA0-4F09-8148-C483321AD2D9}">
+          <dgm14:cNvPr xmlns:dgm14="http://schemas.microsoft.com/office/drawing/2010/diagram" id="0" name="" descr="Traffic light trails at night"/>
+        </a:ext>
+      </dgm:extLst>
+    </dgm:pt>
+    <dgm:pt modelId="{B4E83FB0-D592-41FA-8283-F6ECF969C546}" type="pres">
+      <dgm:prSet presAssocID="{4FAAF31F-20F9-48F0-8C30-F42C0F96A37D}" presName="sibTrans" presStyleLbl="sibTrans2D1" presStyleIdx="0" presStyleCnt="0"/>
+      <dgm:spPr/>
+    </dgm:pt>
+    <dgm:pt modelId="{82465E77-A7DC-4AA7-9BC6-0795062190B5}" type="pres">
+      <dgm:prSet presAssocID="{8911A02F-88B5-4372-9C56-11A49F471E82}" presName="compNode" presStyleCnt="0"/>
+      <dgm:spPr/>
+    </dgm:pt>
+    <dgm:pt modelId="{0AD03629-BB35-4E37-968A-3AC69FB38C62}" type="pres">
+      <dgm:prSet presAssocID="{8911A02F-88B5-4372-9C56-11A49F471E82}" presName="node" presStyleLbl="node1" presStyleIdx="2" presStyleCnt="6">
+        <dgm:presLayoutVars>
+          <dgm:bulletEnabled val="1"/>
+        </dgm:presLayoutVars>
+      </dgm:prSet>
+      <dgm:spPr/>
+    </dgm:pt>
+    <dgm:pt modelId="{DA13A474-FBD9-40C4-805F-D7293F34A6B7}" type="pres">
+      <dgm:prSet presAssocID="{8911A02F-88B5-4372-9C56-11A49F471E82}" presName="invisiNode" presStyleLbl="node1" presStyleIdx="2" presStyleCnt="6"/>
+      <dgm:spPr/>
+    </dgm:pt>
+    <dgm:pt modelId="{F0EDDBF3-2BD3-4308-B9E2-B520C41DF342}" type="pres">
+      <dgm:prSet presAssocID="{8911A02F-88B5-4372-9C56-11A49F471E82}" presName="imagNode" presStyleLbl="fgImgPlace1" presStyleIdx="2" presStyleCnt="6"/>
+      <dgm:spPr>
+        <a:blipFill>
+          <a:blip xmlns:r="http://schemas.openxmlformats.org/officeDocument/2006/relationships" r:embed="rId3"/>
+          <a:srcRect/>
+          <a:stretch>
+            <a:fillRect l="-39000" r="-39000"/>
+          </a:stretch>
+        </a:blipFill>
+      </dgm:spPr>
+    </dgm:pt>
+    <dgm:pt modelId="{89D74B77-1B9F-4CDE-B96C-0A63053F077D}" type="pres">
+      <dgm:prSet presAssocID="{9C2F157A-18EC-4684-AC0C-8383F4DF089D}" presName="sibTrans" presStyleLbl="sibTrans2D1" presStyleIdx="0" presStyleCnt="0"/>
+      <dgm:spPr/>
+    </dgm:pt>
+    <dgm:pt modelId="{81D04395-4B88-493B-A582-D3C363A85037}" type="pres">
+      <dgm:prSet presAssocID="{CBD8EBDC-5F48-49A3-AC79-5A956DE68928}" presName="compNode" presStyleCnt="0"/>
+      <dgm:spPr/>
+    </dgm:pt>
+    <dgm:pt modelId="{356D7E77-ECAE-4716-8836-FFDC045B46F2}" type="pres">
+      <dgm:prSet presAssocID="{CBD8EBDC-5F48-49A3-AC79-5A956DE68928}" presName="node" presStyleLbl="node1" presStyleIdx="3" presStyleCnt="6">
+        <dgm:presLayoutVars>
+          <dgm:bulletEnabled val="1"/>
+        </dgm:presLayoutVars>
+      </dgm:prSet>
+      <dgm:spPr/>
+    </dgm:pt>
+    <dgm:pt modelId="{319C9D30-22C0-4C82-B2C9-E15F01D9E4E0}" type="pres">
+      <dgm:prSet presAssocID="{CBD8EBDC-5F48-49A3-AC79-5A956DE68928}" presName="invisiNode" presStyleLbl="node1" presStyleIdx="3" presStyleCnt="6"/>
+      <dgm:spPr/>
+    </dgm:pt>
+    <dgm:pt modelId="{AE229C98-7F94-4F2F-81F6-C7E5DBB7E1B2}" type="pres">
+      <dgm:prSet presAssocID="{CBD8EBDC-5F48-49A3-AC79-5A956DE68928}" presName="imagNode" presStyleLbl="fgImgPlace1" presStyleIdx="3" presStyleCnt="6"/>
+      <dgm:spPr>
+        <a:blipFill>
+          <a:blip xmlns:r="http://schemas.openxmlformats.org/officeDocument/2006/relationships" r:embed="rId4"/>
+          <a:srcRect/>
+          <a:stretch>
+            <a:fillRect l="-4000" r="-4000"/>
+          </a:stretch>
+        </a:blipFill>
+      </dgm:spPr>
+    </dgm:pt>
+    <dgm:pt modelId="{610C7506-F95E-4DBC-8090-D64630892635}" type="pres">
+      <dgm:prSet presAssocID="{72DCD525-2A65-491F-BB7B-0D98693EB6BD}" presName="sibTrans" presStyleLbl="sibTrans2D1" presStyleIdx="0" presStyleCnt="0"/>
+      <dgm:spPr/>
+    </dgm:pt>
+    <dgm:pt modelId="{CFE6F0E2-3217-4B33-986C-8D3B31F3CFAB}" type="pres">
+      <dgm:prSet presAssocID="{49542699-0789-46A1-833D-F4611CB759CF}" presName="compNode" presStyleCnt="0"/>
+      <dgm:spPr/>
+    </dgm:pt>
+    <dgm:pt modelId="{D23727C1-648D-4885-B922-B3FBD8C3DE9C}" type="pres">
+      <dgm:prSet presAssocID="{49542699-0789-46A1-833D-F4611CB759CF}" presName="node" presStyleLbl="node1" presStyleIdx="4" presStyleCnt="6">
+        <dgm:presLayoutVars>
+          <dgm:bulletEnabled val="1"/>
+        </dgm:presLayoutVars>
+      </dgm:prSet>
+      <dgm:spPr/>
+    </dgm:pt>
+    <dgm:pt modelId="{753A5B93-7EDD-449D-A571-B3F1CEA68BBD}" type="pres">
+      <dgm:prSet presAssocID="{49542699-0789-46A1-833D-F4611CB759CF}" presName="invisiNode" presStyleLbl="node1" presStyleIdx="4" presStyleCnt="6"/>
+      <dgm:spPr/>
+    </dgm:pt>
+    <dgm:pt modelId="{72460CD2-D573-4998-898B-6E480207A13A}" type="pres">
+      <dgm:prSet presAssocID="{49542699-0789-46A1-833D-F4611CB759CF}" presName="imagNode" presStyleLbl="fgImgPlace1" presStyleIdx="4" presStyleCnt="6"/>
+      <dgm:spPr>
+        <a:blipFill>
+          <a:blip xmlns:r="http://schemas.openxmlformats.org/officeDocument/2006/relationships" r:embed="rId5"/>
+          <a:srcRect/>
+          <a:stretch>
+            <a:fillRect l="-30000" r="-30000"/>
+          </a:stretch>
+        </a:blipFill>
+      </dgm:spPr>
+    </dgm:pt>
+    <dgm:pt modelId="{371022B2-8518-4095-ACB9-C11CD7CA7216}" type="pres">
+      <dgm:prSet presAssocID="{80AE77B2-79D1-472A-98DA-6B84562E773B}" presName="sibTrans" presStyleLbl="sibTrans2D1" presStyleIdx="0" presStyleCnt="0"/>
+      <dgm:spPr/>
+    </dgm:pt>
+    <dgm:pt modelId="{38F8BC44-172D-4D4D-AB06-C5BFD2F767D5}" type="pres">
+      <dgm:prSet presAssocID="{DBA7D97F-69A8-4B88-B86F-DF4601F9AEC5}" presName="compNode" presStyleCnt="0"/>
+      <dgm:spPr/>
+    </dgm:pt>
+    <dgm:pt modelId="{63275320-1C7F-496E-8914-44812EA8972C}" type="pres">
+      <dgm:prSet presAssocID="{DBA7D97F-69A8-4B88-B86F-DF4601F9AEC5}" presName="node" presStyleLbl="node1" presStyleIdx="5" presStyleCnt="6">
+        <dgm:presLayoutVars>
+          <dgm:bulletEnabled val="1"/>
+        </dgm:presLayoutVars>
+      </dgm:prSet>
+      <dgm:spPr/>
+    </dgm:pt>
+    <dgm:pt modelId="{6A2131AA-286A-492A-822F-26579475681C}" type="pres">
+      <dgm:prSet presAssocID="{DBA7D97F-69A8-4B88-B86F-DF4601F9AEC5}" presName="invisiNode" presStyleLbl="node1" presStyleIdx="5" presStyleCnt="6"/>
+      <dgm:spPr/>
+    </dgm:pt>
+    <dgm:pt modelId="{A064FA52-5F34-44DB-BCBB-382F383D5E76}" type="pres">
+      <dgm:prSet presAssocID="{DBA7D97F-69A8-4B88-B86F-DF4601F9AEC5}" presName="imagNode" presStyleLbl="fgImgPlace1" presStyleIdx="5" presStyleCnt="6"/>
+      <dgm:spPr>
+        <a:blipFill>
+          <a:blip xmlns:r="http://schemas.openxmlformats.org/officeDocument/2006/relationships" r:embed="rId6"/>
+          <a:srcRect/>
+          <a:stretch>
+            <a:fillRect l="-10000" r="-10000"/>
+          </a:stretch>
+        </a:blipFill>
+      </dgm:spPr>
+    </dgm:pt>
+  </dgm:ptLst>
+  <dgm:cxnLst>
+    <dgm:cxn modelId="{B2779605-556B-4263-B8F6-2D2ABF76E33D}" type="presOf" srcId="{B21C45FC-7D4E-49D7-9634-17BC7D95EDDD}" destId="{BFA0A76F-87F1-47DC-819F-70252739A264}" srcOrd="0" destOrd="0" presId="urn:microsoft.com/office/officeart/2005/8/layout/pList2"/>
+    <dgm:cxn modelId="{CA0AC41B-F7FE-4D2A-B017-20291F0222E7}" type="presOf" srcId="{80AE77B2-79D1-472A-98DA-6B84562E773B}" destId="{371022B2-8518-4095-ACB9-C11CD7CA7216}" srcOrd="0" destOrd="0" presId="urn:microsoft.com/office/officeart/2005/8/layout/pList2"/>
+    <dgm:cxn modelId="{581FA930-2790-404E-A6E1-9FE6C501415A}" type="presOf" srcId="{DBA7D97F-69A8-4B88-B86F-DF4601F9AEC5}" destId="{63275320-1C7F-496E-8914-44812EA8972C}" srcOrd="0" destOrd="0" presId="urn:microsoft.com/office/officeart/2005/8/layout/pList2"/>
+    <dgm:cxn modelId="{0E57DC60-2FF3-436C-A409-8D0D8E8DDEE1}" srcId="{F1CCA763-98D2-4E41-AB3F-A803ADF498A3}" destId="{34FEFA9F-8AB1-4B93-BB57-D80655A547A5}" srcOrd="0" destOrd="0" parTransId="{8937718E-E605-4B83-B6C1-0FC53218715B}" sibTransId="{F32042FA-B6C1-44C6-A67E-B5FE5829305C}"/>
+    <dgm:cxn modelId="{D1A31061-0632-479F-85B8-4FEC4E806427}" srcId="{F1CCA763-98D2-4E41-AB3F-A803ADF498A3}" destId="{49542699-0789-46A1-833D-F4611CB759CF}" srcOrd="4" destOrd="0" parTransId="{DC5E1972-5600-4473-8670-5F9C74F80BA0}" sibTransId="{80AE77B2-79D1-472A-98DA-6B84562E773B}"/>
+    <dgm:cxn modelId="{71954845-A536-446A-AA5A-C853F2F20509}" srcId="{F1CCA763-98D2-4E41-AB3F-A803ADF498A3}" destId="{B21C45FC-7D4E-49D7-9634-17BC7D95EDDD}" srcOrd="1" destOrd="0" parTransId="{798BB816-71E0-4E07-9F08-8A3D0C41894C}" sibTransId="{4FAAF31F-20F9-48F0-8C30-F42C0F96A37D}"/>
+    <dgm:cxn modelId="{22910847-8C2A-49EB-AE49-F3FFD4A88D67}" type="presOf" srcId="{4FAAF31F-20F9-48F0-8C30-F42C0F96A37D}" destId="{B4E83FB0-D592-41FA-8283-F6ECF969C546}" srcOrd="0" destOrd="0" presId="urn:microsoft.com/office/officeart/2005/8/layout/pList2"/>
+    <dgm:cxn modelId="{E4EAF557-AD75-4435-9A0A-4EE8CB9DE3C0}" srcId="{F1CCA763-98D2-4E41-AB3F-A803ADF498A3}" destId="{8911A02F-88B5-4372-9C56-11A49F471E82}" srcOrd="2" destOrd="0" parTransId="{3B464D8A-6A4E-48A2-BAC6-7AFA428482B7}" sibTransId="{9C2F157A-18EC-4684-AC0C-8383F4DF089D}"/>
+    <dgm:cxn modelId="{4412B259-6F7A-479A-B01D-D79F3BDB8317}" type="presOf" srcId="{F32042FA-B6C1-44C6-A67E-B5FE5829305C}" destId="{5595A0D8-7C4C-4E2C-A624-1ED30E83C7CF}" srcOrd="0" destOrd="0" presId="urn:microsoft.com/office/officeart/2005/8/layout/pList2"/>
+    <dgm:cxn modelId="{40A96B89-D66D-4F5B-8C51-AE570A54D122}" type="presOf" srcId="{8911A02F-88B5-4372-9C56-11A49F471E82}" destId="{0AD03629-BB35-4E37-968A-3AC69FB38C62}" srcOrd="0" destOrd="0" presId="urn:microsoft.com/office/officeart/2005/8/layout/pList2"/>
+    <dgm:cxn modelId="{C41298A3-1AD4-483E-AFAF-990B4FDFBDD1}" type="presOf" srcId="{49542699-0789-46A1-833D-F4611CB759CF}" destId="{D23727C1-648D-4885-B922-B3FBD8C3DE9C}" srcOrd="0" destOrd="0" presId="urn:microsoft.com/office/officeart/2005/8/layout/pList2"/>
+    <dgm:cxn modelId="{5D0972B0-7016-4EC5-9773-64BD60ED2C84}" type="presOf" srcId="{72DCD525-2A65-491F-BB7B-0D98693EB6BD}" destId="{610C7506-F95E-4DBC-8090-D64630892635}" srcOrd="0" destOrd="0" presId="urn:microsoft.com/office/officeart/2005/8/layout/pList2"/>
+    <dgm:cxn modelId="{E52B49C8-9709-49A5-A8D6-C04F466E110C}" type="presOf" srcId="{CBD8EBDC-5F48-49A3-AC79-5A956DE68928}" destId="{356D7E77-ECAE-4716-8836-FFDC045B46F2}" srcOrd="0" destOrd="0" presId="urn:microsoft.com/office/officeart/2005/8/layout/pList2"/>
+    <dgm:cxn modelId="{967E33E1-71FB-4142-B202-8274D88C82EE}" type="presOf" srcId="{34FEFA9F-8AB1-4B93-BB57-D80655A547A5}" destId="{8C36482A-8DAD-42B8-BDE7-BFB2B78F9F28}" srcOrd="0" destOrd="0" presId="urn:microsoft.com/office/officeart/2005/8/layout/pList2"/>
+    <dgm:cxn modelId="{A87D35EA-6FD9-4500-ACA5-01D0D102F6BA}" type="presOf" srcId="{F1CCA763-98D2-4E41-AB3F-A803ADF498A3}" destId="{054D24E9-252C-4331-9698-786A3CE60FC7}" srcOrd="0" destOrd="0" presId="urn:microsoft.com/office/officeart/2005/8/layout/pList2"/>
+    <dgm:cxn modelId="{93DBB2EB-532A-4871-AAF3-EEB694B96DA5}" srcId="{F1CCA763-98D2-4E41-AB3F-A803ADF498A3}" destId="{CBD8EBDC-5F48-49A3-AC79-5A956DE68928}" srcOrd="3" destOrd="0" parTransId="{F141F17A-F6DD-42C1-8C5B-9759318D549E}" sibTransId="{72DCD525-2A65-491F-BB7B-0D98693EB6BD}"/>
+    <dgm:cxn modelId="{268C2DF2-56C7-4119-9F53-94E610135666}" srcId="{F1CCA763-98D2-4E41-AB3F-A803ADF498A3}" destId="{DBA7D97F-69A8-4B88-B86F-DF4601F9AEC5}" srcOrd="5" destOrd="0" parTransId="{AF797CF8-F27F-42A2-8DC3-6B200381A11A}" sibTransId="{14DEF67C-5DEE-4030-B8EC-1EABD0C425A0}"/>
+    <dgm:cxn modelId="{9A759FF9-EC17-4106-A4A5-519B5FFBA681}" type="presOf" srcId="{9C2F157A-18EC-4684-AC0C-8383F4DF089D}" destId="{89D74B77-1B9F-4CDE-B96C-0A63053F077D}" srcOrd="0" destOrd="0" presId="urn:microsoft.com/office/officeart/2005/8/layout/pList2"/>
+    <dgm:cxn modelId="{513A2330-6505-49AC-8BBC-87701894CD5F}" type="presParOf" srcId="{054D24E9-252C-4331-9698-786A3CE60FC7}" destId="{51D72048-A24E-4582-9691-25526292D244}" srcOrd="0" destOrd="0" presId="urn:microsoft.com/office/officeart/2005/8/layout/pList2"/>
+    <dgm:cxn modelId="{D13010D1-86AC-41E0-99F9-7912F2574CA1}" type="presParOf" srcId="{054D24E9-252C-4331-9698-786A3CE60FC7}" destId="{843762A3-FD89-43F3-86A9-1190A551688F}" srcOrd="1" destOrd="0" presId="urn:microsoft.com/office/officeart/2005/8/layout/pList2"/>
+    <dgm:cxn modelId="{A1462CC2-8E82-4BDC-903C-D3AE1EE54727}" type="presParOf" srcId="{843762A3-FD89-43F3-86A9-1190A551688F}" destId="{8BA0298D-4176-4BAC-8C0A-2C21479077DE}" srcOrd="0" destOrd="0" presId="urn:microsoft.com/office/officeart/2005/8/layout/pList2"/>
+    <dgm:cxn modelId="{8071B365-5865-4C6F-81E5-36FD528960D8}" type="presParOf" srcId="{8BA0298D-4176-4BAC-8C0A-2C21479077DE}" destId="{8C36482A-8DAD-42B8-BDE7-BFB2B78F9F28}" srcOrd="0" destOrd="0" presId="urn:microsoft.com/office/officeart/2005/8/layout/pList2"/>
+    <dgm:cxn modelId="{A9F17851-44CB-440C-8EF8-079A29D120DD}" type="presParOf" srcId="{8BA0298D-4176-4BAC-8C0A-2C21479077DE}" destId="{1A6CD8B8-0D24-4383-A6CB-F073549D511F}" srcOrd="1" destOrd="0" presId="urn:microsoft.com/office/officeart/2005/8/layout/pList2"/>
+    <dgm:cxn modelId="{A5CA7053-4249-4ADD-A66A-7F11803A9137}" type="presParOf" srcId="{8BA0298D-4176-4BAC-8C0A-2C21479077DE}" destId="{0D7C8415-AF80-4627-A58B-1D99888FFE3D}" srcOrd="2" destOrd="0" presId="urn:microsoft.com/office/officeart/2005/8/layout/pList2"/>
+    <dgm:cxn modelId="{C93893AA-A2DC-460D-8DAB-660A91389CF9}" type="presParOf" srcId="{843762A3-FD89-43F3-86A9-1190A551688F}" destId="{5595A0D8-7C4C-4E2C-A624-1ED30E83C7CF}" srcOrd="1" destOrd="0" presId="urn:microsoft.com/office/officeart/2005/8/layout/pList2"/>
+    <dgm:cxn modelId="{606A02CA-90BA-4301-8FAD-0FA40E8A7A5B}" type="presParOf" srcId="{843762A3-FD89-43F3-86A9-1190A551688F}" destId="{AE68D19D-FD35-4D55-AE46-C5B2ABF51330}" srcOrd="2" destOrd="0" presId="urn:microsoft.com/office/officeart/2005/8/layout/pList2"/>
+    <dgm:cxn modelId="{34B7C585-AE8C-4542-A3FF-2F0ABA6D8747}" type="presParOf" srcId="{AE68D19D-FD35-4D55-AE46-C5B2ABF51330}" destId="{BFA0A76F-87F1-47DC-819F-70252739A264}" srcOrd="0" destOrd="0" presId="urn:microsoft.com/office/officeart/2005/8/layout/pList2"/>
+    <dgm:cxn modelId="{DA9F5B99-7A23-450C-BC55-B47EDD0CCFDC}" type="presParOf" srcId="{AE68D19D-FD35-4D55-AE46-C5B2ABF51330}" destId="{EA80091F-3C15-4825-A1BF-AF8CD2CFEF15}" srcOrd="1" destOrd="0" presId="urn:microsoft.com/office/officeart/2005/8/layout/pList2"/>
+    <dgm:cxn modelId="{0B27D0A7-34A7-40E0-A98F-E33C7CB1C584}" type="presParOf" srcId="{AE68D19D-FD35-4D55-AE46-C5B2ABF51330}" destId="{D0E5BA81-45A1-4B2C-A824-9E2C5D89CF2C}" srcOrd="2" destOrd="0" presId="urn:microsoft.com/office/officeart/2005/8/layout/pList2"/>
+    <dgm:cxn modelId="{2C39043F-EC4D-4EC0-8652-9FAE0FA99041}" type="presParOf" srcId="{843762A3-FD89-43F3-86A9-1190A551688F}" destId="{B4E83FB0-D592-41FA-8283-F6ECF969C546}" srcOrd="3" destOrd="0" presId="urn:microsoft.com/office/officeart/2005/8/layout/pList2"/>
+    <dgm:cxn modelId="{441B2CA6-D2EA-432D-9EED-94EF91D82845}" type="presParOf" srcId="{843762A3-FD89-43F3-86A9-1190A551688F}" destId="{82465E77-A7DC-4AA7-9BC6-0795062190B5}" srcOrd="4" destOrd="0" presId="urn:microsoft.com/office/officeart/2005/8/layout/pList2"/>
+    <dgm:cxn modelId="{984AA08B-E9BA-494F-937A-35D8237F31A6}" type="presParOf" srcId="{82465E77-A7DC-4AA7-9BC6-0795062190B5}" destId="{0AD03629-BB35-4E37-968A-3AC69FB38C62}" srcOrd="0" destOrd="0" presId="urn:microsoft.com/office/officeart/2005/8/layout/pList2"/>
+    <dgm:cxn modelId="{465B4635-C032-4BD0-A874-0AF05C1DB3E4}" type="presParOf" srcId="{82465E77-A7DC-4AA7-9BC6-0795062190B5}" destId="{DA13A474-FBD9-40C4-805F-D7293F34A6B7}" srcOrd="1" destOrd="0" presId="urn:microsoft.com/office/officeart/2005/8/layout/pList2"/>
+    <dgm:cxn modelId="{B01986D1-03EE-4429-BFF6-25E0E8BA176B}" type="presParOf" srcId="{82465E77-A7DC-4AA7-9BC6-0795062190B5}" destId="{F0EDDBF3-2BD3-4308-B9E2-B520C41DF342}" srcOrd="2" destOrd="0" presId="urn:microsoft.com/office/officeart/2005/8/layout/pList2"/>
+    <dgm:cxn modelId="{127BCEC2-697E-4A9A-9662-EA6D3F4C7F44}" type="presParOf" srcId="{843762A3-FD89-43F3-86A9-1190A551688F}" destId="{89D74B77-1B9F-4CDE-B96C-0A63053F077D}" srcOrd="5" destOrd="0" presId="urn:microsoft.com/office/officeart/2005/8/layout/pList2"/>
+    <dgm:cxn modelId="{673A68DD-6A84-4EC8-B995-045F8FA33285}" type="presParOf" srcId="{843762A3-FD89-43F3-86A9-1190A551688F}" destId="{81D04395-4B88-493B-A582-D3C363A85037}" srcOrd="6" destOrd="0" presId="urn:microsoft.com/office/officeart/2005/8/layout/pList2"/>
+    <dgm:cxn modelId="{90CA5DEE-271F-492B-9848-E861607B6D42}" type="presParOf" srcId="{81D04395-4B88-493B-A582-D3C363A85037}" destId="{356D7E77-ECAE-4716-8836-FFDC045B46F2}" srcOrd="0" destOrd="0" presId="urn:microsoft.com/office/officeart/2005/8/layout/pList2"/>
+    <dgm:cxn modelId="{3F9A7BF8-D3FC-4213-B7A4-690807444C05}" type="presParOf" srcId="{81D04395-4B88-493B-A582-D3C363A85037}" destId="{319C9D30-22C0-4C82-B2C9-E15F01D9E4E0}" srcOrd="1" destOrd="0" presId="urn:microsoft.com/office/officeart/2005/8/layout/pList2"/>
+    <dgm:cxn modelId="{40E96742-7B81-4326-A7F9-47D240A6FFED}" type="presParOf" srcId="{81D04395-4B88-493B-A582-D3C363A85037}" destId="{AE229C98-7F94-4F2F-81F6-C7E5DBB7E1B2}" srcOrd="2" destOrd="0" presId="urn:microsoft.com/office/officeart/2005/8/layout/pList2"/>
+    <dgm:cxn modelId="{360356EB-BB6B-4A9E-9ECD-C5C455C9778C}" type="presParOf" srcId="{843762A3-FD89-43F3-86A9-1190A551688F}" destId="{610C7506-F95E-4DBC-8090-D64630892635}" srcOrd="7" destOrd="0" presId="urn:microsoft.com/office/officeart/2005/8/layout/pList2"/>
+    <dgm:cxn modelId="{0E70E6B1-F65F-43FA-9418-B6573110CB4B}" type="presParOf" srcId="{843762A3-FD89-43F3-86A9-1190A551688F}" destId="{CFE6F0E2-3217-4B33-986C-8D3B31F3CFAB}" srcOrd="8" destOrd="0" presId="urn:microsoft.com/office/officeart/2005/8/layout/pList2"/>
+    <dgm:cxn modelId="{3DFCCD98-C665-4238-B7EE-7BA2852E4B9A}" type="presParOf" srcId="{CFE6F0E2-3217-4B33-986C-8D3B31F3CFAB}" destId="{D23727C1-648D-4885-B922-B3FBD8C3DE9C}" srcOrd="0" destOrd="0" presId="urn:microsoft.com/office/officeart/2005/8/layout/pList2"/>
+    <dgm:cxn modelId="{B2B7DB97-B017-4C23-AB7D-A40E3C4715BF}" type="presParOf" srcId="{CFE6F0E2-3217-4B33-986C-8D3B31F3CFAB}" destId="{753A5B93-7EDD-449D-A571-B3F1CEA68BBD}" srcOrd="1" destOrd="0" presId="urn:microsoft.com/office/officeart/2005/8/layout/pList2"/>
+    <dgm:cxn modelId="{1C443FA4-FB5F-4589-AA48-A20D21426930}" type="presParOf" srcId="{CFE6F0E2-3217-4B33-986C-8D3B31F3CFAB}" destId="{72460CD2-D573-4998-898B-6E480207A13A}" srcOrd="2" destOrd="0" presId="urn:microsoft.com/office/officeart/2005/8/layout/pList2"/>
+    <dgm:cxn modelId="{351288B1-737C-45C6-916C-0A02C30795B2}" type="presParOf" srcId="{843762A3-FD89-43F3-86A9-1190A551688F}" destId="{371022B2-8518-4095-ACB9-C11CD7CA7216}" srcOrd="9" destOrd="0" presId="urn:microsoft.com/office/officeart/2005/8/layout/pList2"/>
+    <dgm:cxn modelId="{8BA2160D-B261-4303-9339-5A13AC864724}" type="presParOf" srcId="{843762A3-FD89-43F3-86A9-1190A551688F}" destId="{38F8BC44-172D-4D4D-AB06-C5BFD2F767D5}" srcOrd="10" destOrd="0" presId="urn:microsoft.com/office/officeart/2005/8/layout/pList2"/>
+    <dgm:cxn modelId="{1A7CB617-C77E-46AB-8106-300FB928A6DA}" type="presParOf" srcId="{38F8BC44-172D-4D4D-AB06-C5BFD2F767D5}" destId="{63275320-1C7F-496E-8914-44812EA8972C}" srcOrd="0" destOrd="0" presId="urn:microsoft.com/office/officeart/2005/8/layout/pList2"/>
+    <dgm:cxn modelId="{A9DD7729-6213-4D36-8B6B-7222991CF112}" type="presParOf" srcId="{38F8BC44-172D-4D4D-AB06-C5BFD2F767D5}" destId="{6A2131AA-286A-492A-822F-26579475681C}" srcOrd="1" destOrd="0" presId="urn:microsoft.com/office/officeart/2005/8/layout/pList2"/>
+    <dgm:cxn modelId="{D16DBB04-64E8-47A9-B7C2-9FB3AAAFD08C}" type="presParOf" srcId="{38F8BC44-172D-4D4D-AB06-C5BFD2F767D5}" destId="{A064FA52-5F34-44DB-BCBB-382F383D5E76}" srcOrd="2" destOrd="0" presId="urn:microsoft.com/office/officeart/2005/8/layout/pList2"/>
+  </dgm:cxnLst>
+  <dgm:bg/>
+  <dgm:whole/>
+  <dgm:extLst>
+    <a:ext uri="http://schemas.microsoft.com/office/drawing/2008/diagram">
+      <dsp:dataModelExt xmlns:dsp="http://schemas.microsoft.com/office/drawing/2008/diagram" relId="rId6" minVer="http://schemas.openxmlformats.org/drawingml/2006/diagram"/>
+    </a:ext>
+  </dgm:extLst>
+</dgm:dataModel>
+</file>
+
+<file path=ppt/diagrams/data2.xml><?xml version="1.0" encoding="utf-8"?>
+<dgm:dataModel xmlns:dgm="http://schemas.openxmlformats.org/drawingml/2006/diagram" xmlns:a="http://schemas.openxmlformats.org/drawingml/2006/main">
+  <dgm:ptLst>
+    <dgm:pt modelId="{6FCBEB8A-5D15-46D7-89CB-CAC0B61725FD}" type="doc">
+      <dgm:prSet loTypeId="urn:microsoft.com/office/officeart/2005/8/layout/hProcess6" loCatId="process" qsTypeId="urn:microsoft.com/office/officeart/2005/8/quickstyle/3d1" qsCatId="3D" csTypeId="urn:microsoft.com/office/officeart/2005/8/colors/accent0_3" csCatId="mainScheme" phldr="1"/>
+      <dgm:spPr/>
+      <dgm:t>
+        <a:bodyPr/>
+        <a:lstStyle/>
+        <a:p>
+          <a:endParaRPr lang="en-US"/>
+        </a:p>
+      </dgm:t>
+    </dgm:pt>
+    <dgm:pt modelId="{4B1BEE07-CCE8-493D-803D-4B193B07224F}">
+      <dgm:prSet phldrT="[Text]"/>
+      <dgm:spPr/>
+      <dgm:t>
+        <a:bodyPr/>
+        <a:lstStyle/>
+        <a:p>
+          <a:r>
+            <a:rPr lang="en-US" dirty="0"/>
+            <a:t>Raw Data</a:t>
+          </a:r>
+        </a:p>
+      </dgm:t>
+    </dgm:pt>
+    <dgm:pt modelId="{0F6EA21A-0743-4C76-A10E-5215730253A4}" type="parTrans" cxnId="{48A3F669-CF2A-4D25-8653-39AE445C6C5A}">
+      <dgm:prSet/>
+      <dgm:spPr/>
+      <dgm:t>
+        <a:bodyPr/>
+        <a:lstStyle/>
+        <a:p>
+          <a:endParaRPr lang="en-US"/>
+        </a:p>
+      </dgm:t>
+    </dgm:pt>
+    <dgm:pt modelId="{5146AB10-D54D-4C60-B756-8DB1B9C7040A}" type="sibTrans" cxnId="{48A3F669-CF2A-4D25-8653-39AE445C6C5A}">
+      <dgm:prSet/>
+      <dgm:spPr/>
+      <dgm:t>
+        <a:bodyPr/>
+        <a:lstStyle/>
+        <a:p>
+          <a:endParaRPr lang="en-US"/>
+        </a:p>
+      </dgm:t>
+    </dgm:pt>
+    <dgm:pt modelId="{E0A8DA49-C72B-419C-A43E-47C1D506E3FF}">
+      <dgm:prSet phldrT="[Text]"/>
+      <dgm:spPr/>
+      <dgm:t>
+        <a:bodyPr/>
+        <a:lstStyle/>
+        <a:p>
+          <a:r>
+            <a:rPr lang="en-US" dirty="0"/>
+            <a:t>People perform activities</a:t>
+          </a:r>
+        </a:p>
+      </dgm:t>
+    </dgm:pt>
+    <dgm:pt modelId="{D762988E-BDF5-422E-B0AC-C23C8707A32E}" type="parTrans" cxnId="{C1BFEB1F-9902-47FB-A7EC-A1EBEA5DD9D9}">
+      <dgm:prSet/>
+      <dgm:spPr/>
+      <dgm:t>
+        <a:bodyPr/>
+        <a:lstStyle/>
+        <a:p>
+          <a:endParaRPr lang="en-US"/>
+        </a:p>
+      </dgm:t>
+    </dgm:pt>
+    <dgm:pt modelId="{1E750FD9-F0E5-476B-8011-1B438B5BF83B}" type="sibTrans" cxnId="{C1BFEB1F-9902-47FB-A7EC-A1EBEA5DD9D9}">
+      <dgm:prSet/>
+      <dgm:spPr/>
+      <dgm:t>
+        <a:bodyPr/>
+        <a:lstStyle/>
+        <a:p>
+          <a:endParaRPr lang="en-US"/>
+        </a:p>
+      </dgm:t>
+    </dgm:pt>
+    <dgm:pt modelId="{DF95DF71-21B5-48F1-A961-00C54F392DE0}">
+      <dgm:prSet phldrT="[Text]"/>
+      <dgm:spPr/>
+      <dgm:t>
+        <a:bodyPr/>
+        <a:lstStyle/>
+        <a:p>
+          <a:r>
+            <a:rPr lang="en-US" dirty="0"/>
+            <a:t>Smartphone on waist</a:t>
+          </a:r>
+        </a:p>
+      </dgm:t>
+    </dgm:pt>
+    <dgm:pt modelId="{08439278-D6FB-452A-9B8E-C83AE0FD5A8D}" type="parTrans" cxnId="{7972B543-22E2-4DA7-879B-3E623C2A03A8}">
+      <dgm:prSet/>
+      <dgm:spPr/>
+      <dgm:t>
+        <a:bodyPr/>
+        <a:lstStyle/>
+        <a:p>
+          <a:endParaRPr lang="en-US"/>
+        </a:p>
+      </dgm:t>
+    </dgm:pt>
+    <dgm:pt modelId="{4DC63EC0-F2B1-4483-A5B3-29FFAE108EBF}" type="sibTrans" cxnId="{7972B543-22E2-4DA7-879B-3E623C2A03A8}">
+      <dgm:prSet/>
+      <dgm:spPr/>
+      <dgm:t>
+        <a:bodyPr/>
+        <a:lstStyle/>
+        <a:p>
+          <a:endParaRPr lang="en-US"/>
+        </a:p>
+      </dgm:t>
+    </dgm:pt>
+    <dgm:pt modelId="{C6C4195C-B742-4FCD-84CF-9E0F930E361B}">
+      <dgm:prSet phldrT="[Text]"/>
+      <dgm:spPr/>
+      <dgm:t>
+        <a:bodyPr/>
+        <a:lstStyle/>
+        <a:p>
+          <a:r>
+            <a:rPr lang="en-US" dirty="0"/>
+            <a:t>Filter Data</a:t>
+          </a:r>
+        </a:p>
+      </dgm:t>
+    </dgm:pt>
+    <dgm:pt modelId="{992075A9-4826-417A-8C32-C1278DBC0FA8}" type="parTrans" cxnId="{AAD642B4-A3DD-4FDC-A7F1-E1CB8FDDCB8B}">
+      <dgm:prSet/>
+      <dgm:spPr/>
+      <dgm:t>
+        <a:bodyPr/>
+        <a:lstStyle/>
+        <a:p>
+          <a:endParaRPr lang="en-US"/>
+        </a:p>
+      </dgm:t>
+    </dgm:pt>
+    <dgm:pt modelId="{68F6ED1F-44ED-4686-9B3B-84E479720FF5}" type="sibTrans" cxnId="{AAD642B4-A3DD-4FDC-A7F1-E1CB8FDDCB8B}">
+      <dgm:prSet/>
+      <dgm:spPr/>
+      <dgm:t>
+        <a:bodyPr/>
+        <a:lstStyle/>
+        <a:p>
+          <a:endParaRPr lang="en-US"/>
+        </a:p>
+      </dgm:t>
+    </dgm:pt>
+    <dgm:pt modelId="{D64ADED3-A6E6-4CED-968A-AD9BCE0982F5}">
+      <dgm:prSet phldrT="[Text]"/>
+      <dgm:spPr/>
+      <dgm:t>
+        <a:bodyPr/>
+        <a:lstStyle/>
+        <a:p>
+          <a:r>
+            <a:rPr lang="en-US" dirty="0"/>
+            <a:t>High-Pass filter for noise</a:t>
+          </a:r>
+        </a:p>
+      </dgm:t>
+    </dgm:pt>
+    <dgm:pt modelId="{FFEA08F0-6BDC-4930-9A76-506995EC15AD}" type="parTrans" cxnId="{FFA6AA47-49BF-4B4F-B861-0FC91E49CC88}">
+      <dgm:prSet/>
+      <dgm:spPr/>
+      <dgm:t>
+        <a:bodyPr/>
+        <a:lstStyle/>
+        <a:p>
+          <a:endParaRPr lang="en-US"/>
+        </a:p>
+      </dgm:t>
+    </dgm:pt>
+    <dgm:pt modelId="{24C90492-208F-4444-AD90-42DD4FE8AEAE}" type="sibTrans" cxnId="{FFA6AA47-49BF-4B4F-B861-0FC91E49CC88}">
+      <dgm:prSet/>
+      <dgm:spPr/>
+      <dgm:t>
+        <a:bodyPr/>
+        <a:lstStyle/>
+        <a:p>
+          <a:endParaRPr lang="en-US"/>
+        </a:p>
+      </dgm:t>
+    </dgm:pt>
+    <dgm:pt modelId="{7AB0D057-4DCA-49D4-8471-5EB420663889}">
+      <dgm:prSet phldrT="[Text]"/>
+      <dgm:spPr/>
+      <dgm:t>
+        <a:bodyPr/>
+        <a:lstStyle/>
+        <a:p>
+          <a:r>
+            <a:rPr lang="en-US" dirty="0"/>
+            <a:t>Feature Engineering</a:t>
+          </a:r>
+        </a:p>
+      </dgm:t>
+    </dgm:pt>
+    <dgm:pt modelId="{C83F2CB8-A834-49DA-9D6B-496DBB967648}" type="parTrans" cxnId="{44C32927-2FA6-406F-ACCF-827F805275EC}">
+      <dgm:prSet/>
+      <dgm:spPr/>
+      <dgm:t>
+        <a:bodyPr/>
+        <a:lstStyle/>
+        <a:p>
+          <a:endParaRPr lang="en-US"/>
+        </a:p>
+      </dgm:t>
+    </dgm:pt>
+    <dgm:pt modelId="{1F8A04C8-545D-4F54-9456-426618CCD229}" type="sibTrans" cxnId="{44C32927-2FA6-406F-ACCF-827F805275EC}">
+      <dgm:prSet/>
+      <dgm:spPr/>
+      <dgm:t>
+        <a:bodyPr/>
+        <a:lstStyle/>
+        <a:p>
+          <a:endParaRPr lang="en-US"/>
+        </a:p>
+      </dgm:t>
+    </dgm:pt>
+    <dgm:pt modelId="{32DC2AED-52FA-4F38-96F9-8E04AFE42B31}">
+      <dgm:prSet phldrT="[Text]"/>
+      <dgm:spPr/>
+      <dgm:t>
+        <a:bodyPr/>
+        <a:lstStyle/>
+        <a:p>
+          <a:r>
+            <a:rPr lang="en-US" dirty="0"/>
+            <a:t>Compute time and frequency features in commonly used in HAR</a:t>
+          </a:r>
+        </a:p>
+      </dgm:t>
+    </dgm:pt>
+    <dgm:pt modelId="{617F1893-B027-4AE5-A03C-22A284EE7ACA}" type="parTrans" cxnId="{AEA4BDBB-D213-47B7-AE89-30C6FAA67955}">
+      <dgm:prSet/>
+      <dgm:spPr/>
+      <dgm:t>
+        <a:bodyPr/>
+        <a:lstStyle/>
+        <a:p>
+          <a:endParaRPr lang="en-US"/>
+        </a:p>
+      </dgm:t>
+    </dgm:pt>
+    <dgm:pt modelId="{D01BC2B2-A7CD-4DFB-ADFE-F4D0CAB0F22D}" type="sibTrans" cxnId="{AEA4BDBB-D213-47B7-AE89-30C6FAA67955}">
+      <dgm:prSet/>
+      <dgm:spPr/>
+      <dgm:t>
+        <a:bodyPr/>
+        <a:lstStyle/>
+        <a:p>
+          <a:endParaRPr lang="en-US"/>
+        </a:p>
+      </dgm:t>
+    </dgm:pt>
+    <dgm:pt modelId="{AE9F1CCD-70B1-40AB-9B72-CF91BA3C05B7}">
+      <dgm:prSet phldrT="[Text]"/>
+      <dgm:spPr/>
+      <dgm:t>
+        <a:bodyPr/>
+        <a:lstStyle/>
+        <a:p>
+          <a:r>
+            <a:rPr lang="en-US" dirty="0"/>
+            <a:t>Split accelerometer into body and gravity motion </a:t>
+          </a:r>
+        </a:p>
+      </dgm:t>
+    </dgm:pt>
+    <dgm:pt modelId="{AC58796C-E557-4150-A912-7BE452F6EEBC}" type="parTrans" cxnId="{6FD09625-C907-43CC-BD07-AA16B5415067}">
+      <dgm:prSet/>
+      <dgm:spPr/>
+      <dgm:t>
+        <a:bodyPr/>
+        <a:lstStyle/>
+        <a:p>
+          <a:endParaRPr lang="en-US"/>
+        </a:p>
+      </dgm:t>
+    </dgm:pt>
+    <dgm:pt modelId="{04758D42-3C12-4FEF-92F8-9BAB38061F16}" type="sibTrans" cxnId="{6FD09625-C907-43CC-BD07-AA16B5415067}">
+      <dgm:prSet/>
+      <dgm:spPr/>
+      <dgm:t>
+        <a:bodyPr/>
+        <a:lstStyle/>
+        <a:p>
+          <a:endParaRPr lang="en-US"/>
+        </a:p>
+      </dgm:t>
+    </dgm:pt>
+    <dgm:pt modelId="{465B7306-9DE6-40CC-B89D-326551C400C4}">
+      <dgm:prSet phldrT="[Text]"/>
+      <dgm:spPr/>
+      <dgm:t>
+        <a:bodyPr/>
+        <a:lstStyle/>
+        <a:p>
+          <a:r>
+            <a:rPr lang="en-US" dirty="0"/>
+            <a:t>Labels created manually from video</a:t>
+          </a:r>
+        </a:p>
+      </dgm:t>
+    </dgm:pt>
+    <dgm:pt modelId="{863CFB9F-3FFE-4F38-90F7-EF7EB9C8D673}" type="parTrans" cxnId="{9F5465BB-73A6-4684-8A64-7C6B278827F5}">
+      <dgm:prSet/>
+      <dgm:spPr/>
+      <dgm:t>
+        <a:bodyPr/>
+        <a:lstStyle/>
+        <a:p>
+          <a:endParaRPr lang="en-US"/>
+        </a:p>
+      </dgm:t>
+    </dgm:pt>
+    <dgm:pt modelId="{F037521E-2FBF-4C38-A591-6B40819A3EBD}" type="sibTrans" cxnId="{9F5465BB-73A6-4684-8A64-7C6B278827F5}">
+      <dgm:prSet/>
+      <dgm:spPr/>
+      <dgm:t>
+        <a:bodyPr/>
+        <a:lstStyle/>
+        <a:p>
+          <a:endParaRPr lang="en-US"/>
+        </a:p>
+      </dgm:t>
+    </dgm:pt>
+    <dgm:pt modelId="{3616F54E-580E-4AD8-AAF9-1DE43660D7BF}">
+      <dgm:prSet phldrT="[Text]"/>
+      <dgm:spPr/>
+      <dgm:t>
+        <a:bodyPr/>
+        <a:lstStyle/>
+        <a:p>
+          <a:r>
+            <a:rPr lang="en-US" dirty="0"/>
+            <a:t>Features scaled between -1 and 1</a:t>
+          </a:r>
+        </a:p>
+      </dgm:t>
+    </dgm:pt>
+    <dgm:pt modelId="{13D9FF5B-1EF9-40DC-A552-28956B05BEED}" type="parTrans" cxnId="{753582D8-1A61-4B18-A2E8-62A0DF7D0FAB}">
+      <dgm:prSet/>
+      <dgm:spPr/>
+      <dgm:t>
+        <a:bodyPr/>
+        <a:lstStyle/>
+        <a:p>
+          <a:endParaRPr lang="en-US"/>
+        </a:p>
+      </dgm:t>
+    </dgm:pt>
+    <dgm:pt modelId="{31F7AE8C-C08B-4073-BE39-81B37DFDE85E}" type="sibTrans" cxnId="{753582D8-1A61-4B18-A2E8-62A0DF7D0FAB}">
+      <dgm:prSet/>
+      <dgm:spPr/>
+      <dgm:t>
+        <a:bodyPr/>
+        <a:lstStyle/>
+        <a:p>
+          <a:endParaRPr lang="en-US"/>
+        </a:p>
+      </dgm:t>
+    </dgm:pt>
+    <dgm:pt modelId="{0D3C55F2-4408-45EF-9F79-13BEEFDABB0E}" type="pres">
+      <dgm:prSet presAssocID="{6FCBEB8A-5D15-46D7-89CB-CAC0B61725FD}" presName="theList" presStyleCnt="0">
+        <dgm:presLayoutVars>
+          <dgm:dir/>
+          <dgm:animLvl val="lvl"/>
+          <dgm:resizeHandles val="exact"/>
+        </dgm:presLayoutVars>
+      </dgm:prSet>
+      <dgm:spPr/>
+    </dgm:pt>
+    <dgm:pt modelId="{6A7AB613-BE47-4944-AFDC-476AA3E6E11B}" type="pres">
+      <dgm:prSet presAssocID="{4B1BEE07-CCE8-493D-803D-4B193B07224F}" presName="compNode" presStyleCnt="0"/>
+      <dgm:spPr/>
+    </dgm:pt>
+    <dgm:pt modelId="{D0F22EE4-2BD6-4FDD-9C3B-0F9FCCBCE2FD}" type="pres">
+      <dgm:prSet presAssocID="{4B1BEE07-CCE8-493D-803D-4B193B07224F}" presName="noGeometry" presStyleCnt="0"/>
+      <dgm:spPr/>
+    </dgm:pt>
+    <dgm:pt modelId="{0C39AC2F-EAC0-42D7-BDDA-8AF6CAE0ABBE}" type="pres">
+      <dgm:prSet presAssocID="{4B1BEE07-CCE8-493D-803D-4B193B07224F}" presName="childTextVisible" presStyleLbl="bgAccFollowNode1" presStyleIdx="0" presStyleCnt="3">
+        <dgm:presLayoutVars>
+          <dgm:bulletEnabled val="1"/>
+        </dgm:presLayoutVars>
+      </dgm:prSet>
+      <dgm:spPr/>
+    </dgm:pt>
+    <dgm:pt modelId="{CD3FDD1D-5ABC-42D5-B23D-F90FB0530EBF}" type="pres">
+      <dgm:prSet presAssocID="{4B1BEE07-CCE8-493D-803D-4B193B07224F}" presName="childTextHidden" presStyleLbl="bgAccFollowNode1" presStyleIdx="0" presStyleCnt="3"/>
+      <dgm:spPr/>
+    </dgm:pt>
+    <dgm:pt modelId="{3019871C-FF37-45DC-8D0D-986D24ADA5B6}" type="pres">
+      <dgm:prSet presAssocID="{4B1BEE07-CCE8-493D-803D-4B193B07224F}" presName="parentText" presStyleLbl="node1" presStyleIdx="0" presStyleCnt="3">
+        <dgm:presLayoutVars>
+          <dgm:chMax val="1"/>
+          <dgm:bulletEnabled val="1"/>
+        </dgm:presLayoutVars>
+      </dgm:prSet>
+      <dgm:spPr/>
+    </dgm:pt>
+    <dgm:pt modelId="{1F4EDF3B-D6E4-4DD0-95B1-7C11C71B0B6C}" type="pres">
+      <dgm:prSet presAssocID="{4B1BEE07-CCE8-493D-803D-4B193B07224F}" presName="aSpace" presStyleCnt="0"/>
+      <dgm:spPr/>
+    </dgm:pt>
+    <dgm:pt modelId="{35411619-B8EF-4A0E-BE6E-DE9B4C7ECE2A}" type="pres">
+      <dgm:prSet presAssocID="{C6C4195C-B742-4FCD-84CF-9E0F930E361B}" presName="compNode" presStyleCnt="0"/>
+      <dgm:spPr/>
+    </dgm:pt>
+    <dgm:pt modelId="{9D8CED5B-37EC-43E3-B31A-109EA61C2500}" type="pres">
+      <dgm:prSet presAssocID="{C6C4195C-B742-4FCD-84CF-9E0F930E361B}" presName="noGeometry" presStyleCnt="0"/>
+      <dgm:spPr/>
+    </dgm:pt>
+    <dgm:pt modelId="{A4C4D1F0-AD6C-4B28-8AE2-3DD25C4F16A7}" type="pres">
+      <dgm:prSet presAssocID="{C6C4195C-B742-4FCD-84CF-9E0F930E361B}" presName="childTextVisible" presStyleLbl="bgAccFollowNode1" presStyleIdx="1" presStyleCnt="3">
+        <dgm:presLayoutVars>
+          <dgm:bulletEnabled val="1"/>
+        </dgm:presLayoutVars>
+      </dgm:prSet>
+      <dgm:spPr/>
+    </dgm:pt>
+    <dgm:pt modelId="{EFD4A893-DA4B-45C4-A86F-6E3E0840DF6F}" type="pres">
+      <dgm:prSet presAssocID="{C6C4195C-B742-4FCD-84CF-9E0F930E361B}" presName="childTextHidden" presStyleLbl="bgAccFollowNode1" presStyleIdx="1" presStyleCnt="3"/>
+      <dgm:spPr/>
+    </dgm:pt>
+    <dgm:pt modelId="{92644651-EEB7-4FCB-96CD-A68B478825B4}" type="pres">
+      <dgm:prSet presAssocID="{C6C4195C-B742-4FCD-84CF-9E0F930E361B}" presName="parentText" presStyleLbl="node1" presStyleIdx="1" presStyleCnt="3">
+        <dgm:presLayoutVars>
+          <dgm:chMax val="1"/>
+          <dgm:bulletEnabled val="1"/>
+        </dgm:presLayoutVars>
+      </dgm:prSet>
+      <dgm:spPr/>
+    </dgm:pt>
+    <dgm:pt modelId="{6AB42F46-31C0-40D9-85E7-48174F45F1DB}" type="pres">
+      <dgm:prSet presAssocID="{C6C4195C-B742-4FCD-84CF-9E0F930E361B}" presName="aSpace" presStyleCnt="0"/>
+      <dgm:spPr/>
+    </dgm:pt>
+    <dgm:pt modelId="{3BC0CA4D-50DC-4F76-8ADF-B84DA52194BB}" type="pres">
+      <dgm:prSet presAssocID="{7AB0D057-4DCA-49D4-8471-5EB420663889}" presName="compNode" presStyleCnt="0"/>
+      <dgm:spPr/>
+    </dgm:pt>
+    <dgm:pt modelId="{95F64F7B-4863-4D25-82CB-B657FE57E07E}" type="pres">
+      <dgm:prSet presAssocID="{7AB0D057-4DCA-49D4-8471-5EB420663889}" presName="noGeometry" presStyleCnt="0"/>
+      <dgm:spPr/>
+    </dgm:pt>
+    <dgm:pt modelId="{868BE2FF-FF47-4543-9B62-1959E84F2FE4}" type="pres">
+      <dgm:prSet presAssocID="{7AB0D057-4DCA-49D4-8471-5EB420663889}" presName="childTextVisible" presStyleLbl="bgAccFollowNode1" presStyleIdx="2" presStyleCnt="3">
+        <dgm:presLayoutVars>
+          <dgm:bulletEnabled val="1"/>
+        </dgm:presLayoutVars>
+      </dgm:prSet>
+      <dgm:spPr/>
+    </dgm:pt>
+    <dgm:pt modelId="{CE445226-24F1-409E-BA00-953F945C64CA}" type="pres">
+      <dgm:prSet presAssocID="{7AB0D057-4DCA-49D4-8471-5EB420663889}" presName="childTextHidden" presStyleLbl="bgAccFollowNode1" presStyleIdx="2" presStyleCnt="3"/>
+      <dgm:spPr/>
+    </dgm:pt>
+    <dgm:pt modelId="{2096C760-1DFB-4E9A-AB02-847A1F0B6EFB}" type="pres">
+      <dgm:prSet presAssocID="{7AB0D057-4DCA-49D4-8471-5EB420663889}" presName="parentText" presStyleLbl="node1" presStyleIdx="2" presStyleCnt="3">
+        <dgm:presLayoutVars>
+          <dgm:chMax val="1"/>
+          <dgm:bulletEnabled val="1"/>
+        </dgm:presLayoutVars>
+      </dgm:prSet>
+      <dgm:spPr/>
+    </dgm:pt>
+  </dgm:ptLst>
+  <dgm:cxnLst>
+    <dgm:cxn modelId="{5F9BE61B-2BEA-47AF-92EE-ED2FAB43C1A9}" type="presOf" srcId="{AE9F1CCD-70B1-40AB-9B72-CF91BA3C05B7}" destId="{EFD4A893-DA4B-45C4-A86F-6E3E0840DF6F}" srcOrd="1" destOrd="1" presId="urn:microsoft.com/office/officeart/2005/8/layout/hProcess6"/>
+    <dgm:cxn modelId="{C1BFEB1F-9902-47FB-A7EC-A1EBEA5DD9D9}" srcId="{4B1BEE07-CCE8-493D-803D-4B193B07224F}" destId="{E0A8DA49-C72B-419C-A43E-47C1D506E3FF}" srcOrd="0" destOrd="0" parTransId="{D762988E-BDF5-422E-B0AC-C23C8707A32E}" sibTransId="{1E750FD9-F0E5-476B-8011-1B438B5BF83B}"/>
+    <dgm:cxn modelId="{6FD09625-C907-43CC-BD07-AA16B5415067}" srcId="{C6C4195C-B742-4FCD-84CF-9E0F930E361B}" destId="{AE9F1CCD-70B1-40AB-9B72-CF91BA3C05B7}" srcOrd="1" destOrd="0" parTransId="{AC58796C-E557-4150-A912-7BE452F6EEBC}" sibTransId="{04758D42-3C12-4FEF-92F8-9BAB38061F16}"/>
+    <dgm:cxn modelId="{44C32927-2FA6-406F-ACCF-827F805275EC}" srcId="{6FCBEB8A-5D15-46D7-89CB-CAC0B61725FD}" destId="{7AB0D057-4DCA-49D4-8471-5EB420663889}" srcOrd="2" destOrd="0" parTransId="{C83F2CB8-A834-49DA-9D6B-496DBB967648}" sibTransId="{1F8A04C8-545D-4F54-9456-426618CCD229}"/>
+    <dgm:cxn modelId="{021FCC2F-68D4-4D1A-81E3-6A23D9E6B8B0}" type="presOf" srcId="{E0A8DA49-C72B-419C-A43E-47C1D506E3FF}" destId="{CD3FDD1D-5ABC-42D5-B23D-F90FB0530EBF}" srcOrd="1" destOrd="0" presId="urn:microsoft.com/office/officeart/2005/8/layout/hProcess6"/>
+    <dgm:cxn modelId="{25CD8032-EDBA-46AB-BF6B-6F255004ADFC}" type="presOf" srcId="{465B7306-9DE6-40CC-B89D-326551C400C4}" destId="{CE445226-24F1-409E-BA00-953F945C64CA}" srcOrd="1" destOrd="0" presId="urn:microsoft.com/office/officeart/2005/8/layout/hProcess6"/>
+    <dgm:cxn modelId="{2326DC3E-F533-4E69-871A-C94E9013F6AB}" type="presOf" srcId="{AE9F1CCD-70B1-40AB-9B72-CF91BA3C05B7}" destId="{A4C4D1F0-AD6C-4B28-8AE2-3DD25C4F16A7}" srcOrd="0" destOrd="1" presId="urn:microsoft.com/office/officeart/2005/8/layout/hProcess6"/>
+    <dgm:cxn modelId="{7972B543-22E2-4DA7-879B-3E623C2A03A8}" srcId="{4B1BEE07-CCE8-493D-803D-4B193B07224F}" destId="{DF95DF71-21B5-48F1-A961-00C54F392DE0}" srcOrd="1" destOrd="0" parTransId="{08439278-D6FB-452A-9B8E-C83AE0FD5A8D}" sibTransId="{4DC63EC0-F2B1-4483-A5B3-29FFAE108EBF}"/>
+    <dgm:cxn modelId="{FFA6AA47-49BF-4B4F-B861-0FC91E49CC88}" srcId="{C6C4195C-B742-4FCD-84CF-9E0F930E361B}" destId="{D64ADED3-A6E6-4CED-968A-AD9BCE0982F5}" srcOrd="0" destOrd="0" parTransId="{FFEA08F0-6BDC-4930-9A76-506995EC15AD}" sibTransId="{24C90492-208F-4444-AD90-42DD4FE8AEAE}"/>
+    <dgm:cxn modelId="{48A3F669-CF2A-4D25-8653-39AE445C6C5A}" srcId="{6FCBEB8A-5D15-46D7-89CB-CAC0B61725FD}" destId="{4B1BEE07-CCE8-493D-803D-4B193B07224F}" srcOrd="0" destOrd="0" parTransId="{0F6EA21A-0743-4C76-A10E-5215730253A4}" sibTransId="{5146AB10-D54D-4C60-B756-8DB1B9C7040A}"/>
+    <dgm:cxn modelId="{A4F81A57-0BCA-4788-BB22-27A71F400BD5}" type="presOf" srcId="{E0A8DA49-C72B-419C-A43E-47C1D506E3FF}" destId="{0C39AC2F-EAC0-42D7-BDDA-8AF6CAE0ABBE}" srcOrd="0" destOrd="0" presId="urn:microsoft.com/office/officeart/2005/8/layout/hProcess6"/>
+    <dgm:cxn modelId="{F7048258-7B14-4C48-8305-776B7C21015D}" type="presOf" srcId="{32DC2AED-52FA-4F38-96F9-8E04AFE42B31}" destId="{868BE2FF-FF47-4543-9B62-1959E84F2FE4}" srcOrd="0" destOrd="1" presId="urn:microsoft.com/office/officeart/2005/8/layout/hProcess6"/>
+    <dgm:cxn modelId="{33C53C7D-79FE-45CC-81B3-48DCE2AF9A53}" type="presOf" srcId="{C6C4195C-B742-4FCD-84CF-9E0F930E361B}" destId="{92644651-EEB7-4FCB-96CD-A68B478825B4}" srcOrd="0" destOrd="0" presId="urn:microsoft.com/office/officeart/2005/8/layout/hProcess6"/>
+    <dgm:cxn modelId="{00BB6089-67D2-468B-873F-15C42E0C451F}" type="presOf" srcId="{D64ADED3-A6E6-4CED-968A-AD9BCE0982F5}" destId="{A4C4D1F0-AD6C-4B28-8AE2-3DD25C4F16A7}" srcOrd="0" destOrd="0" presId="urn:microsoft.com/office/officeart/2005/8/layout/hProcess6"/>
+    <dgm:cxn modelId="{29591D95-729E-426F-B785-826D41332BBE}" type="presOf" srcId="{7AB0D057-4DCA-49D4-8471-5EB420663889}" destId="{2096C760-1DFB-4E9A-AB02-847A1F0B6EFB}" srcOrd="0" destOrd="0" presId="urn:microsoft.com/office/officeart/2005/8/layout/hProcess6"/>
+    <dgm:cxn modelId="{AAC6EFA0-99E9-42AE-A7A3-7025F237FE4F}" type="presOf" srcId="{3616F54E-580E-4AD8-AAF9-1DE43660D7BF}" destId="{868BE2FF-FF47-4543-9B62-1959E84F2FE4}" srcOrd="0" destOrd="2" presId="urn:microsoft.com/office/officeart/2005/8/layout/hProcess6"/>
+    <dgm:cxn modelId="{69B059A1-17A7-4315-8D54-D53D225A78BD}" type="presOf" srcId="{DF95DF71-21B5-48F1-A961-00C54F392DE0}" destId="{CD3FDD1D-5ABC-42D5-B23D-F90FB0530EBF}" srcOrd="1" destOrd="1" presId="urn:microsoft.com/office/officeart/2005/8/layout/hProcess6"/>
+    <dgm:cxn modelId="{CC5EF7AF-48C3-4812-8A0F-46FF6EB84CAD}" type="presOf" srcId="{465B7306-9DE6-40CC-B89D-326551C400C4}" destId="{868BE2FF-FF47-4543-9B62-1959E84F2FE4}" srcOrd="0" destOrd="0" presId="urn:microsoft.com/office/officeart/2005/8/layout/hProcess6"/>
+    <dgm:cxn modelId="{C38755B3-FBE9-41E2-B2B7-19DDDADE9237}" type="presOf" srcId="{3616F54E-580E-4AD8-AAF9-1DE43660D7BF}" destId="{CE445226-24F1-409E-BA00-953F945C64CA}" srcOrd="1" destOrd="2" presId="urn:microsoft.com/office/officeart/2005/8/layout/hProcess6"/>
+    <dgm:cxn modelId="{AAD642B4-A3DD-4FDC-A7F1-E1CB8FDDCB8B}" srcId="{6FCBEB8A-5D15-46D7-89CB-CAC0B61725FD}" destId="{C6C4195C-B742-4FCD-84CF-9E0F930E361B}" srcOrd="1" destOrd="0" parTransId="{992075A9-4826-417A-8C32-C1278DBC0FA8}" sibTransId="{68F6ED1F-44ED-4686-9B3B-84E479720FF5}"/>
+    <dgm:cxn modelId="{9F5465BB-73A6-4684-8A64-7C6B278827F5}" srcId="{7AB0D057-4DCA-49D4-8471-5EB420663889}" destId="{465B7306-9DE6-40CC-B89D-326551C400C4}" srcOrd="0" destOrd="0" parTransId="{863CFB9F-3FFE-4F38-90F7-EF7EB9C8D673}" sibTransId="{F037521E-2FBF-4C38-A591-6B40819A3EBD}"/>
+    <dgm:cxn modelId="{AEA4BDBB-D213-47B7-AE89-30C6FAA67955}" srcId="{7AB0D057-4DCA-49D4-8471-5EB420663889}" destId="{32DC2AED-52FA-4F38-96F9-8E04AFE42B31}" srcOrd="1" destOrd="0" parTransId="{617F1893-B027-4AE5-A03C-22A284EE7ACA}" sibTransId="{D01BC2B2-A7CD-4DFB-ADFE-F4D0CAB0F22D}"/>
+    <dgm:cxn modelId="{043EC1BE-633A-49B5-9188-E8FFC4B760CD}" type="presOf" srcId="{6FCBEB8A-5D15-46D7-89CB-CAC0B61725FD}" destId="{0D3C55F2-4408-45EF-9F79-13BEEFDABB0E}" srcOrd="0" destOrd="0" presId="urn:microsoft.com/office/officeart/2005/8/layout/hProcess6"/>
+    <dgm:cxn modelId="{8BE2E3D2-A6D4-41E6-B63A-5865D1B405AC}" type="presOf" srcId="{32DC2AED-52FA-4F38-96F9-8E04AFE42B31}" destId="{CE445226-24F1-409E-BA00-953F945C64CA}" srcOrd="1" destOrd="1" presId="urn:microsoft.com/office/officeart/2005/8/layout/hProcess6"/>
+    <dgm:cxn modelId="{753582D8-1A61-4B18-A2E8-62A0DF7D0FAB}" srcId="{7AB0D057-4DCA-49D4-8471-5EB420663889}" destId="{3616F54E-580E-4AD8-AAF9-1DE43660D7BF}" srcOrd="2" destOrd="0" parTransId="{13D9FF5B-1EF9-40DC-A552-28956B05BEED}" sibTransId="{31F7AE8C-C08B-4073-BE39-81B37DFDE85E}"/>
+    <dgm:cxn modelId="{F1EFEDD9-CAE9-431B-AC15-81AA39B041A3}" type="presOf" srcId="{4B1BEE07-CCE8-493D-803D-4B193B07224F}" destId="{3019871C-FF37-45DC-8D0D-986D24ADA5B6}" srcOrd="0" destOrd="0" presId="urn:microsoft.com/office/officeart/2005/8/layout/hProcess6"/>
+    <dgm:cxn modelId="{D95DCCEE-F164-4240-B201-EA97856B671A}" type="presOf" srcId="{D64ADED3-A6E6-4CED-968A-AD9BCE0982F5}" destId="{EFD4A893-DA4B-45C4-A86F-6E3E0840DF6F}" srcOrd="1" destOrd="0" presId="urn:microsoft.com/office/officeart/2005/8/layout/hProcess6"/>
+    <dgm:cxn modelId="{E84401FE-8E95-48EF-9976-7B01AFCBBD1E}" type="presOf" srcId="{DF95DF71-21B5-48F1-A961-00C54F392DE0}" destId="{0C39AC2F-EAC0-42D7-BDDA-8AF6CAE0ABBE}" srcOrd="0" destOrd="1" presId="urn:microsoft.com/office/officeart/2005/8/layout/hProcess6"/>
+    <dgm:cxn modelId="{2EE38038-062E-449D-809A-2B8D192FDCEB}" type="presParOf" srcId="{0D3C55F2-4408-45EF-9F79-13BEEFDABB0E}" destId="{6A7AB613-BE47-4944-AFDC-476AA3E6E11B}" srcOrd="0" destOrd="0" presId="urn:microsoft.com/office/officeart/2005/8/layout/hProcess6"/>
+    <dgm:cxn modelId="{E0B44ED8-3525-46DB-8A51-CE1002DED066}" type="presParOf" srcId="{6A7AB613-BE47-4944-AFDC-476AA3E6E11B}" destId="{D0F22EE4-2BD6-4FDD-9C3B-0F9FCCBCE2FD}" srcOrd="0" destOrd="0" presId="urn:microsoft.com/office/officeart/2005/8/layout/hProcess6"/>
+    <dgm:cxn modelId="{544F349D-9EE2-4574-ACB2-9373D20C822F}" type="presParOf" srcId="{6A7AB613-BE47-4944-AFDC-476AA3E6E11B}" destId="{0C39AC2F-EAC0-42D7-BDDA-8AF6CAE0ABBE}" srcOrd="1" destOrd="0" presId="urn:microsoft.com/office/officeart/2005/8/layout/hProcess6"/>
+    <dgm:cxn modelId="{A4FA3FEA-F78C-49E7-AD63-8CA9D352A477}" type="presParOf" srcId="{6A7AB613-BE47-4944-AFDC-476AA3E6E11B}" destId="{CD3FDD1D-5ABC-42D5-B23D-F90FB0530EBF}" srcOrd="2" destOrd="0" presId="urn:microsoft.com/office/officeart/2005/8/layout/hProcess6"/>
+    <dgm:cxn modelId="{B2A15F95-B137-41B6-992A-730822E4DA9B}" type="presParOf" srcId="{6A7AB613-BE47-4944-AFDC-476AA3E6E11B}" destId="{3019871C-FF37-45DC-8D0D-986D24ADA5B6}" srcOrd="3" destOrd="0" presId="urn:microsoft.com/office/officeart/2005/8/layout/hProcess6"/>
+    <dgm:cxn modelId="{E9C4E04E-F3AB-451A-A147-F33BB837C62B}" type="presParOf" srcId="{0D3C55F2-4408-45EF-9F79-13BEEFDABB0E}" destId="{1F4EDF3B-D6E4-4DD0-95B1-7C11C71B0B6C}" srcOrd="1" destOrd="0" presId="urn:microsoft.com/office/officeart/2005/8/layout/hProcess6"/>
+    <dgm:cxn modelId="{DBC50066-B906-4F5C-8E30-7709D12145C3}" type="presParOf" srcId="{0D3C55F2-4408-45EF-9F79-13BEEFDABB0E}" destId="{35411619-B8EF-4A0E-BE6E-DE9B4C7ECE2A}" srcOrd="2" destOrd="0" presId="urn:microsoft.com/office/officeart/2005/8/layout/hProcess6"/>
+    <dgm:cxn modelId="{6502DDF1-0D91-4AF3-AF62-E681630E20D1}" type="presParOf" srcId="{35411619-B8EF-4A0E-BE6E-DE9B4C7ECE2A}" destId="{9D8CED5B-37EC-43E3-B31A-109EA61C2500}" srcOrd="0" destOrd="0" presId="urn:microsoft.com/office/officeart/2005/8/layout/hProcess6"/>
+    <dgm:cxn modelId="{BA36420C-F4EF-4EE9-8786-4D06C65DD852}" type="presParOf" srcId="{35411619-B8EF-4A0E-BE6E-DE9B4C7ECE2A}" destId="{A4C4D1F0-AD6C-4B28-8AE2-3DD25C4F16A7}" srcOrd="1" destOrd="0" presId="urn:microsoft.com/office/officeart/2005/8/layout/hProcess6"/>
+    <dgm:cxn modelId="{6FBD6E96-BBFB-420F-B2B3-2E9C0F76E6C9}" type="presParOf" srcId="{35411619-B8EF-4A0E-BE6E-DE9B4C7ECE2A}" destId="{EFD4A893-DA4B-45C4-A86F-6E3E0840DF6F}" srcOrd="2" destOrd="0" presId="urn:microsoft.com/office/officeart/2005/8/layout/hProcess6"/>
+    <dgm:cxn modelId="{E454BB2C-875E-46B4-93AA-A56E59EC0798}" type="presParOf" srcId="{35411619-B8EF-4A0E-BE6E-DE9B4C7ECE2A}" destId="{92644651-EEB7-4FCB-96CD-A68B478825B4}" srcOrd="3" destOrd="0" presId="urn:microsoft.com/office/officeart/2005/8/layout/hProcess6"/>
+    <dgm:cxn modelId="{4393B933-02A8-4C86-86C3-E7ADFD6FE156}" type="presParOf" srcId="{0D3C55F2-4408-45EF-9F79-13BEEFDABB0E}" destId="{6AB42F46-31C0-40D9-85E7-48174F45F1DB}" srcOrd="3" destOrd="0" presId="urn:microsoft.com/office/officeart/2005/8/layout/hProcess6"/>
+    <dgm:cxn modelId="{F894FBD9-7CBE-4132-95FA-B10FDBD179B6}" type="presParOf" srcId="{0D3C55F2-4408-45EF-9F79-13BEEFDABB0E}" destId="{3BC0CA4D-50DC-4F76-8ADF-B84DA52194BB}" srcOrd="4" destOrd="0" presId="urn:microsoft.com/office/officeart/2005/8/layout/hProcess6"/>
+    <dgm:cxn modelId="{9C616BAA-F9C4-4C1C-BA87-B5C672C9E074}" type="presParOf" srcId="{3BC0CA4D-50DC-4F76-8ADF-B84DA52194BB}" destId="{95F64F7B-4863-4D25-82CB-B657FE57E07E}" srcOrd="0" destOrd="0" presId="urn:microsoft.com/office/officeart/2005/8/layout/hProcess6"/>
+    <dgm:cxn modelId="{25C035DE-5BFF-4B68-99D6-06E0B8202F61}" type="presParOf" srcId="{3BC0CA4D-50DC-4F76-8ADF-B84DA52194BB}" destId="{868BE2FF-FF47-4543-9B62-1959E84F2FE4}" srcOrd="1" destOrd="0" presId="urn:microsoft.com/office/officeart/2005/8/layout/hProcess6"/>
+    <dgm:cxn modelId="{B2D7AB1B-7F28-4F1C-B684-745482FD7DD3}" type="presParOf" srcId="{3BC0CA4D-50DC-4F76-8ADF-B84DA52194BB}" destId="{CE445226-24F1-409E-BA00-953F945C64CA}" srcOrd="2" destOrd="0" presId="urn:microsoft.com/office/officeart/2005/8/layout/hProcess6"/>
+    <dgm:cxn modelId="{BDF160D9-2287-49E8-AE66-BFC3F16BCA5D}" type="presParOf" srcId="{3BC0CA4D-50DC-4F76-8ADF-B84DA52194BB}" destId="{2096C760-1DFB-4E9A-AB02-847A1F0B6EFB}" srcOrd="3" destOrd="0" presId="urn:microsoft.com/office/officeart/2005/8/layout/hProcess6"/>
+  </dgm:cxnLst>
+  <dgm:bg/>
+  <dgm:whole/>
+  <dgm:extLst>
+    <a:ext uri="http://schemas.microsoft.com/office/drawing/2008/diagram">
+      <dsp:dataModelExt xmlns:dsp="http://schemas.microsoft.com/office/drawing/2008/diagram" relId="rId6" minVer="http://schemas.openxmlformats.org/drawingml/2006/diagram"/>
+    </a:ext>
+  </dgm:extLst>
+</dgm:dataModel>
+</file>
+
+<file path=ppt/diagrams/drawing1.xml><?xml version="1.0" encoding="utf-8"?>
+<dsp:drawing xmlns:dgm="http://schemas.openxmlformats.org/drawingml/2006/diagram" xmlns:dsp="http://schemas.microsoft.com/office/drawing/2008/diagram" xmlns:a="http://schemas.openxmlformats.org/drawingml/2006/main">
+  <dsp:spTree>
+    <dsp:nvGrpSpPr>
+      <dsp:cNvPr id="0" name=""/>
+      <dsp:cNvGrpSpPr/>
+    </dsp:nvGrpSpPr>
+    <dsp:grpSpPr/>
+    <dsp:sp modelId="{51D72048-A24E-4582-9691-25526292D244}">
+      <dsp:nvSpPr>
+        <dsp:cNvPr id="0" name=""/>
+        <dsp:cNvSpPr/>
+      </dsp:nvSpPr>
+      <dsp:spPr>
+        <a:xfrm>
+          <a:off x="0" y="0"/>
+          <a:ext cx="11265932" cy="2195839"/>
+        </a:xfrm>
+        <a:prstGeom prst="roundRect">
+          <a:avLst>
+            <a:gd name="adj" fmla="val 10000"/>
+          </a:avLst>
+        </a:prstGeom>
+        <a:solidFill>
+          <a:schemeClr val="dk2">
+            <a:alpha val="90000"/>
+            <a:tint val="40000"/>
+            <a:hueOff val="0"/>
+            <a:satOff val="0"/>
+            <a:lumOff val="0"/>
+            <a:alphaOff val="0"/>
+          </a:schemeClr>
+        </a:solidFill>
+        <a:ln w="9525" cap="rnd" cmpd="sng" algn="ctr">
+          <a:solidFill>
+            <a:schemeClr val="dk2">
+              <a:alpha val="90000"/>
+              <a:tint val="40000"/>
+              <a:hueOff val="0"/>
+              <a:satOff val="0"/>
+              <a:lumOff val="0"/>
+              <a:alphaOff val="0"/>
+            </a:schemeClr>
+          </a:solidFill>
+          <a:prstDash val="solid"/>
+        </a:ln>
+        <a:effectLst>
+          <a:outerShdw blurRad="38100" dist="25400" dir="5400000" rotWithShape="0">
+            <a:srgbClr val="000000">
+              <a:alpha val="45000"/>
+            </a:srgbClr>
+          </a:outerShdw>
+        </a:effectLst>
+        <a:scene3d>
+          <a:camera prst="orthographicFront"/>
+          <a:lightRig rig="flat" dir="t"/>
+        </a:scene3d>
+        <a:sp3d extrusionH="12700" prstMaterial="plastic">
+          <a:bevelT w="50800" h="50800"/>
+        </a:sp3d>
+      </dsp:spPr>
+      <dsp:style>
+        <a:lnRef idx="1">
+          <a:scrgbClr r="0" g="0" b="0"/>
+        </a:lnRef>
+        <a:fillRef idx="1">
+          <a:scrgbClr r="0" g="0" b="0"/>
+        </a:fillRef>
+        <a:effectRef idx="2">
+          <a:scrgbClr r="0" g="0" b="0"/>
+        </a:effectRef>
+        <a:fontRef idx="minor"/>
+      </dsp:style>
+    </dsp:sp>
+    <dsp:sp modelId="{0D7C8415-AF80-4627-A58B-1D99888FFE3D}">
+      <dsp:nvSpPr>
+        <dsp:cNvPr id="0" name=""/>
+        <dsp:cNvSpPr/>
+      </dsp:nvSpPr>
+      <dsp:spPr>
+        <a:xfrm>
+          <a:off x="339270" y="292778"/>
+          <a:ext cx="1628829" cy="1610282"/>
+        </a:xfrm>
+        <a:prstGeom prst="roundRect">
+          <a:avLst>
+            <a:gd name="adj" fmla="val 10000"/>
+          </a:avLst>
+        </a:prstGeom>
+        <a:blipFill>
+          <a:blip xmlns:r="http://schemas.openxmlformats.org/officeDocument/2006/relationships" r:embed="rId1"/>
+          <a:srcRect/>
+          <a:stretch>
+            <a:fillRect l="-45000" r="-45000"/>
+          </a:stretch>
+        </a:blipFill>
+        <a:ln>
+          <a:noFill/>
+        </a:ln>
+        <a:effectLst>
+          <a:outerShdw blurRad="38100" dist="25400" dir="5400000" rotWithShape="0">
+            <a:srgbClr val="000000">
+              <a:alpha val="45000"/>
+            </a:srgbClr>
+          </a:outerShdw>
+        </a:effectLst>
+        <a:scene3d>
+          <a:camera prst="orthographicFront"/>
+          <a:lightRig rig="flat" dir="t"/>
+        </a:scene3d>
+        <a:sp3d z="127000" prstMaterial="plastic">
+          <a:bevelT w="88900" h="88900"/>
+          <a:bevelB w="88900" h="31750" prst="angle"/>
+        </a:sp3d>
+      </dsp:spPr>
+      <dsp:style>
+        <a:lnRef idx="0">
+          <a:scrgbClr r="0" g="0" b="0"/>
+        </a:lnRef>
+        <a:fillRef idx="3">
+          <a:scrgbClr r="0" g="0" b="0"/>
+        </a:fillRef>
+        <a:effectRef idx="2">
+          <a:scrgbClr r="0" g="0" b="0"/>
+        </a:effectRef>
+        <a:fontRef idx="minor"/>
+      </dsp:style>
+    </dsp:sp>
+    <dsp:sp modelId="{8C36482A-8DAD-42B8-BDE7-BFB2B78F9F28}">
+      <dsp:nvSpPr>
+        <dsp:cNvPr id="0" name=""/>
+        <dsp:cNvSpPr/>
+      </dsp:nvSpPr>
+      <dsp:spPr>
+        <a:xfrm rot="10800000">
+          <a:off x="339270" y="2195839"/>
+          <a:ext cx="1628829" cy="2683803"/>
+        </a:xfrm>
+        <a:prstGeom prst="round2SameRect">
+          <a:avLst>
+            <a:gd name="adj1" fmla="val 10500"/>
+            <a:gd name="adj2" fmla="val 0"/>
+          </a:avLst>
+        </a:prstGeom>
+        <a:gradFill rotWithShape="0">
+          <a:gsLst>
+            <a:gs pos="0">
+              <a:schemeClr val="dk2">
+                <a:hueOff val="0"/>
+                <a:satOff val="0"/>
+                <a:lumOff val="0"/>
+                <a:alphaOff val="0"/>
+                <a:tint val="98000"/>
+                <a:lumMod val="114000"/>
+              </a:schemeClr>
+            </a:gs>
+            <a:gs pos="100000">
+              <a:schemeClr val="dk2">
+                <a:hueOff val="0"/>
+                <a:satOff val="0"/>
+                <a:lumOff val="0"/>
+                <a:alphaOff val="0"/>
+                <a:shade val="90000"/>
+                <a:lumMod val="84000"/>
+              </a:schemeClr>
+            </a:gs>
+          </a:gsLst>
+          <a:lin ang="5400000" scaled="0"/>
+        </a:gradFill>
+        <a:ln>
+          <a:noFill/>
+        </a:ln>
+        <a:effectLst>
+          <a:outerShdw blurRad="38100" dist="25400" dir="5400000" rotWithShape="0">
+            <a:srgbClr val="000000">
+              <a:alpha val="45000"/>
+            </a:srgbClr>
+          </a:outerShdw>
+        </a:effectLst>
+        <a:scene3d>
+          <a:camera prst="orthographicFront"/>
+          <a:lightRig rig="flat" dir="t"/>
+        </a:scene3d>
+        <a:sp3d prstMaterial="plastic">
+          <a:bevelT w="120900" h="88900"/>
+          <a:bevelB w="88900" h="31750" prst="angle"/>
+        </a:sp3d>
+      </dsp:spPr>
+      <dsp:style>
+        <a:lnRef idx="0">
+          <a:scrgbClr r="0" g="0" b="0"/>
+        </a:lnRef>
+        <a:fillRef idx="3">
+          <a:scrgbClr r="0" g="0" b="0"/>
+        </a:fillRef>
+        <a:effectRef idx="2">
+          <a:scrgbClr r="0" g="0" b="0"/>
+        </a:effectRef>
+        <a:fontRef idx="minor">
+          <a:schemeClr val="lt1"/>
+        </a:fontRef>
+      </dsp:style>
+      <dsp:txBody>
+        <a:bodyPr spcFirstLastPara="0" vert="horz" wrap="square" lIns="99568" tIns="99568" rIns="99568" bIns="99568" numCol="1" spcCol="1270" anchor="t" anchorCtr="0">
+          <a:noAutofit/>
+        </a:bodyPr>
+        <a:lstStyle/>
+        <a:p>
+          <a:pPr marL="0" lvl="0" indent="0" algn="ctr" defTabSz="622300">
+            <a:lnSpc>
+              <a:spcPct val="90000"/>
+            </a:lnSpc>
+            <a:spcBef>
+              <a:spcPct val="0"/>
+            </a:spcBef>
+            <a:spcAft>
+              <a:spcPct val="35000"/>
+            </a:spcAft>
+            <a:buNone/>
+          </a:pPr>
+          <a:r>
+            <a:rPr lang="en-US" sz="1400" kern="1200" dirty="0"/>
+            <a:t>Human Activity Recognition (HAR) is the classification of sequences of sensor data into human activities</a:t>
+          </a:r>
+        </a:p>
+      </dsp:txBody>
+      <dsp:txXfrm rot="10800000">
+        <a:off x="389362" y="2195839"/>
+        <a:ext cx="1528645" cy="2633711"/>
+      </dsp:txXfrm>
+    </dsp:sp>
+    <dsp:sp modelId="{D0E5BA81-45A1-4B2C-A824-9E2C5D89CF2C}">
+      <dsp:nvSpPr>
+        <dsp:cNvPr id="0" name=""/>
+        <dsp:cNvSpPr/>
+      </dsp:nvSpPr>
+      <dsp:spPr>
+        <a:xfrm>
+          <a:off x="2130982" y="292778"/>
+          <a:ext cx="1628829" cy="1610282"/>
+        </a:xfrm>
+        <a:prstGeom prst="roundRect">
+          <a:avLst>
+            <a:gd name="adj" fmla="val 10000"/>
+          </a:avLst>
+        </a:prstGeom>
+        <a:blipFill>
+          <a:blip xmlns:r="http://schemas.openxmlformats.org/officeDocument/2006/relationships" r:embed="rId2"/>
+          <a:srcRect/>
+          <a:stretch>
+            <a:fillRect l="-30000" r="-30000"/>
+          </a:stretch>
+        </a:blipFill>
+        <a:ln>
+          <a:noFill/>
+        </a:ln>
+        <a:effectLst>
+          <a:outerShdw blurRad="38100" dist="25400" dir="5400000" rotWithShape="0">
+            <a:srgbClr val="000000">
+              <a:alpha val="45000"/>
+            </a:srgbClr>
+          </a:outerShdw>
+        </a:effectLst>
+        <a:scene3d>
+          <a:camera prst="orthographicFront"/>
+          <a:lightRig rig="flat" dir="t"/>
+        </a:scene3d>
+        <a:sp3d z="127000" prstMaterial="plastic">
+          <a:bevelT w="88900" h="88900"/>
+          <a:bevelB w="88900" h="31750" prst="angle"/>
+        </a:sp3d>
+      </dsp:spPr>
+      <dsp:style>
+        <a:lnRef idx="0">
+          <a:scrgbClr r="0" g="0" b="0"/>
+        </a:lnRef>
+        <a:fillRef idx="3">
+          <a:scrgbClr r="0" g="0" b="0"/>
+        </a:fillRef>
+        <a:effectRef idx="2">
+          <a:scrgbClr r="0" g="0" b="0"/>
+        </a:effectRef>
+        <a:fontRef idx="minor"/>
+      </dsp:style>
+    </dsp:sp>
+    <dsp:sp modelId="{BFA0A76F-87F1-47DC-819F-70252739A264}">
+      <dsp:nvSpPr>
+        <dsp:cNvPr id="0" name=""/>
+        <dsp:cNvSpPr/>
+      </dsp:nvSpPr>
+      <dsp:spPr>
+        <a:xfrm rot="10800000">
+          <a:off x="2130982" y="2195839"/>
+          <a:ext cx="1628829" cy="2683803"/>
+        </a:xfrm>
+        <a:prstGeom prst="round2SameRect">
+          <a:avLst>
+            <a:gd name="adj1" fmla="val 10500"/>
+            <a:gd name="adj2" fmla="val 0"/>
+          </a:avLst>
+        </a:prstGeom>
+        <a:gradFill rotWithShape="0">
+          <a:gsLst>
+            <a:gs pos="0">
+              <a:schemeClr val="dk2">
+                <a:hueOff val="0"/>
+                <a:satOff val="0"/>
+                <a:lumOff val="0"/>
+                <a:alphaOff val="0"/>
+                <a:tint val="98000"/>
+                <a:lumMod val="114000"/>
+              </a:schemeClr>
+            </a:gs>
+            <a:gs pos="100000">
+              <a:schemeClr val="dk2">
+                <a:hueOff val="0"/>
+                <a:satOff val="0"/>
+                <a:lumOff val="0"/>
+                <a:alphaOff val="0"/>
+                <a:shade val="90000"/>
+                <a:lumMod val="84000"/>
+              </a:schemeClr>
+            </a:gs>
+          </a:gsLst>
+          <a:lin ang="5400000" scaled="0"/>
+        </a:gradFill>
+        <a:ln>
+          <a:noFill/>
+        </a:ln>
+        <a:effectLst>
+          <a:outerShdw blurRad="38100" dist="25400" dir="5400000" rotWithShape="0">
+            <a:srgbClr val="000000">
+              <a:alpha val="45000"/>
+            </a:srgbClr>
+          </a:outerShdw>
+        </a:effectLst>
+        <a:scene3d>
+          <a:camera prst="orthographicFront"/>
+          <a:lightRig rig="flat" dir="t"/>
+        </a:scene3d>
+        <a:sp3d prstMaterial="plastic">
+          <a:bevelT w="120900" h="88900"/>
+          <a:bevelB w="88900" h="31750" prst="angle"/>
+        </a:sp3d>
+      </dsp:spPr>
+      <dsp:style>
+        <a:lnRef idx="0">
+          <a:scrgbClr r="0" g="0" b="0"/>
+        </a:lnRef>
+        <a:fillRef idx="3">
+          <a:scrgbClr r="0" g="0" b="0"/>
+        </a:fillRef>
+        <a:effectRef idx="2">
+          <a:scrgbClr r="0" g="0" b="0"/>
+        </a:effectRef>
+        <a:fontRef idx="minor">
+          <a:schemeClr val="lt1"/>
+        </a:fontRef>
+      </dsp:style>
+      <dsp:txBody>
+        <a:bodyPr spcFirstLastPara="0" vert="horz" wrap="square" lIns="99568" tIns="99568" rIns="99568" bIns="99568" numCol="1" spcCol="1270" anchor="t" anchorCtr="0">
+          <a:noAutofit/>
+        </a:bodyPr>
+        <a:lstStyle/>
+        <a:p>
+          <a:pPr marL="0" lvl="0" indent="0" algn="ctr" defTabSz="622300">
+            <a:lnSpc>
+              <a:spcPct val="90000"/>
+            </a:lnSpc>
+            <a:spcBef>
+              <a:spcPct val="0"/>
+            </a:spcBef>
+            <a:spcAft>
+              <a:spcPct val="35000"/>
+            </a:spcAft>
+            <a:buNone/>
+          </a:pPr>
+          <a:r>
+            <a:rPr lang="en-US" sz="1400" kern="1200" dirty="0"/>
+            <a:t>Time series, multi-class classification problem ideally performed on smartphone or in cloud</a:t>
+          </a:r>
+        </a:p>
+      </dsp:txBody>
+      <dsp:txXfrm rot="10800000">
+        <a:off x="2181074" y="2195839"/>
+        <a:ext cx="1528645" cy="2633711"/>
+      </dsp:txXfrm>
+    </dsp:sp>
+    <dsp:sp modelId="{F0EDDBF3-2BD3-4308-B9E2-B520C41DF342}">
+      <dsp:nvSpPr>
+        <dsp:cNvPr id="0" name=""/>
+        <dsp:cNvSpPr/>
+      </dsp:nvSpPr>
+      <dsp:spPr>
+        <a:xfrm>
+          <a:off x="3922695" y="292778"/>
+          <a:ext cx="1628829" cy="1610282"/>
+        </a:xfrm>
+        <a:prstGeom prst="roundRect">
+          <a:avLst>
+            <a:gd name="adj" fmla="val 10000"/>
+          </a:avLst>
+        </a:prstGeom>
+        <a:blipFill>
+          <a:blip xmlns:r="http://schemas.openxmlformats.org/officeDocument/2006/relationships" r:embed="rId3"/>
+          <a:srcRect/>
+          <a:stretch>
+            <a:fillRect l="-39000" r="-39000"/>
+          </a:stretch>
+        </a:blipFill>
+        <a:ln>
+          <a:noFill/>
+        </a:ln>
+        <a:effectLst>
+          <a:outerShdw blurRad="38100" dist="25400" dir="5400000" rotWithShape="0">
+            <a:srgbClr val="000000">
+              <a:alpha val="45000"/>
+            </a:srgbClr>
+          </a:outerShdw>
+        </a:effectLst>
+        <a:scene3d>
+          <a:camera prst="orthographicFront"/>
+          <a:lightRig rig="flat" dir="t"/>
+        </a:scene3d>
+        <a:sp3d z="127000" prstMaterial="plastic">
+          <a:bevelT w="88900" h="88900"/>
+          <a:bevelB w="88900" h="31750" prst="angle"/>
+        </a:sp3d>
+      </dsp:spPr>
+      <dsp:style>
+        <a:lnRef idx="0">
+          <a:scrgbClr r="0" g="0" b="0"/>
+        </a:lnRef>
+        <a:fillRef idx="3">
+          <a:scrgbClr r="0" g="0" b="0"/>
+        </a:fillRef>
+        <a:effectRef idx="2">
+          <a:scrgbClr r="0" g="0" b="0"/>
+        </a:effectRef>
+        <a:fontRef idx="minor"/>
+      </dsp:style>
+    </dsp:sp>
+    <dsp:sp modelId="{0AD03629-BB35-4E37-968A-3AC69FB38C62}">
+      <dsp:nvSpPr>
+        <dsp:cNvPr id="0" name=""/>
+        <dsp:cNvSpPr/>
+      </dsp:nvSpPr>
+      <dsp:spPr>
+        <a:xfrm rot="10800000">
+          <a:off x="3922695" y="2195839"/>
+          <a:ext cx="1628829" cy="2683803"/>
+        </a:xfrm>
+        <a:prstGeom prst="round2SameRect">
+          <a:avLst>
+            <a:gd name="adj1" fmla="val 10500"/>
+            <a:gd name="adj2" fmla="val 0"/>
+          </a:avLst>
+        </a:prstGeom>
+        <a:gradFill rotWithShape="0">
+          <a:gsLst>
+            <a:gs pos="0">
+              <a:schemeClr val="dk2">
+                <a:hueOff val="0"/>
+                <a:satOff val="0"/>
+                <a:lumOff val="0"/>
+                <a:alphaOff val="0"/>
+                <a:tint val="98000"/>
+                <a:lumMod val="114000"/>
+              </a:schemeClr>
+            </a:gs>
+            <a:gs pos="100000">
+              <a:schemeClr val="dk2">
+                <a:hueOff val="0"/>
+                <a:satOff val="0"/>
+                <a:lumOff val="0"/>
+                <a:alphaOff val="0"/>
+                <a:shade val="90000"/>
+                <a:lumMod val="84000"/>
+              </a:schemeClr>
+            </a:gs>
+          </a:gsLst>
+          <a:lin ang="5400000" scaled="0"/>
+        </a:gradFill>
+        <a:ln>
+          <a:noFill/>
+        </a:ln>
+        <a:effectLst>
+          <a:outerShdw blurRad="38100" dist="25400" dir="5400000" rotWithShape="0">
+            <a:srgbClr val="000000">
+              <a:alpha val="45000"/>
+            </a:srgbClr>
+          </a:outerShdw>
+        </a:effectLst>
+        <a:scene3d>
+          <a:camera prst="orthographicFront"/>
+          <a:lightRig rig="flat" dir="t"/>
+        </a:scene3d>
+        <a:sp3d prstMaterial="plastic">
+          <a:bevelT w="120900" h="88900"/>
+          <a:bevelB w="88900" h="31750" prst="angle"/>
+        </a:sp3d>
+      </dsp:spPr>
+      <dsp:style>
+        <a:lnRef idx="0">
+          <a:scrgbClr r="0" g="0" b="0"/>
+        </a:lnRef>
+        <a:fillRef idx="3">
+          <a:scrgbClr r="0" g="0" b="0"/>
+        </a:fillRef>
+        <a:effectRef idx="2">
+          <a:scrgbClr r="0" g="0" b="0"/>
+        </a:effectRef>
+        <a:fontRef idx="minor">
+          <a:schemeClr val="lt1"/>
+        </a:fontRef>
+      </dsp:style>
+      <dsp:txBody>
+        <a:bodyPr spcFirstLastPara="0" vert="horz" wrap="square" lIns="99568" tIns="99568" rIns="99568" bIns="99568" numCol="1" spcCol="1270" anchor="t" anchorCtr="0">
+          <a:noAutofit/>
+        </a:bodyPr>
+        <a:lstStyle/>
+        <a:p>
+          <a:pPr marL="0" lvl="0" indent="0" algn="ctr" defTabSz="622300">
+            <a:lnSpc>
+              <a:spcPct val="90000"/>
+            </a:lnSpc>
+            <a:spcBef>
+              <a:spcPct val="0"/>
+            </a:spcBef>
+            <a:spcAft>
+              <a:spcPct val="35000"/>
+            </a:spcAft>
+            <a:buNone/>
+          </a:pPr>
+          <a:r>
+            <a:rPr lang="en-US" sz="1400" kern="1200" dirty="0"/>
+            <a:t>Experiment consists of 12 activities performed by 30 volunteers</a:t>
+          </a:r>
+        </a:p>
+      </dsp:txBody>
+      <dsp:txXfrm rot="10800000">
+        <a:off x="3972787" y="2195839"/>
+        <a:ext cx="1528645" cy="2633711"/>
+      </dsp:txXfrm>
+    </dsp:sp>
+    <dsp:sp modelId="{AE229C98-7F94-4F2F-81F6-C7E5DBB7E1B2}">
+      <dsp:nvSpPr>
+        <dsp:cNvPr id="0" name=""/>
+        <dsp:cNvSpPr/>
+      </dsp:nvSpPr>
+      <dsp:spPr>
+        <a:xfrm>
+          <a:off x="5714407" y="292778"/>
+          <a:ext cx="1628829" cy="1610282"/>
+        </a:xfrm>
+        <a:prstGeom prst="roundRect">
+          <a:avLst>
+            <a:gd name="adj" fmla="val 10000"/>
+          </a:avLst>
+        </a:prstGeom>
+        <a:blipFill>
+          <a:blip xmlns:r="http://schemas.openxmlformats.org/officeDocument/2006/relationships" r:embed="rId4"/>
+          <a:srcRect/>
+          <a:stretch>
+            <a:fillRect l="-4000" r="-4000"/>
+          </a:stretch>
+        </a:blipFill>
+        <a:ln>
+          <a:noFill/>
+        </a:ln>
+        <a:effectLst>
+          <a:outerShdw blurRad="38100" dist="25400" dir="5400000" rotWithShape="0">
+            <a:srgbClr val="000000">
+              <a:alpha val="45000"/>
+            </a:srgbClr>
+          </a:outerShdw>
+        </a:effectLst>
+        <a:scene3d>
+          <a:camera prst="orthographicFront"/>
+          <a:lightRig rig="flat" dir="t"/>
+        </a:scene3d>
+        <a:sp3d z="127000" prstMaterial="plastic">
+          <a:bevelT w="88900" h="88900"/>
+          <a:bevelB w="88900" h="31750" prst="angle"/>
+        </a:sp3d>
+      </dsp:spPr>
+      <dsp:style>
+        <a:lnRef idx="0">
+          <a:scrgbClr r="0" g="0" b="0"/>
+        </a:lnRef>
+        <a:fillRef idx="3">
+          <a:scrgbClr r="0" g="0" b="0"/>
+        </a:fillRef>
+        <a:effectRef idx="2">
+          <a:scrgbClr r="0" g="0" b="0"/>
+        </a:effectRef>
+        <a:fontRef idx="minor"/>
+      </dsp:style>
+    </dsp:sp>
+    <dsp:sp modelId="{356D7E77-ECAE-4716-8836-FFDC045B46F2}">
+      <dsp:nvSpPr>
+        <dsp:cNvPr id="0" name=""/>
+        <dsp:cNvSpPr/>
+      </dsp:nvSpPr>
+      <dsp:spPr>
+        <a:xfrm rot="10800000">
+          <a:off x="5714407" y="2195839"/>
+          <a:ext cx="1628829" cy="2683803"/>
+        </a:xfrm>
+        <a:prstGeom prst="round2SameRect">
+          <a:avLst>
+            <a:gd name="adj1" fmla="val 10500"/>
+            <a:gd name="adj2" fmla="val 0"/>
+          </a:avLst>
+        </a:prstGeom>
+        <a:gradFill rotWithShape="0">
+          <a:gsLst>
+            <a:gs pos="0">
+              <a:schemeClr val="dk2">
+                <a:hueOff val="0"/>
+                <a:satOff val="0"/>
+                <a:lumOff val="0"/>
+                <a:alphaOff val="0"/>
+                <a:tint val="98000"/>
+                <a:lumMod val="114000"/>
+              </a:schemeClr>
+            </a:gs>
+            <a:gs pos="100000">
+              <a:schemeClr val="dk2">
+                <a:hueOff val="0"/>
+                <a:satOff val="0"/>
+                <a:lumOff val="0"/>
+                <a:alphaOff val="0"/>
+                <a:shade val="90000"/>
+                <a:lumMod val="84000"/>
+              </a:schemeClr>
+            </a:gs>
+          </a:gsLst>
+          <a:lin ang="5400000" scaled="0"/>
+        </a:gradFill>
+        <a:ln>
+          <a:noFill/>
+        </a:ln>
+        <a:effectLst>
+          <a:outerShdw blurRad="38100" dist="25400" dir="5400000" rotWithShape="0">
+            <a:srgbClr val="000000">
+              <a:alpha val="45000"/>
+            </a:srgbClr>
+          </a:outerShdw>
+        </a:effectLst>
+        <a:scene3d>
+          <a:camera prst="orthographicFront"/>
+          <a:lightRig rig="flat" dir="t"/>
+        </a:scene3d>
+        <a:sp3d prstMaterial="plastic">
+          <a:bevelT w="120900" h="88900"/>
+          <a:bevelB w="88900" h="31750" prst="angle"/>
+        </a:sp3d>
+      </dsp:spPr>
+      <dsp:style>
+        <a:lnRef idx="0">
+          <a:scrgbClr r="0" g="0" b="0"/>
+        </a:lnRef>
+        <a:fillRef idx="3">
+          <a:scrgbClr r="0" g="0" b="0"/>
+        </a:fillRef>
+        <a:effectRef idx="2">
+          <a:scrgbClr r="0" g="0" b="0"/>
+        </a:effectRef>
+        <a:fontRef idx="minor">
+          <a:schemeClr val="lt1"/>
+        </a:fontRef>
+      </dsp:style>
+      <dsp:txBody>
+        <a:bodyPr spcFirstLastPara="0" vert="horz" wrap="square" lIns="99568" tIns="99568" rIns="99568" bIns="99568" numCol="1" spcCol="1270" anchor="t" anchorCtr="0">
+          <a:noAutofit/>
+        </a:bodyPr>
+        <a:lstStyle/>
+        <a:p>
+          <a:pPr marL="0" lvl="0" indent="0" algn="ctr" defTabSz="622300">
+            <a:lnSpc>
+              <a:spcPct val="90000"/>
+            </a:lnSpc>
+            <a:spcBef>
+              <a:spcPct val="0"/>
+            </a:spcBef>
+            <a:spcAft>
+              <a:spcPct val="35000"/>
+            </a:spcAft>
+            <a:buNone/>
+          </a:pPr>
+          <a:r>
+            <a:rPr lang="en-US" sz="1400" kern="1200" dirty="0"/>
+            <a:t>Experiment data is from a smartphone accelerometer and gyroscope worn on waist (Samsung Galaxy S2)</a:t>
+          </a:r>
+        </a:p>
+      </dsp:txBody>
+      <dsp:txXfrm rot="10800000">
+        <a:off x="5764499" y="2195839"/>
+        <a:ext cx="1528645" cy="2633711"/>
+      </dsp:txXfrm>
+    </dsp:sp>
+    <dsp:sp modelId="{72460CD2-D573-4998-898B-6E480207A13A}">
+      <dsp:nvSpPr>
+        <dsp:cNvPr id="0" name=""/>
+        <dsp:cNvSpPr/>
+      </dsp:nvSpPr>
+      <dsp:spPr>
+        <a:xfrm>
+          <a:off x="7506119" y="292778"/>
+          <a:ext cx="1628829" cy="1610282"/>
+        </a:xfrm>
+        <a:prstGeom prst="roundRect">
+          <a:avLst>
+            <a:gd name="adj" fmla="val 10000"/>
+          </a:avLst>
+        </a:prstGeom>
+        <a:blipFill>
+          <a:blip xmlns:r="http://schemas.openxmlformats.org/officeDocument/2006/relationships" r:embed="rId5"/>
+          <a:srcRect/>
+          <a:stretch>
+            <a:fillRect l="-30000" r="-30000"/>
+          </a:stretch>
+        </a:blipFill>
+        <a:ln>
+          <a:noFill/>
+        </a:ln>
+        <a:effectLst>
+          <a:outerShdw blurRad="38100" dist="25400" dir="5400000" rotWithShape="0">
+            <a:srgbClr val="000000">
+              <a:alpha val="45000"/>
+            </a:srgbClr>
+          </a:outerShdw>
+        </a:effectLst>
+        <a:scene3d>
+          <a:camera prst="orthographicFront"/>
+          <a:lightRig rig="flat" dir="t"/>
+        </a:scene3d>
+        <a:sp3d z="127000" prstMaterial="plastic">
+          <a:bevelT w="88900" h="88900"/>
+          <a:bevelB w="88900" h="31750" prst="angle"/>
+        </a:sp3d>
+      </dsp:spPr>
+      <dsp:style>
+        <a:lnRef idx="0">
+          <a:scrgbClr r="0" g="0" b="0"/>
+        </a:lnRef>
+        <a:fillRef idx="3">
+          <a:scrgbClr r="0" g="0" b="0"/>
+        </a:fillRef>
+        <a:effectRef idx="2">
+          <a:scrgbClr r="0" g="0" b="0"/>
+        </a:effectRef>
+        <a:fontRef idx="minor"/>
+      </dsp:style>
+    </dsp:sp>
+    <dsp:sp modelId="{D23727C1-648D-4885-B922-B3FBD8C3DE9C}">
+      <dsp:nvSpPr>
+        <dsp:cNvPr id="0" name=""/>
+        <dsp:cNvSpPr/>
+      </dsp:nvSpPr>
+      <dsp:spPr>
+        <a:xfrm rot="10800000">
+          <a:off x="7506119" y="2195839"/>
+          <a:ext cx="1628829" cy="2683803"/>
+        </a:xfrm>
+        <a:prstGeom prst="round2SameRect">
+          <a:avLst>
+            <a:gd name="adj1" fmla="val 10500"/>
+            <a:gd name="adj2" fmla="val 0"/>
+          </a:avLst>
+        </a:prstGeom>
+        <a:gradFill rotWithShape="0">
+          <a:gsLst>
+            <a:gs pos="0">
+              <a:schemeClr val="dk2">
+                <a:hueOff val="0"/>
+                <a:satOff val="0"/>
+                <a:lumOff val="0"/>
+                <a:alphaOff val="0"/>
+                <a:tint val="98000"/>
+                <a:lumMod val="114000"/>
+              </a:schemeClr>
+            </a:gs>
+            <a:gs pos="100000">
+              <a:schemeClr val="dk2">
+                <a:hueOff val="0"/>
+                <a:satOff val="0"/>
+                <a:lumOff val="0"/>
+                <a:alphaOff val="0"/>
+                <a:shade val="90000"/>
+                <a:lumMod val="84000"/>
+              </a:schemeClr>
+            </a:gs>
+          </a:gsLst>
+          <a:lin ang="5400000" scaled="0"/>
+        </a:gradFill>
+        <a:ln>
+          <a:noFill/>
+        </a:ln>
+        <a:effectLst>
+          <a:outerShdw blurRad="38100" dist="25400" dir="5400000" rotWithShape="0">
+            <a:srgbClr val="000000">
+              <a:alpha val="45000"/>
+            </a:srgbClr>
+          </a:outerShdw>
+        </a:effectLst>
+        <a:scene3d>
+          <a:camera prst="orthographicFront"/>
+          <a:lightRig rig="flat" dir="t"/>
+        </a:scene3d>
+        <a:sp3d prstMaterial="plastic">
+          <a:bevelT w="120900" h="88900"/>
+          <a:bevelB w="88900" h="31750" prst="angle"/>
+        </a:sp3d>
+      </dsp:spPr>
+      <dsp:style>
+        <a:lnRef idx="0">
+          <a:scrgbClr r="0" g="0" b="0"/>
+        </a:lnRef>
+        <a:fillRef idx="3">
+          <a:scrgbClr r="0" g="0" b="0"/>
+        </a:fillRef>
+        <a:effectRef idx="2">
+          <a:scrgbClr r="0" g="0" b="0"/>
+        </a:effectRef>
+        <a:fontRef idx="minor">
+          <a:schemeClr val="lt1"/>
+        </a:fontRef>
+      </dsp:style>
+      <dsp:txBody>
+        <a:bodyPr spcFirstLastPara="0" vert="horz" wrap="square" lIns="99568" tIns="99568" rIns="99568" bIns="99568" numCol="1" spcCol="1270" anchor="t" anchorCtr="0">
+          <a:noAutofit/>
+        </a:bodyPr>
+        <a:lstStyle/>
+        <a:p>
+          <a:pPr marL="0" lvl="0" indent="0" algn="ctr" defTabSz="622300">
+            <a:lnSpc>
+              <a:spcPct val="90000"/>
+            </a:lnSpc>
+            <a:spcBef>
+              <a:spcPct val="0"/>
+            </a:spcBef>
+            <a:spcAft>
+              <a:spcPct val="35000"/>
+            </a:spcAft>
+            <a:buNone/>
+          </a:pPr>
+          <a:r>
+            <a:rPr lang="en-US" sz="1400" kern="1200"/>
+            <a:t>Video was recorded for each subject and the movement data was manually labeled</a:t>
+          </a:r>
+          <a:endParaRPr lang="en-US" sz="1400" kern="1200" dirty="0"/>
+        </a:p>
+      </dsp:txBody>
+      <dsp:txXfrm rot="10800000">
+        <a:off x="7556211" y="2195839"/>
+        <a:ext cx="1528645" cy="2633711"/>
+      </dsp:txXfrm>
+    </dsp:sp>
+    <dsp:sp modelId="{A064FA52-5F34-44DB-BCBB-382F383D5E76}">
+      <dsp:nvSpPr>
+        <dsp:cNvPr id="0" name=""/>
+        <dsp:cNvSpPr/>
+      </dsp:nvSpPr>
+      <dsp:spPr>
+        <a:xfrm>
+          <a:off x="9297831" y="292778"/>
+          <a:ext cx="1628829" cy="1610282"/>
+        </a:xfrm>
+        <a:prstGeom prst="roundRect">
+          <a:avLst>
+            <a:gd name="adj" fmla="val 10000"/>
+          </a:avLst>
+        </a:prstGeom>
+        <a:blipFill>
+          <a:blip xmlns:r="http://schemas.openxmlformats.org/officeDocument/2006/relationships" r:embed="rId6"/>
+          <a:srcRect/>
+          <a:stretch>
+            <a:fillRect l="-10000" r="-10000"/>
+          </a:stretch>
+        </a:blipFill>
+        <a:ln>
+          <a:noFill/>
+        </a:ln>
+        <a:effectLst>
+          <a:outerShdw blurRad="38100" dist="25400" dir="5400000" rotWithShape="0">
+            <a:srgbClr val="000000">
+              <a:alpha val="45000"/>
+            </a:srgbClr>
+          </a:outerShdw>
+        </a:effectLst>
+        <a:scene3d>
+          <a:camera prst="orthographicFront"/>
+          <a:lightRig rig="flat" dir="t"/>
+        </a:scene3d>
+        <a:sp3d z="127000" prstMaterial="plastic">
+          <a:bevelT w="88900" h="88900"/>
+          <a:bevelB w="88900" h="31750" prst="angle"/>
+        </a:sp3d>
+      </dsp:spPr>
+      <dsp:style>
+        <a:lnRef idx="0">
+          <a:scrgbClr r="0" g="0" b="0"/>
+        </a:lnRef>
+        <a:fillRef idx="3">
+          <a:scrgbClr r="0" g="0" b="0"/>
+        </a:fillRef>
+        <a:effectRef idx="2">
+          <a:scrgbClr r="0" g="0" b="0"/>
+        </a:effectRef>
+        <a:fontRef idx="minor"/>
+      </dsp:style>
+    </dsp:sp>
+    <dsp:sp modelId="{63275320-1C7F-496E-8914-44812EA8972C}">
+      <dsp:nvSpPr>
+        <dsp:cNvPr id="0" name=""/>
+        <dsp:cNvSpPr/>
+      </dsp:nvSpPr>
+      <dsp:spPr>
+        <a:xfrm rot="10800000">
+          <a:off x="9297831" y="2195839"/>
+          <a:ext cx="1628829" cy="2683803"/>
+        </a:xfrm>
+        <a:prstGeom prst="round2SameRect">
+          <a:avLst>
+            <a:gd name="adj1" fmla="val 10500"/>
+            <a:gd name="adj2" fmla="val 0"/>
+          </a:avLst>
+        </a:prstGeom>
+        <a:gradFill rotWithShape="0">
+          <a:gsLst>
+            <a:gs pos="0">
+              <a:schemeClr val="dk2">
+                <a:hueOff val="0"/>
+                <a:satOff val="0"/>
+                <a:lumOff val="0"/>
+                <a:alphaOff val="0"/>
+                <a:tint val="98000"/>
+                <a:lumMod val="114000"/>
+              </a:schemeClr>
+            </a:gs>
+            <a:gs pos="100000">
+              <a:schemeClr val="dk2">
+                <a:hueOff val="0"/>
+                <a:satOff val="0"/>
+                <a:lumOff val="0"/>
+                <a:alphaOff val="0"/>
+                <a:shade val="90000"/>
+                <a:lumMod val="84000"/>
+              </a:schemeClr>
+            </a:gs>
+          </a:gsLst>
+          <a:lin ang="5400000" scaled="0"/>
+        </a:gradFill>
+        <a:ln>
+          <a:noFill/>
+        </a:ln>
+        <a:effectLst>
+          <a:outerShdw blurRad="38100" dist="25400" dir="5400000" rotWithShape="0">
+            <a:srgbClr val="000000">
+              <a:alpha val="45000"/>
+            </a:srgbClr>
+          </a:outerShdw>
+        </a:effectLst>
+        <a:scene3d>
+          <a:camera prst="orthographicFront"/>
+          <a:lightRig rig="flat" dir="t"/>
+        </a:scene3d>
+        <a:sp3d prstMaterial="plastic">
+          <a:bevelT w="120900" h="88900"/>
+          <a:bevelB w="88900" h="31750" prst="angle"/>
+        </a:sp3d>
+      </dsp:spPr>
+      <dsp:style>
+        <a:lnRef idx="0">
+          <a:scrgbClr r="0" g="0" b="0"/>
+        </a:lnRef>
+        <a:fillRef idx="3">
+          <a:scrgbClr r="0" g="0" b="0"/>
+        </a:fillRef>
+        <a:effectRef idx="2">
+          <a:scrgbClr r="0" g="0" b="0"/>
+        </a:effectRef>
+        <a:fontRef idx="minor">
+          <a:schemeClr val="lt1"/>
+        </a:fontRef>
+      </dsp:style>
+      <dsp:txBody>
+        <a:bodyPr spcFirstLastPara="0" vert="horz" wrap="square" lIns="99568" tIns="99568" rIns="99568" bIns="99568" numCol="1" spcCol="1270" anchor="t" anchorCtr="0">
+          <a:noAutofit/>
+        </a:bodyPr>
+        <a:lstStyle/>
+        <a:p>
+          <a:pPr marL="0" lvl="0" indent="0" algn="ctr" defTabSz="622300">
+            <a:lnSpc>
+              <a:spcPct val="90000"/>
+            </a:lnSpc>
+            <a:spcBef>
+              <a:spcPct val="0"/>
+            </a:spcBef>
+            <a:spcAft>
+              <a:spcPct val="35000"/>
+            </a:spcAft>
+            <a:buNone/>
+          </a:pPr>
+          <a:r>
+            <a:rPr lang="en-US" sz="1400" kern="1200" dirty="0"/>
+            <a:t>SVM classification accuracy 89% in 2012</a:t>
+          </a:r>
+        </a:p>
+      </dsp:txBody>
+      <dsp:txXfrm rot="10800000">
+        <a:off x="9347923" y="2195839"/>
+        <a:ext cx="1528645" cy="2633711"/>
+      </dsp:txXfrm>
+    </dsp:sp>
+  </dsp:spTree>
+</dsp:drawing>
+</file>
+
+<file path=ppt/diagrams/drawing2.xml><?xml version="1.0" encoding="utf-8"?>
+<dsp:drawing xmlns:dgm="http://schemas.openxmlformats.org/drawingml/2006/diagram" xmlns:dsp="http://schemas.microsoft.com/office/drawing/2008/diagram" xmlns:a="http://schemas.openxmlformats.org/drawingml/2006/main">
+  <dsp:spTree>
+    <dsp:nvGrpSpPr>
+      <dsp:cNvPr id="0" name=""/>
+      <dsp:cNvGrpSpPr/>
+    </dsp:nvGrpSpPr>
+    <dsp:grpSpPr/>
+    <dsp:sp modelId="{0C39AC2F-EAC0-42D7-BDDA-8AF6CAE0ABBE}">
+      <dsp:nvSpPr>
+        <dsp:cNvPr id="0" name=""/>
+        <dsp:cNvSpPr/>
+      </dsp:nvSpPr>
+      <dsp:spPr>
+        <a:xfrm>
+          <a:off x="673704" y="378440"/>
+          <a:ext cx="2674554" cy="2337897"/>
+        </a:xfrm>
+        <a:prstGeom prst="rightArrow">
+          <a:avLst>
+            <a:gd name="adj1" fmla="val 70000"/>
+            <a:gd name="adj2" fmla="val 50000"/>
+          </a:avLst>
+        </a:prstGeom>
+        <a:solidFill>
+          <a:schemeClr val="dk2">
+            <a:alpha val="90000"/>
+            <a:tint val="40000"/>
+            <a:hueOff val="0"/>
+            <a:satOff val="0"/>
+            <a:lumOff val="0"/>
+            <a:alphaOff val="0"/>
+          </a:schemeClr>
+        </a:solidFill>
+        <a:ln w="9525" cap="rnd" cmpd="sng" algn="ctr">
+          <a:solidFill>
+            <a:schemeClr val="dk2">
+              <a:alpha val="90000"/>
+              <a:tint val="40000"/>
+              <a:hueOff val="0"/>
+              <a:satOff val="0"/>
+              <a:lumOff val="0"/>
+              <a:alphaOff val="0"/>
+            </a:schemeClr>
+          </a:solidFill>
+          <a:prstDash val="solid"/>
+        </a:ln>
+        <a:effectLst>
+          <a:outerShdw blurRad="38100" dist="25400" dir="5400000" rotWithShape="0">
+            <a:srgbClr val="000000">
+              <a:alpha val="45000"/>
+            </a:srgbClr>
+          </a:outerShdw>
+        </a:effectLst>
+        <a:scene3d>
+          <a:camera prst="orthographicFront"/>
+          <a:lightRig rig="flat" dir="t"/>
+        </a:scene3d>
+        <a:sp3d z="-190500" extrusionH="12700" prstMaterial="plastic">
+          <a:bevelT w="50800" h="50800"/>
+        </a:sp3d>
+      </dsp:spPr>
+      <dsp:style>
+        <a:lnRef idx="1">
+          <a:scrgbClr r="0" g="0" b="0"/>
+        </a:lnRef>
+        <a:fillRef idx="1">
+          <a:scrgbClr r="0" g="0" b="0"/>
+        </a:fillRef>
+        <a:effectRef idx="2">
+          <a:scrgbClr r="0" g="0" b="0"/>
+        </a:effectRef>
+        <a:fontRef idx="minor"/>
+      </dsp:style>
+      <dsp:txBody>
+        <a:bodyPr spcFirstLastPara="0" vert="horz" wrap="square" lIns="25400" tIns="6350" rIns="12700" bIns="6350" numCol="1" spcCol="1270" anchor="ctr" anchorCtr="0">
+          <a:noAutofit/>
+        </a:bodyPr>
+        <a:lstStyle/>
+        <a:p>
+          <a:pPr marL="57150" lvl="1" indent="-57150" algn="l" defTabSz="444500">
+            <a:lnSpc>
+              <a:spcPct val="90000"/>
+            </a:lnSpc>
+            <a:spcBef>
+              <a:spcPct val="0"/>
+            </a:spcBef>
+            <a:spcAft>
+              <a:spcPct val="15000"/>
+            </a:spcAft>
+            <a:buChar char="•"/>
+          </a:pPr>
+          <a:r>
+            <a:rPr lang="en-US" sz="1000" kern="1200" dirty="0"/>
+            <a:t>People perform activities</a:t>
+          </a:r>
+        </a:p>
+        <a:p>
+          <a:pPr marL="57150" lvl="1" indent="-57150" algn="l" defTabSz="444500">
+            <a:lnSpc>
+              <a:spcPct val="90000"/>
+            </a:lnSpc>
+            <a:spcBef>
+              <a:spcPct val="0"/>
+            </a:spcBef>
+            <a:spcAft>
+              <a:spcPct val="15000"/>
+            </a:spcAft>
+            <a:buChar char="•"/>
+          </a:pPr>
+          <a:r>
+            <a:rPr lang="en-US" sz="1000" kern="1200" dirty="0"/>
+            <a:t>Smartphone on waist</a:t>
+          </a:r>
+        </a:p>
+      </dsp:txBody>
+      <dsp:txXfrm>
+        <a:off x="1342342" y="729125"/>
+        <a:ext cx="1303845" cy="1636527"/>
+      </dsp:txXfrm>
+    </dsp:sp>
+    <dsp:sp modelId="{3019871C-FF37-45DC-8D0D-986D24ADA5B6}">
+      <dsp:nvSpPr>
+        <dsp:cNvPr id="0" name=""/>
+        <dsp:cNvSpPr/>
+      </dsp:nvSpPr>
+      <dsp:spPr>
+        <a:xfrm>
+          <a:off x="5065" y="878750"/>
+          <a:ext cx="1337277" cy="1337277"/>
+        </a:xfrm>
+        <a:prstGeom prst="ellipse">
+          <a:avLst/>
+        </a:prstGeom>
+        <a:gradFill rotWithShape="0">
+          <a:gsLst>
+            <a:gs pos="0">
+              <a:schemeClr val="dk2">
+                <a:hueOff val="0"/>
+                <a:satOff val="0"/>
+                <a:lumOff val="0"/>
+                <a:alphaOff val="0"/>
+                <a:tint val="98000"/>
+                <a:lumMod val="114000"/>
+              </a:schemeClr>
+            </a:gs>
+            <a:gs pos="100000">
+              <a:schemeClr val="dk2">
+                <a:hueOff val="0"/>
+                <a:satOff val="0"/>
+                <a:lumOff val="0"/>
+                <a:alphaOff val="0"/>
+                <a:shade val="90000"/>
+                <a:lumMod val="84000"/>
+              </a:schemeClr>
+            </a:gs>
+          </a:gsLst>
+          <a:lin ang="5400000" scaled="0"/>
+        </a:gradFill>
+        <a:ln>
+          <a:noFill/>
+        </a:ln>
+        <a:effectLst>
+          <a:outerShdw blurRad="38100" dist="25400" dir="5400000" rotWithShape="0">
+            <a:srgbClr val="000000">
+              <a:alpha val="45000"/>
+            </a:srgbClr>
+          </a:outerShdw>
+        </a:effectLst>
+        <a:scene3d>
+          <a:camera prst="orthographicFront"/>
+          <a:lightRig rig="flat" dir="t"/>
+        </a:scene3d>
+        <a:sp3d prstMaterial="plastic">
+          <a:bevelT w="120900" h="88900"/>
+          <a:bevelB w="88900" h="31750" prst="angle"/>
+        </a:sp3d>
+      </dsp:spPr>
+      <dsp:style>
+        <a:lnRef idx="0">
+          <a:scrgbClr r="0" g="0" b="0"/>
+        </a:lnRef>
+        <a:fillRef idx="3">
+          <a:scrgbClr r="0" g="0" b="0"/>
+        </a:fillRef>
+        <a:effectRef idx="2">
+          <a:scrgbClr r="0" g="0" b="0"/>
+        </a:effectRef>
+        <a:fontRef idx="minor">
+          <a:schemeClr val="lt1"/>
+        </a:fontRef>
+      </dsp:style>
+      <dsp:txBody>
+        <a:bodyPr spcFirstLastPara="0" vert="horz" wrap="square" lIns="7620" tIns="7620" rIns="7620" bIns="7620" numCol="1" spcCol="1270" anchor="ctr" anchorCtr="0">
+          <a:noAutofit/>
+        </a:bodyPr>
+        <a:lstStyle/>
+        <a:p>
+          <a:pPr marL="0" lvl="0" indent="0" algn="ctr" defTabSz="533400">
+            <a:lnSpc>
+              <a:spcPct val="90000"/>
+            </a:lnSpc>
+            <a:spcBef>
+              <a:spcPct val="0"/>
+            </a:spcBef>
+            <a:spcAft>
+              <a:spcPct val="35000"/>
+            </a:spcAft>
+            <a:buNone/>
+          </a:pPr>
+          <a:r>
+            <a:rPr lang="en-US" sz="1200" kern="1200" dirty="0"/>
+            <a:t>Raw Data</a:t>
+          </a:r>
+        </a:p>
+      </dsp:txBody>
+      <dsp:txXfrm>
+        <a:off x="200905" y="1074590"/>
+        <a:ext cx="945597" cy="945597"/>
+      </dsp:txXfrm>
+    </dsp:sp>
+    <dsp:sp modelId="{A4C4D1F0-AD6C-4B28-8AE2-3DD25C4F16A7}">
+      <dsp:nvSpPr>
+        <dsp:cNvPr id="0" name=""/>
+        <dsp:cNvSpPr/>
+      </dsp:nvSpPr>
+      <dsp:spPr>
+        <a:xfrm>
+          <a:off x="4184057" y="378440"/>
+          <a:ext cx="2674554" cy="2337897"/>
+        </a:xfrm>
+        <a:prstGeom prst="rightArrow">
+          <a:avLst>
+            <a:gd name="adj1" fmla="val 70000"/>
+            <a:gd name="adj2" fmla="val 50000"/>
+          </a:avLst>
+        </a:prstGeom>
+        <a:solidFill>
+          <a:schemeClr val="dk2">
+            <a:alpha val="90000"/>
+            <a:tint val="40000"/>
+            <a:hueOff val="0"/>
+            <a:satOff val="0"/>
+            <a:lumOff val="0"/>
+            <a:alphaOff val="0"/>
+          </a:schemeClr>
+        </a:solidFill>
+        <a:ln w="9525" cap="rnd" cmpd="sng" algn="ctr">
+          <a:solidFill>
+            <a:schemeClr val="dk2">
+              <a:alpha val="90000"/>
+              <a:tint val="40000"/>
+              <a:hueOff val="0"/>
+              <a:satOff val="0"/>
+              <a:lumOff val="0"/>
+              <a:alphaOff val="0"/>
+            </a:schemeClr>
+          </a:solidFill>
+          <a:prstDash val="solid"/>
+        </a:ln>
+        <a:effectLst>
+          <a:outerShdw blurRad="38100" dist="25400" dir="5400000" rotWithShape="0">
+            <a:srgbClr val="000000">
+              <a:alpha val="45000"/>
+            </a:srgbClr>
+          </a:outerShdw>
+        </a:effectLst>
+        <a:scene3d>
+          <a:camera prst="orthographicFront"/>
+          <a:lightRig rig="flat" dir="t"/>
+        </a:scene3d>
+        <a:sp3d z="-190500" extrusionH="12700" prstMaterial="plastic">
+          <a:bevelT w="50800" h="50800"/>
+        </a:sp3d>
+      </dsp:spPr>
+      <dsp:style>
+        <a:lnRef idx="1">
+          <a:scrgbClr r="0" g="0" b="0"/>
+        </a:lnRef>
+        <a:fillRef idx="1">
+          <a:scrgbClr r="0" g="0" b="0"/>
+        </a:fillRef>
+        <a:effectRef idx="2">
+          <a:scrgbClr r="0" g="0" b="0"/>
+        </a:effectRef>
+        <a:fontRef idx="minor"/>
+      </dsp:style>
+      <dsp:txBody>
+        <a:bodyPr spcFirstLastPara="0" vert="horz" wrap="square" lIns="25400" tIns="6350" rIns="12700" bIns="6350" numCol="1" spcCol="1270" anchor="ctr" anchorCtr="0">
+          <a:noAutofit/>
+        </a:bodyPr>
+        <a:lstStyle/>
+        <a:p>
+          <a:pPr marL="57150" lvl="1" indent="-57150" algn="l" defTabSz="444500">
+            <a:lnSpc>
+              <a:spcPct val="90000"/>
+            </a:lnSpc>
+            <a:spcBef>
+              <a:spcPct val="0"/>
+            </a:spcBef>
+            <a:spcAft>
+              <a:spcPct val="15000"/>
+            </a:spcAft>
+            <a:buChar char="•"/>
+          </a:pPr>
+          <a:r>
+            <a:rPr lang="en-US" sz="1000" kern="1200" dirty="0"/>
+            <a:t>High-Pass filter for noise</a:t>
+          </a:r>
+        </a:p>
+        <a:p>
+          <a:pPr marL="57150" lvl="1" indent="-57150" algn="l" defTabSz="444500">
+            <a:lnSpc>
+              <a:spcPct val="90000"/>
+            </a:lnSpc>
+            <a:spcBef>
+              <a:spcPct val="0"/>
+            </a:spcBef>
+            <a:spcAft>
+              <a:spcPct val="15000"/>
+            </a:spcAft>
+            <a:buChar char="•"/>
+          </a:pPr>
+          <a:r>
+            <a:rPr lang="en-US" sz="1000" kern="1200" dirty="0"/>
+            <a:t>Split accelerometer into body and gravity motion </a:t>
+          </a:r>
+        </a:p>
+      </dsp:txBody>
+      <dsp:txXfrm>
+        <a:off x="4852695" y="729125"/>
+        <a:ext cx="1303845" cy="1636527"/>
+      </dsp:txXfrm>
+    </dsp:sp>
+    <dsp:sp modelId="{92644651-EEB7-4FCB-96CD-A68B478825B4}">
+      <dsp:nvSpPr>
+        <dsp:cNvPr id="0" name=""/>
+        <dsp:cNvSpPr/>
+      </dsp:nvSpPr>
+      <dsp:spPr>
+        <a:xfrm>
+          <a:off x="3515418" y="878750"/>
+          <a:ext cx="1337277" cy="1337277"/>
+        </a:xfrm>
+        <a:prstGeom prst="ellipse">
+          <a:avLst/>
+        </a:prstGeom>
+        <a:gradFill rotWithShape="0">
+          <a:gsLst>
+            <a:gs pos="0">
+              <a:schemeClr val="dk2">
+                <a:hueOff val="0"/>
+                <a:satOff val="0"/>
+                <a:lumOff val="0"/>
+                <a:alphaOff val="0"/>
+                <a:tint val="98000"/>
+                <a:lumMod val="114000"/>
+              </a:schemeClr>
+            </a:gs>
+            <a:gs pos="100000">
+              <a:schemeClr val="dk2">
+                <a:hueOff val="0"/>
+                <a:satOff val="0"/>
+                <a:lumOff val="0"/>
+                <a:alphaOff val="0"/>
+                <a:shade val="90000"/>
+                <a:lumMod val="84000"/>
+              </a:schemeClr>
+            </a:gs>
+          </a:gsLst>
+          <a:lin ang="5400000" scaled="0"/>
+        </a:gradFill>
+        <a:ln>
+          <a:noFill/>
+        </a:ln>
+        <a:effectLst>
+          <a:outerShdw blurRad="38100" dist="25400" dir="5400000" rotWithShape="0">
+            <a:srgbClr val="000000">
+              <a:alpha val="45000"/>
+            </a:srgbClr>
+          </a:outerShdw>
+        </a:effectLst>
+        <a:scene3d>
+          <a:camera prst="orthographicFront"/>
+          <a:lightRig rig="flat" dir="t"/>
+        </a:scene3d>
+        <a:sp3d prstMaterial="plastic">
+          <a:bevelT w="120900" h="88900"/>
+          <a:bevelB w="88900" h="31750" prst="angle"/>
+        </a:sp3d>
+      </dsp:spPr>
+      <dsp:style>
+        <a:lnRef idx="0">
+          <a:scrgbClr r="0" g="0" b="0"/>
+        </a:lnRef>
+        <a:fillRef idx="3">
+          <a:scrgbClr r="0" g="0" b="0"/>
+        </a:fillRef>
+        <a:effectRef idx="2">
+          <a:scrgbClr r="0" g="0" b="0"/>
+        </a:effectRef>
+        <a:fontRef idx="minor">
+          <a:schemeClr val="lt1"/>
+        </a:fontRef>
+      </dsp:style>
+      <dsp:txBody>
+        <a:bodyPr spcFirstLastPara="0" vert="horz" wrap="square" lIns="7620" tIns="7620" rIns="7620" bIns="7620" numCol="1" spcCol="1270" anchor="ctr" anchorCtr="0">
+          <a:noAutofit/>
+        </a:bodyPr>
+        <a:lstStyle/>
+        <a:p>
+          <a:pPr marL="0" lvl="0" indent="0" algn="ctr" defTabSz="533400">
+            <a:lnSpc>
+              <a:spcPct val="90000"/>
+            </a:lnSpc>
+            <a:spcBef>
+              <a:spcPct val="0"/>
+            </a:spcBef>
+            <a:spcAft>
+              <a:spcPct val="35000"/>
+            </a:spcAft>
+            <a:buNone/>
+          </a:pPr>
+          <a:r>
+            <a:rPr lang="en-US" sz="1200" kern="1200" dirty="0"/>
+            <a:t>Filter Data</a:t>
+          </a:r>
+        </a:p>
+      </dsp:txBody>
+      <dsp:txXfrm>
+        <a:off x="3711258" y="1074590"/>
+        <a:ext cx="945597" cy="945597"/>
+      </dsp:txXfrm>
+    </dsp:sp>
+    <dsp:sp modelId="{868BE2FF-FF47-4543-9B62-1959E84F2FE4}">
+      <dsp:nvSpPr>
+        <dsp:cNvPr id="0" name=""/>
+        <dsp:cNvSpPr/>
+      </dsp:nvSpPr>
+      <dsp:spPr>
+        <a:xfrm>
+          <a:off x="7694409" y="378440"/>
+          <a:ext cx="2674554" cy="2337897"/>
+        </a:xfrm>
+        <a:prstGeom prst="rightArrow">
+          <a:avLst>
+            <a:gd name="adj1" fmla="val 70000"/>
+            <a:gd name="adj2" fmla="val 50000"/>
+          </a:avLst>
+        </a:prstGeom>
+        <a:solidFill>
+          <a:schemeClr val="dk2">
+            <a:alpha val="90000"/>
+            <a:tint val="40000"/>
+            <a:hueOff val="0"/>
+            <a:satOff val="0"/>
+            <a:lumOff val="0"/>
+            <a:alphaOff val="0"/>
+          </a:schemeClr>
+        </a:solidFill>
+        <a:ln w="9525" cap="rnd" cmpd="sng" algn="ctr">
+          <a:solidFill>
+            <a:schemeClr val="dk2">
+              <a:alpha val="90000"/>
+              <a:tint val="40000"/>
+              <a:hueOff val="0"/>
+              <a:satOff val="0"/>
+              <a:lumOff val="0"/>
+              <a:alphaOff val="0"/>
+            </a:schemeClr>
+          </a:solidFill>
+          <a:prstDash val="solid"/>
+        </a:ln>
+        <a:effectLst>
+          <a:outerShdw blurRad="38100" dist="25400" dir="5400000" rotWithShape="0">
+            <a:srgbClr val="000000">
+              <a:alpha val="45000"/>
+            </a:srgbClr>
+          </a:outerShdw>
+        </a:effectLst>
+        <a:scene3d>
+          <a:camera prst="orthographicFront"/>
+          <a:lightRig rig="flat" dir="t"/>
+        </a:scene3d>
+        <a:sp3d z="-190500" extrusionH="12700" prstMaterial="plastic">
+          <a:bevelT w="50800" h="50800"/>
+        </a:sp3d>
+      </dsp:spPr>
+      <dsp:style>
+        <a:lnRef idx="1">
+          <a:scrgbClr r="0" g="0" b="0"/>
+        </a:lnRef>
+        <a:fillRef idx="1">
+          <a:scrgbClr r="0" g="0" b="0"/>
+        </a:fillRef>
+        <a:effectRef idx="2">
+          <a:scrgbClr r="0" g="0" b="0"/>
+        </a:effectRef>
+        <a:fontRef idx="minor"/>
+      </dsp:style>
+      <dsp:txBody>
+        <a:bodyPr spcFirstLastPara="0" vert="horz" wrap="square" lIns="25400" tIns="6350" rIns="12700" bIns="6350" numCol="1" spcCol="1270" anchor="ctr" anchorCtr="0">
+          <a:noAutofit/>
+        </a:bodyPr>
+        <a:lstStyle/>
+        <a:p>
+          <a:pPr marL="57150" lvl="1" indent="-57150" algn="l" defTabSz="444500">
+            <a:lnSpc>
+              <a:spcPct val="90000"/>
+            </a:lnSpc>
+            <a:spcBef>
+              <a:spcPct val="0"/>
+            </a:spcBef>
+            <a:spcAft>
+              <a:spcPct val="15000"/>
+            </a:spcAft>
+            <a:buChar char="•"/>
+          </a:pPr>
+          <a:r>
+            <a:rPr lang="en-US" sz="1000" kern="1200" dirty="0"/>
+            <a:t>Labels created manually from video</a:t>
+          </a:r>
+        </a:p>
+        <a:p>
+          <a:pPr marL="57150" lvl="1" indent="-57150" algn="l" defTabSz="444500">
+            <a:lnSpc>
+              <a:spcPct val="90000"/>
+            </a:lnSpc>
+            <a:spcBef>
+              <a:spcPct val="0"/>
+            </a:spcBef>
+            <a:spcAft>
+              <a:spcPct val="15000"/>
+            </a:spcAft>
+            <a:buChar char="•"/>
+          </a:pPr>
+          <a:r>
+            <a:rPr lang="en-US" sz="1000" kern="1200" dirty="0"/>
+            <a:t>Compute time and frequency features in commonly used in HAR</a:t>
+          </a:r>
+        </a:p>
+        <a:p>
+          <a:pPr marL="57150" lvl="1" indent="-57150" algn="l" defTabSz="444500">
+            <a:lnSpc>
+              <a:spcPct val="90000"/>
+            </a:lnSpc>
+            <a:spcBef>
+              <a:spcPct val="0"/>
+            </a:spcBef>
+            <a:spcAft>
+              <a:spcPct val="15000"/>
+            </a:spcAft>
+            <a:buChar char="•"/>
+          </a:pPr>
+          <a:r>
+            <a:rPr lang="en-US" sz="1000" kern="1200" dirty="0"/>
+            <a:t>Features scaled between -1 and 1</a:t>
+          </a:r>
+        </a:p>
+      </dsp:txBody>
+      <dsp:txXfrm>
+        <a:off x="8363048" y="729125"/>
+        <a:ext cx="1303845" cy="1636527"/>
+      </dsp:txXfrm>
+    </dsp:sp>
+    <dsp:sp modelId="{2096C760-1DFB-4E9A-AB02-847A1F0B6EFB}">
+      <dsp:nvSpPr>
+        <dsp:cNvPr id="0" name=""/>
+        <dsp:cNvSpPr/>
+      </dsp:nvSpPr>
+      <dsp:spPr>
+        <a:xfrm>
+          <a:off x="7025771" y="878750"/>
+          <a:ext cx="1337277" cy="1337277"/>
+        </a:xfrm>
+        <a:prstGeom prst="ellipse">
+          <a:avLst/>
+        </a:prstGeom>
+        <a:gradFill rotWithShape="0">
+          <a:gsLst>
+            <a:gs pos="0">
+              <a:schemeClr val="dk2">
+                <a:hueOff val="0"/>
+                <a:satOff val="0"/>
+                <a:lumOff val="0"/>
+                <a:alphaOff val="0"/>
+                <a:tint val="98000"/>
+                <a:lumMod val="114000"/>
+              </a:schemeClr>
+            </a:gs>
+            <a:gs pos="100000">
+              <a:schemeClr val="dk2">
+                <a:hueOff val="0"/>
+                <a:satOff val="0"/>
+                <a:lumOff val="0"/>
+                <a:alphaOff val="0"/>
+                <a:shade val="90000"/>
+                <a:lumMod val="84000"/>
+              </a:schemeClr>
+            </a:gs>
+          </a:gsLst>
+          <a:lin ang="5400000" scaled="0"/>
+        </a:gradFill>
+        <a:ln>
+          <a:noFill/>
+        </a:ln>
+        <a:effectLst>
+          <a:outerShdw blurRad="38100" dist="25400" dir="5400000" rotWithShape="0">
+            <a:srgbClr val="000000">
+              <a:alpha val="45000"/>
+            </a:srgbClr>
+          </a:outerShdw>
+        </a:effectLst>
+        <a:scene3d>
+          <a:camera prst="orthographicFront"/>
+          <a:lightRig rig="flat" dir="t"/>
+        </a:scene3d>
+        <a:sp3d prstMaterial="plastic">
+          <a:bevelT w="120900" h="88900"/>
+          <a:bevelB w="88900" h="31750" prst="angle"/>
+        </a:sp3d>
+      </dsp:spPr>
+      <dsp:style>
+        <a:lnRef idx="0">
+          <a:scrgbClr r="0" g="0" b="0"/>
+        </a:lnRef>
+        <a:fillRef idx="3">
+          <a:scrgbClr r="0" g="0" b="0"/>
+        </a:fillRef>
+        <a:effectRef idx="2">
+          <a:scrgbClr r="0" g="0" b="0"/>
+        </a:effectRef>
+        <a:fontRef idx="minor">
+          <a:schemeClr val="lt1"/>
+        </a:fontRef>
+      </dsp:style>
+      <dsp:txBody>
+        <a:bodyPr spcFirstLastPara="0" vert="horz" wrap="square" lIns="7620" tIns="7620" rIns="7620" bIns="7620" numCol="1" spcCol="1270" anchor="ctr" anchorCtr="0">
+          <a:noAutofit/>
+        </a:bodyPr>
+        <a:lstStyle/>
+        <a:p>
+          <a:pPr marL="0" lvl="0" indent="0" algn="ctr" defTabSz="533400">
+            <a:lnSpc>
+              <a:spcPct val="90000"/>
+            </a:lnSpc>
+            <a:spcBef>
+              <a:spcPct val="0"/>
+            </a:spcBef>
+            <a:spcAft>
+              <a:spcPct val="35000"/>
+            </a:spcAft>
+            <a:buNone/>
+          </a:pPr>
+          <a:r>
+            <a:rPr lang="en-US" sz="1200" kern="1200" dirty="0"/>
+            <a:t>Feature Engineering</a:t>
+          </a:r>
+        </a:p>
+      </dsp:txBody>
+      <dsp:txXfrm>
+        <a:off x="7221611" y="1074590"/>
+        <a:ext cx="945597" cy="945597"/>
+      </dsp:txXfrm>
+    </dsp:sp>
+  </dsp:spTree>
+</dsp:drawing>
+</file>
+
+<file path=ppt/diagrams/layout1.xml><?xml version="1.0" encoding="utf-8"?>
+<dgm:layoutDef xmlns:dgm="http://schemas.openxmlformats.org/drawingml/2006/diagram" xmlns:a="http://schemas.openxmlformats.org/drawingml/2006/main" uniqueId="urn:microsoft.com/office/officeart/2005/8/layout/pList2">
+  <dgm:title val=""/>
+  <dgm:desc val=""/>
+  <dgm:catLst>
+    <dgm:cat type="list" pri="11000"/>
+    <dgm:cat type="picture" pri="24000"/>
+    <dgm:cat type="pictureconvert" pri="24000"/>
+  </dgm:catLst>
+  <dgm:sampData useDef="1">
+    <dgm:dataModel>
+      <dgm:ptLst/>
+      <dgm:bg/>
+      <dgm:whole/>
+    </dgm:dataModel>
+  </dgm:sampData>
+  <dgm:styleData>
+    <dgm:dataModel>
+      <dgm:ptLst>
+        <dgm:pt modelId="0" type="doc"/>
+        <dgm:pt modelId="1"/>
+        <dgm:pt modelId="2"/>
+      </dgm:ptLst>
+      <dgm:cxnLst>
+        <dgm:cxn modelId="3" srcId="0" destId="1" srcOrd="0" destOrd="0"/>
+        <dgm:cxn modelId="4" srcId="0" destId="2" srcOrd="1" destOrd="0"/>
+      </dgm:cxnLst>
+      <dgm:bg/>
+      <dgm:whole/>
+    </dgm:dataModel>
+  </dgm:styleData>
+  <dgm:clrData>
+    <dgm:dataModel>
+      <dgm:ptLst>
+        <dgm:pt modelId="0" type="doc"/>
+        <dgm:pt modelId="1"/>
+        <dgm:pt modelId="2"/>
+        <dgm:pt modelId="3"/>
+        <dgm:pt modelId="4"/>
+      </dgm:ptLst>
+      <dgm:cxnLst>
+        <dgm:cxn modelId="5" srcId="0" destId="1" srcOrd="0" destOrd="0"/>
+        <dgm:cxn modelId="6" srcId="0" destId="2" srcOrd="1" destOrd="0"/>
+        <dgm:cxn modelId="7" srcId="0" destId="3" srcOrd="2" destOrd="0"/>
+        <dgm:cxn modelId="8" srcId="0" destId="4" srcOrd="3" destOrd="0"/>
+      </dgm:cxnLst>
+      <dgm:bg/>
+      <dgm:whole/>
+    </dgm:dataModel>
+  </dgm:clrData>
+  <dgm:layoutNode name="Name0">
+    <dgm:varLst>
+      <dgm:dir/>
+      <dgm:resizeHandles val="exact"/>
+    </dgm:varLst>
+    <dgm:alg type="composite"/>
+    <dgm:shape xmlns:r="http://schemas.openxmlformats.org/officeDocument/2006/relationships" r:blip="">
+      <dgm:adjLst/>
+    </dgm:shape>
+    <dgm:presOf/>
+    <dgm:constrLst>
+      <dgm:constr type="w" for="ch" forName="bkgdShp" refType="w"/>
+      <dgm:constr type="h" for="ch" forName="bkgdShp" refType="h" fact="0.45"/>
+      <dgm:constr type="t" for="ch" forName="bkgdShp"/>
+      <dgm:constr type="w" for="ch" forName="linComp" refType="w" fact="0.94"/>
+      <dgm:constr type="h" for="ch" forName="linComp" refType="h"/>
+      <dgm:constr type="ctrX" for="ch" forName="linComp" refType="w" fact="0.5"/>
+    </dgm:constrLst>
+    <dgm:ruleLst/>
+    <dgm:choose name="Name1">
+      <dgm:if name="Name2" axis="ch" ptType="node" func="cnt" op="gte" val="1">
+        <dgm:layoutNode name="bkgdShp" styleLbl="alignAccFollowNode1">
+          <dgm:alg type="sp"/>
+          <dgm:shape xmlns:r="http://schemas.openxmlformats.org/officeDocument/2006/relationships" type="roundRect" r:blip="">
+            <dgm:adjLst>
+              <dgm:adj idx="1" val="0.1"/>
+            </dgm:adjLst>
+          </dgm:shape>
+          <dgm:presOf/>
+          <dgm:constrLst/>
+          <dgm:ruleLst/>
+        </dgm:layoutNode>
+        <dgm:layoutNode name="linComp">
+          <dgm:choose name="Name3">
+            <dgm:if name="Name4" func="var" arg="dir" op="equ" val="norm">
+              <dgm:alg type="lin"/>
+            </dgm:if>
+            <dgm:else name="Name5">
+              <dgm:alg type="lin">
+                <dgm:param type="linDir" val="fromR"/>
+              </dgm:alg>
+            </dgm:else>
+          </dgm:choose>
+          <dgm:shape xmlns:r="http://schemas.openxmlformats.org/officeDocument/2006/relationships" r:blip="">
+            <dgm:adjLst/>
+          </dgm:shape>
+          <dgm:presOf/>
+          <dgm:constrLst>
+            <dgm:constr type="w" for="ch" forName="compNode" refType="w"/>
+            <dgm:constr type="h" for="ch" forName="compNode" refType="h"/>
+            <dgm:constr type="w" for="ch" ptType="sibTrans" refType="w" refFor="ch" refForName="compNode" fact="0.1"/>
+            <dgm:constr type="h" for="ch" ptType="sibTrans" op="equ"/>
+            <dgm:constr type="h" for="ch" forName="compNode" op="equ"/>
+            <dgm:constr type="primFontSz" for="des" forName="node" op="equ"/>
+          </dgm:constrLst>
+          <dgm:ruleLst/>
+          <dgm:forEach name="nodesForEach" axis="ch" ptType="node">
+            <dgm:layoutNode name="compNode">
+              <dgm:alg type="composite"/>
+              <dgm:shape xmlns:r="http://schemas.openxmlformats.org/officeDocument/2006/relationships" r:blip="">
+                <dgm:adjLst/>
+              </dgm:shape>
+              <dgm:presOf/>
+              <dgm:constrLst>
+                <dgm:constr type="w" for="ch" forName="node" refType="w"/>
+                <dgm:constr type="h" for="ch" forName="node" refType="h" fact="0.55"/>
+                <dgm:constr type="b" for="ch" forName="node" refType="h"/>
+                <dgm:constr type="w" for="ch" forName="invisiNode" refType="w" fact="0.75"/>
+                <dgm:constr type="h" for="ch" forName="invisiNode" refType="h" fact="0.06"/>
+                <dgm:constr type="t" for="ch" forName="invisiNode"/>
+                <dgm:constr type="w" for="ch" forName="imagNode" refType="w"/>
+                <dgm:constr type="h" for="ch" forName="imagNode" refType="h" fact="0.33"/>
+                <dgm:constr type="ctrX" for="ch" forName="imagNode" refType="w" fact="0.5"/>
+                <dgm:constr type="t" for="ch" forName="imagNode" refType="h" fact="0.06"/>
+              </dgm:constrLst>
+              <dgm:ruleLst/>
+              <dgm:layoutNode name="node" styleLbl="node1">
+                <dgm:varLst>
+                  <dgm:bulletEnabled val="1"/>
+                </dgm:varLst>
+                <dgm:alg type="tx">
+                  <dgm:param type="txAnchorVert" val="t"/>
+                </dgm:alg>
+                <dgm:shape xmlns:r="http://schemas.openxmlformats.org/officeDocument/2006/relationships" rot="180" type="round2SameRect" r:blip="">
+                  <dgm:adjLst>
+                    <dgm:adj idx="1" val="0.105"/>
+                  </dgm:adjLst>
+                </dgm:shape>
+                <dgm:presOf axis="desOrSelf" ptType="node"/>
+                <dgm:constrLst>
+                  <dgm:constr type="primFontSz" val="65"/>
+                </dgm:constrLst>
+                <dgm:ruleLst>
+                  <dgm:rule type="primFontSz" val="5" fact="NaN" max="NaN"/>
+                </dgm:ruleLst>
+              </dgm:layoutNode>
+              <dgm:layoutNode name="invisiNode">
+                <dgm:alg type="sp"/>
+                <dgm:shape xmlns:r="http://schemas.openxmlformats.org/officeDocument/2006/relationships" type="roundRect" r:blip="" hideGeom="1">
+                  <dgm:adjLst>
+                    <dgm:adj idx="1" val="0.1"/>
+                  </dgm:adjLst>
+                </dgm:shape>
+                <dgm:presOf/>
+                <dgm:constrLst/>
+                <dgm:ruleLst/>
+              </dgm:layoutNode>
+              <dgm:layoutNode name="imagNode" styleLbl="fgImgPlace1">
+                <dgm:alg type="sp"/>
+                <dgm:shape xmlns:r="http://schemas.openxmlformats.org/officeDocument/2006/relationships" type="roundRect" r:blip="" zOrderOff="-2" blipPhldr="1">
+                  <dgm:adjLst>
+                    <dgm:adj idx="1" val="0.1"/>
+                  </dgm:adjLst>
+                </dgm:shape>
+                <dgm:presOf/>
+                <dgm:constrLst/>
+                <dgm:ruleLst/>
+              </dgm:layoutNode>
+            </dgm:layoutNode>
+            <dgm:forEach name="sibTransForEach" axis="followSib" ptType="sibTrans" cnt="1">
+              <dgm:layoutNode name="sibTrans">
+                <dgm:alg type="sp"/>
+                <dgm:shape xmlns:r="http://schemas.openxmlformats.org/officeDocument/2006/relationships" type="rect" r:blip="" hideGeom="1">
+                  <dgm:adjLst/>
+                </dgm:shape>
+                <dgm:presOf axis="self"/>
+                <dgm:constrLst/>
+                <dgm:ruleLst/>
+              </dgm:layoutNode>
+            </dgm:forEach>
+          </dgm:forEach>
+        </dgm:layoutNode>
+      </dgm:if>
+      <dgm:else name="Name6"/>
+    </dgm:choose>
+  </dgm:layoutNode>
+</dgm:layoutDef>
+</file>
+
+<file path=ppt/diagrams/layout2.xml><?xml version="1.0" encoding="utf-8"?>
+<dgm:layoutDef xmlns:dgm="http://schemas.openxmlformats.org/drawingml/2006/diagram" xmlns:a="http://schemas.openxmlformats.org/drawingml/2006/main" uniqueId="urn:microsoft.com/office/officeart/2005/8/layout/hProcess6">
+  <dgm:title val=""/>
+  <dgm:desc val=""/>
+  <dgm:catLst>
+    <dgm:cat type="process" pri="7000"/>
+  </dgm:catLst>
+  <dgm:sampData>
+    <dgm:dataModel>
+      <dgm:ptLst>
+        <dgm:pt modelId="0" type="doc"/>
+        <dgm:pt modelId="1">
+          <dgm:prSet phldr="1"/>
+        </dgm:pt>
+        <dgm:pt modelId="11">
+          <dgm:prSet phldr="1"/>
+        </dgm:pt>
+        <dgm:pt modelId="12">
+          <dgm:prSet phldr="1"/>
+        </dgm:pt>
+        <dgm:pt modelId="2">
+          <dgm:prSet phldr="1"/>
+        </dgm:pt>
+        <dgm:pt modelId="21">
+          <dgm:prSet phldr="1"/>
+        </dgm:pt>
+        <dgm:pt modelId="22">
+          <dgm:prSet phldr="1"/>
+        </dgm:pt>
+        <dgm:pt modelId="3">
+          <dgm:prSet phldr="1"/>
+        </dgm:pt>
+        <dgm:pt modelId="31">
+          <dgm:prSet phldr="1"/>
+        </dgm:pt>
+        <dgm:pt modelId="32">
+          <dgm:prSet phldr="1"/>
+        </dgm:pt>
+      </dgm:ptLst>
+      <dgm:cxnLst>
+        <dgm:cxn modelId="4" srcId="0" destId="1" srcOrd="0" destOrd="0"/>
+        <dgm:cxn modelId="5" srcId="0" destId="2" srcOrd="1" destOrd="0"/>
+        <dgm:cxn modelId="13" srcId="1" destId="11" srcOrd="0" destOrd="0"/>
+        <dgm:cxn modelId="14" srcId="1" destId="12" srcOrd="0" destOrd="0"/>
+        <dgm:cxn modelId="23" srcId="2" destId="21" srcOrd="0" destOrd="0"/>
+        <dgm:cxn modelId="24" srcId="2" destId="22" srcOrd="0" destOrd="0"/>
+        <dgm:cxn modelId="33" srcId="3" destId="31" srcOrd="0" destOrd="0"/>
+        <dgm:cxn modelId="34" srcId="3" destId="32" srcOrd="0" destOrd="0"/>
+      </dgm:cxnLst>
+      <dgm:bg/>
+      <dgm:whole/>
+    </dgm:dataModel>
+  </dgm:sampData>
+  <dgm:styleData>
+    <dgm:dataModel>
+      <dgm:ptLst>
+        <dgm:pt modelId="0" type="doc"/>
+        <dgm:pt modelId="1"/>
+        <dgm:pt modelId="11"/>
+        <dgm:pt modelId="2"/>
+        <dgm:pt modelId="21"/>
+      </dgm:ptLst>
+      <dgm:cxnLst>
+        <dgm:cxn modelId="4" srcId="0" destId="1" srcOrd="0" destOrd="0"/>
+        <dgm:cxn modelId="5" srcId="0" destId="2" srcOrd="1" destOrd="0"/>
+        <dgm:cxn modelId="13" srcId="1" destId="11" srcOrd="0" destOrd="0"/>
+        <dgm:cxn modelId="23" srcId="2" destId="21" srcOrd="0" destOrd="0"/>
+      </dgm:cxnLst>
+      <dgm:bg/>
+      <dgm:whole/>
+    </dgm:dataModel>
+  </dgm:styleData>
+  <dgm:clrData>
+    <dgm:dataModel>
+      <dgm:ptLst>
+        <dgm:pt modelId="0" type="doc"/>
+        <dgm:pt modelId="1"/>
+        <dgm:pt modelId="11"/>
+        <dgm:pt modelId="2"/>
+        <dgm:pt modelId="21"/>
+        <dgm:pt modelId="3"/>
+        <dgm:pt modelId="31"/>
+        <dgm:pt modelId="4"/>
+        <dgm:pt modelId="41"/>
+      </dgm:ptLst>
+      <dgm:cxnLst>
+        <dgm:cxn modelId="5" srcId="0" destId="1" srcOrd="0" destOrd="0"/>
+        <dgm:cxn modelId="6" srcId="0" destId="2" srcOrd="1" destOrd="0"/>
+        <dgm:cxn modelId="7" srcId="0" destId="3" srcOrd="2" destOrd="0"/>
+        <dgm:cxn modelId="8" srcId="0" destId="4" srcOrd="3" destOrd="0"/>
+        <dgm:cxn modelId="13" srcId="1" destId="11" srcOrd="0" destOrd="0"/>
+        <dgm:cxn modelId="23" srcId="2" destId="21" srcOrd="0" destOrd="0"/>
+        <dgm:cxn modelId="33" srcId="3" destId="31" srcOrd="0" destOrd="0"/>
+        <dgm:cxn modelId="43" srcId="4" destId="41" srcOrd="0" destOrd="0"/>
+      </dgm:cxnLst>
+      <dgm:bg/>
+      <dgm:whole/>
+    </dgm:dataModel>
+  </dgm:clrData>
+  <dgm:layoutNode name="theList">
+    <dgm:varLst>
+      <dgm:dir/>
+      <dgm:animLvl val="lvl"/>
+      <dgm:resizeHandles val="exact"/>
+    </dgm:varLst>
+    <dgm:choose name="Name0">
+      <dgm:if name="Name1" func="var" arg="dir" op="equ" val="norm">
+        <dgm:alg type="lin">
+          <dgm:param type="linDir" val="fromL"/>
+          <dgm:param type="nodeHorzAlign" val="l"/>
+        </dgm:alg>
+      </dgm:if>
+      <dgm:else name="Name2">
+        <dgm:alg type="lin">
+          <dgm:param type="linDir" val="fromR"/>
+          <dgm:param type="nodeHorzAlign" val="r"/>
+        </dgm:alg>
+      </dgm:else>
+    </dgm:choose>
+    <dgm:shape xmlns:r="http://schemas.openxmlformats.org/officeDocument/2006/relationships" r:blip="">
+      <dgm:adjLst/>
+    </dgm:shape>
+    <dgm:presOf/>
+    <dgm:constrLst>
+      <dgm:constr type="w" for="ch" forName="compNode" refType="w"/>
+      <dgm:constr type="h" for="ch" forName="compNode" refType="w" refFor="ch" refForName="compNode" fact="0.7"/>
+      <dgm:constr type="ctrY" for="ch" forName="compNode" refType="h" fact="0.5"/>
+      <dgm:constr type="w" for="ch" forName="aSpace" refType="w" fact="0.05"/>
+      <dgm:constr type="primFontSz" for="des" forName="childTextHidden" op="equ" val="65"/>
+      <dgm:constr type="primFontSz" for="des" forName="parentText" op="equ"/>
+    </dgm:constrLst>
+    <dgm:ruleLst/>
+    <dgm:forEach name="aNodeForEach" axis="ch" ptType="node">
+      <dgm:layoutNode name="compNode">
+        <dgm:alg type="composite">
+          <dgm:param type="ar" val="1.43"/>
+        </dgm:alg>
+        <dgm:shape xmlns:r="http://schemas.openxmlformats.org/officeDocument/2006/relationships" r:blip="">
+          <dgm:adjLst/>
+        </dgm:shape>
+        <dgm:presOf/>
+        <dgm:choose name="Name3">
+          <dgm:if name="Name4" func="var" arg="dir" op="equ" val="norm">
+            <dgm:constrLst>
+              <dgm:constr type="w" for="ch" forName="childTextVisible" refType="w" fact="0.8"/>
+              <dgm:constr type="h" for="ch" forName="childTextVisible" refType="h"/>
+              <dgm:constr type="r" for="ch" forName="childTextVisible" refType="w"/>
+              <dgm:constr type="w" for="ch" forName="childTextHidden" refType="w" fact="0.6"/>
+              <dgm:constr type="h" for="ch" forName="childTextHidden" refType="h"/>
+              <dgm:constr type="r" for="ch" forName="childTextHidden" refType="w"/>
+              <dgm:constr type="l" for="ch" forName="parentText"/>
+              <dgm:constr type="w" for="ch" forName="parentText" refType="w" fact="0.4"/>
+              <dgm:constr type="h" for="ch" forName="parentText" refType="w" refFor="ch" refForName="parentText" op="equ"/>
+              <dgm:constr type="ctrY" for="ch" forName="parentText" refType="h" fact="0.5"/>
+            </dgm:constrLst>
+          </dgm:if>
+          <dgm:else name="Name5">
+            <dgm:constrLst>
+              <dgm:constr type="w" for="ch" forName="childTextVisible" refType="w" fact="0.8"/>
+              <dgm:constr type="h" for="ch" forName="childTextVisible" refType="h"/>
+              <dgm:constr type="l" for="ch" forName="childTextVisible"/>
+              <dgm:constr type="w" for="ch" forName="childTextHidden" refType="w" fact="0.6"/>
+              <dgm:constr type="h" for="ch" forName="childTextHidden" refType="h"/>
+              <dgm:constr type="l" for="ch" forName="childTextHidden"/>
+              <dgm:constr type="r" for="ch" forName="parentText" refType="w"/>
+              <dgm:constr type="w" for="ch" forName="parentText" refType="w" fact="0.4"/>
+              <dgm:constr type="h" for="ch" forName="parentText" refType="w" refFor="ch" refForName="parentText" op="equ"/>
+              <dgm:constr type="ctrY" for="ch" forName="parentText" refType="h" fact="0.5"/>
+            </dgm:constrLst>
+          </dgm:else>
+        </dgm:choose>
+        <dgm:ruleLst/>
+        <dgm:layoutNode name="noGeometry">
+          <dgm:alg type="sp"/>
+          <dgm:shape xmlns:r="http://schemas.openxmlformats.org/officeDocument/2006/relationships" r:blip="">
+            <dgm:adjLst/>
+          </dgm:shape>
+          <dgm:presOf/>
+          <dgm:constrLst/>
+          <dgm:ruleLst/>
+        </dgm:layoutNode>
+        <dgm:layoutNode name="childTextVisible" styleLbl="bgAccFollowNode1">
+          <dgm:varLst>
+            <dgm:bulletEnabled val="1"/>
+          </dgm:varLst>
+          <dgm:alg type="sp"/>
+          <dgm:choose name="Name6">
+            <dgm:if name="Name7" func="var" arg="dir" op="equ" val="norm">
+              <dgm:shape xmlns:r="http://schemas.openxmlformats.org/officeDocument/2006/relationships" type="rightArrow" r:blip="">
+                <dgm:adjLst>
+                  <dgm:adj idx="1" val="0.7"/>
+                  <dgm:adj idx="2" val="0.5"/>
+                </dgm:adjLst>
+              </dgm:shape>
+            </dgm:if>
+            <dgm:else name="Name8">
+              <dgm:shape xmlns:r="http://schemas.openxmlformats.org/officeDocument/2006/relationships" type="leftArrow" r:blip="">
+                <dgm:adjLst>
+                  <dgm:adj idx="1" val="0.7"/>
+                  <dgm:adj idx="2" val="0.5"/>
+                </dgm:adjLst>
+              </dgm:shape>
+            </dgm:else>
+          </dgm:choose>
+          <dgm:presOf axis="des" ptType="node"/>
+          <dgm:constrLst/>
+          <dgm:ruleLst/>
+        </dgm:layoutNode>
+        <dgm:layoutNode name="childTextHidden" styleLbl="bgAccFollowNode1">
+          <dgm:choose name="Name9">
+            <dgm:if name="Name10" axis="des followSib" ptType="node node" st="1 1" cnt="1 0" func="cnt" op="gte" val="1">
+              <dgm:alg type="tx">
+                <dgm:param type="stBulletLvl" val="1"/>
+                <dgm:param type="txAnchorVertCh" val="mid"/>
+              </dgm:alg>
+            </dgm:if>
+            <dgm:else name="Name11">
+              <dgm:alg type="tx">
+                <dgm:param type="stBulletLvl" val="2"/>
+                <dgm:param type="txAnchorVertCh" val="mid"/>
+              </dgm:alg>
+            </dgm:else>
+          </dgm:choose>
+          <dgm:choose name="Name12">
+            <dgm:if name="Name13" func="var" arg="dir" op="equ" val="norm">
+              <dgm:shape xmlns:r="http://schemas.openxmlformats.org/officeDocument/2006/relationships" type="rightArrow" r:blip="" hideGeom="1">
+                <dgm:adjLst>
+                  <dgm:adj idx="1" val="0.7"/>
+                  <dgm:adj idx="2" val="0.5"/>
+                </dgm:adjLst>
+              </dgm:shape>
+            </dgm:if>
+            <dgm:else name="Name14">
+              <dgm:shape xmlns:r="http://schemas.openxmlformats.org/officeDocument/2006/relationships" type="leftArrow" r:blip="" hideGeom="1">
+                <dgm:adjLst>
+                  <dgm:adj idx="1" val="0.7"/>
+                  <dgm:adj idx="2" val="0.5"/>
+                </dgm:adjLst>
+              </dgm:shape>
+            </dgm:else>
+          </dgm:choose>
+          <dgm:presOf axis="des" ptType="node"/>
+          <dgm:constrLst>
+            <dgm:constr type="secFontSz" refType="primFontSz"/>
+            <dgm:constr type="tMarg" refType="primFontSz" fact="0.05"/>
+            <dgm:constr type="bMarg" refType="primFontSz" fact="0.05"/>
+            <dgm:constr type="rMarg" refType="primFontSz" fact="0.1"/>
+            <dgm:constr type="lMarg" refType="primFontSz" fact="0.2"/>
+          </dgm:constrLst>
+          <dgm:ruleLst>
+            <dgm:rule type="primFontSz" val="5" fact="NaN" max="NaN"/>
+          </dgm:ruleLst>
+        </dgm:layoutNode>
+        <dgm:layoutNode name="parentText" styleLbl="node1">
+          <dgm:varLst>
+            <dgm:chMax val="1"/>
+            <dgm:bulletEnabled val="1"/>
+          </dgm:varLst>
+          <dgm:alg type="tx"/>
+          <dgm:shape xmlns:r="http://schemas.openxmlformats.org/officeDocument/2006/relationships" type="ellipse" r:blip="">
+            <dgm:adjLst/>
+          </dgm:shape>
+          <dgm:presOf axis="self"/>
+          <dgm:constrLst>
+            <dgm:constr type="primFontSz" val="65"/>
+            <dgm:constr type="tMarg" refType="primFontSz" fact="0.05"/>
+            <dgm:constr type="bMarg" refType="primFontSz" fact="0.05"/>
+            <dgm:constr type="lMarg" refType="primFontSz" fact="0.05"/>
+            <dgm:constr type="rMarg" refType="primFontSz" fact="0.05"/>
+          </dgm:constrLst>
+          <dgm:ruleLst>
+            <dgm:rule type="primFontSz" val="5" fact="NaN" max="NaN"/>
+          </dgm:ruleLst>
+        </dgm:layoutNode>
+      </dgm:layoutNode>
+      <dgm:choose name="Name15">
+        <dgm:if name="Name16" axis="self" ptType="node" func="revPos" op="gte" val="2">
+          <dgm:layoutNode name="aSpace">
+            <dgm:alg type="sp"/>
+            <dgm:shape xmlns:r="http://schemas.openxmlformats.org/officeDocument/2006/relationships" r:blip="">
+              <dgm:adjLst/>
+            </dgm:shape>
+            <dgm:presOf/>
+            <dgm:constrLst/>
+            <dgm:ruleLst/>
+          </dgm:layoutNode>
+        </dgm:if>
+        <dgm:else name="Name17"/>
+      </dgm:choose>
+    </dgm:forEach>
+  </dgm:layoutNode>
+</dgm:layoutDef>
+</file>
+
+<file path=ppt/diagrams/quickStyle1.xml><?xml version="1.0" encoding="utf-8"?>
+<dgm:styleDef xmlns:dgm="http://schemas.openxmlformats.org/drawingml/2006/diagram" xmlns:a="http://schemas.openxmlformats.org/drawingml/2006/main" uniqueId="urn:microsoft.com/office/officeart/2005/8/quickstyle/3d1">
+  <dgm:title val=""/>
+  <dgm:desc val=""/>
+  <dgm:catLst>
+    <dgm:cat type="3D" pri="11100"/>
+  </dgm:catLst>
+  <dgm:scene3d>
+    <a:camera prst="orthographicFront"/>
+    <a:lightRig rig="threePt" dir="t"/>
+  </dgm:scene3d>
+  <dgm:styleLbl name="node0">
+    <dgm:scene3d>
+      <a:camera prst="orthographicFront"/>
+      <a:lightRig rig="flat" dir="t"/>
+    </dgm:scene3d>
+    <dgm:sp3d prstMaterial="plastic">
+      <a:bevelT w="120900" h="88900"/>
+      <a:bevelB w="88900" h="31750" prst="angle"/>
+    </dgm:sp3d>
+    <dgm:txPr/>
+    <dgm:style>
+      <a:lnRef idx="0">
+        <a:scrgbClr r="0" g="0" b="0"/>
+      </a:lnRef>
+      <a:fillRef idx="3">
+        <a:scrgbClr r="0" g="0" b="0"/>
+      </a:fillRef>
+      <a:effectRef idx="2">
+        <a:scrgbClr r="0" g="0" b="0"/>
+      </a:effectRef>
+      <a:fontRef idx="minor">
+        <a:schemeClr val="lt1"/>
+      </a:fontRef>
+    </dgm:style>
+  </dgm:styleLbl>
+  <dgm:styleLbl name="lnNode1">
+    <dgm:scene3d>
+      <a:camera prst="orthographicFront"/>
+      <a:lightRig rig="flat" dir="t"/>
+    </dgm:scene3d>
+    <dgm:sp3d prstMaterial="plastic">
+      <a:bevelT w="120900" h="88900"/>
+      <a:bevelB w="88900" h="31750" prst="angle"/>
+    </dgm:sp3d>
+    <dgm:txPr/>
+    <dgm:style>
+      <a:lnRef idx="0">
+        <a:scrgbClr r="0" g="0" b="0"/>
+      </a:lnRef>
+      <a:fillRef idx="3">
+        <a:scrgbClr r="0" g="0" b="0"/>
+      </a:fillRef>
+      <a:effectRef idx="1">
+        <a:scrgbClr r="0" g="0" b="0"/>
+      </a:effectRef>
+      <a:fontRef idx="minor">
+        <a:schemeClr val="lt1"/>
+      </a:fontRef>
+    </dgm:style>
+  </dgm:styleLbl>
+  <dgm:styleLbl name="vennNode1">
+    <dgm:scene3d>
+      <a:camera prst="orthographicFront"/>
+      <a:lightRig rig="flat" dir="t"/>
+    </dgm:scene3d>
+    <dgm:sp3d prstMaterial="plastic">
+      <a:bevelT w="120900" h="88900"/>
+      <a:bevelB w="88900" h="31750" prst="angle"/>
+    </dgm:sp3d>
+    <dgm:txPr/>
+    <dgm:style>
+      <a:lnRef idx="0">
+        <a:scrgbClr r="0" g="0" b="0"/>
+      </a:lnRef>
+      <a:fillRef idx="1">
+        <a:scrgbClr r="0" g="0" b="0"/>
+      </a:fillRef>
+      <a:effectRef idx="1">
+        <a:scrgbClr r="0" g="0" b="0"/>
+      </a:effectRef>
+      <a:fontRef idx="minor">
+        <a:schemeClr val="tx1"/>
+      </a:fontRef>
+    </dgm:style>
+  </dgm:styleLbl>
+  <dgm:styleLbl name="alignNode1">
+    <dgm:scene3d>
+      <a:camera prst="orthographicFront"/>
+      <a:lightRig rig="flat" dir="t"/>
+    </dgm:scene3d>
+    <dgm:sp3d prstMaterial="plastic">
+      <a:bevelT w="120900" h="88900"/>
+      <a:bevelB w="88900" h="31750" prst="angle"/>
+    </dgm:sp3d>
+    <dgm:txPr/>
+    <dgm:style>
+      <a:lnRef idx="1">
+        <a:scrgbClr r="0" g="0" b="0"/>
+      </a:lnRef>
+      <a:fillRef idx="3">
+        <a:scrgbClr r="0" g="0" b="0"/>
+      </a:fillRef>
+      <a:effectRef idx="2">
+        <a:scrgbClr r="0" g="0" b="0"/>
+      </a:effectRef>
+      <a:fontRef idx="minor">
+        <a:schemeClr val="lt1"/>
+      </a:fontRef>
+    </dgm:style>
+  </dgm:styleLbl>
+  <dgm:styleLbl name="node1">
+    <dgm:scene3d>
+      <a:camera prst="orthographicFront"/>
+      <a:lightRig rig="flat" dir="t"/>
+    </dgm:scene3d>
+    <dgm:sp3d prstMaterial="plastic">
+      <a:bevelT w="120900" h="88900"/>
+      <a:bevelB w="88900" h="31750" prst="angle"/>
+    </dgm:sp3d>
+    <dgm:txPr/>
+    <dgm:style>
+      <a:lnRef idx="0">
+        <a:scrgbClr r="0" g="0" b="0"/>
+      </a:lnRef>
+      <a:fillRef idx="3">
+        <a:scrgbClr r="0" g="0" b="0"/>
+      </a:fillRef>
+      <a:effectRef idx="2">
+        <a:scrgbClr r="0" g="0" b="0"/>
+      </a:effectRef>
+      <a:fontRef idx="minor">
+        <a:schemeClr val="lt1"/>
+      </a:fontRef>
+    </dgm:style>
+  </dgm:styleLbl>
+  <dgm:styleLbl name="node2">
+    <dgm:scene3d>
+      <a:camera prst="orthographicFront"/>
+      <a:lightRig rig="flat" dir="t"/>
+    </dgm:scene3d>
+    <dgm:sp3d prstMaterial="plastic">
+      <a:bevelT w="120900" h="88900"/>
+      <a:bevelB w="88900" h="31750" prst="angle"/>
+    </dgm:sp3d>
+    <dgm:txPr/>
+    <dgm:style>
+      <a:lnRef idx="0">
+        <a:scrgbClr r="0" g="0" b="0"/>
+      </a:lnRef>
+      <a:fillRef idx="3">
+        <a:scrgbClr r="0" g="0" b="0"/>
+      </a:fillRef>
+      <a:effectRef idx="1">
+        <a:scrgbClr r="0" g="0" b="0"/>
+      </a:effectRef>
+      <a:fontRef idx="minor">
+        <a:schemeClr val="lt1"/>
+      </a:fontRef>
+    </dgm:style>
+  </dgm:styleLbl>
+  <dgm:styleLbl name="node3">
+    <dgm:scene3d>
+      <a:camera prst="orthographicFront"/>
+      <a:lightRig rig="flat" dir="t"/>
+    </dgm:scene3d>
+    <dgm:sp3d prstMaterial="plastic">
+      <a:bevelT w="120900" h="88900"/>
+      <a:bevelB w="88900" h="31750" prst="angle"/>
+    </dgm:sp3d>
+    <dgm:txPr/>
+    <dgm:style>
+      <a:lnRef idx="0">
+        <a:scrgbClr r="0" g="0" b="0"/>
+      </a:lnRef>
+      <a:fillRef idx="3">
+        <a:scrgbClr r="0" g="0" b="0"/>
+      </a:fillRef>
+      <a:effectRef idx="1">
+        <a:scrgbClr r="0" g="0" b="0"/>
+      </a:effectRef>
+      <a:fontRef idx="minor">
+        <a:schemeClr val="lt1"/>
+      </a:fontRef>
+    </dgm:style>
+  </dgm:styleLbl>
+  <dgm:styleLbl name="node4">
+    <dgm:scene3d>
+      <a:camera prst="orthographicFront"/>
+      <a:lightRig rig="flat" dir="t"/>
+    </dgm:scene3d>
+    <dgm:sp3d prstMaterial="plastic">
+      <a:bevelT w="120900" h="88900"/>
+      <a:bevelB w="88900" h="31750" prst="angle"/>
+    </dgm:sp3d>
+    <dgm:txPr/>
+    <dgm:style>
+      <a:lnRef idx="0">
+        <a:scrgbClr r="0" g="0" b="0"/>
+      </a:lnRef>
+      <a:fillRef idx="3">
+        <a:scrgbClr r="0" g="0" b="0"/>
+      </a:fillRef>
+      <a:effectRef idx="1">
+        <a:scrgbClr r="0" g="0" b="0"/>
+      </a:effectRef>
+      <a:fontRef idx="minor">
+        <a:schemeClr val="lt1"/>
+      </a:fontRef>
+    </dgm:style>
+  </dgm:styleLbl>
+  <dgm:styleLbl name="fgImgPlace1">
+    <dgm:scene3d>
+      <a:camera prst="orthographicFront"/>
+      <a:lightRig rig="flat" dir="t"/>
+    </dgm:scene3d>
+    <dgm:sp3d z="127000" prstMaterial="plastic">
+      <a:bevelT w="88900" h="88900"/>
+      <a:bevelB w="88900" h="31750" prst="angle"/>
+    </dgm:sp3d>
+    <dgm:txPr/>
+    <dgm:style>
+      <a:lnRef idx="0">
+        <a:scrgbClr r="0" g="0" b="0"/>
+      </a:lnRef>
+      <a:fillRef idx="3">
+        <a:scrgbClr r="0" g="0" b="0"/>
+      </a:fillRef>
+      <a:effectRef idx="2">
+        <a:scrgbClr r="0" g="0" b="0"/>
+      </a:effectRef>
+      <a:fontRef idx="minor"/>
+    </dgm:style>
+  </dgm:styleLbl>
+  <dgm:styleLbl name="alignImgPlace1">
+    <dgm:scene3d>
+      <a:camera prst="orthographicFront"/>
+      <a:lightRig rig="flat" dir="t"/>
+    </dgm:scene3d>
+    <dgm:sp3d prstMaterial="plastic">
+      <a:bevelT w="88900" h="88900"/>
+      <a:bevelB w="88900" h="31750" prst="angle"/>
+    </dgm:sp3d>
+    <dgm:txPr/>
+    <dgm:style>
+      <a:lnRef idx="0">
+        <a:scrgbClr r="0" g="0" b="0"/>
+      </a:lnRef>
+      <a:fillRef idx="3">
+        <a:scrgbClr r="0" g="0" b="0"/>
+      </a:fillRef>
+      <a:effectRef idx="2">
+        <a:scrgbClr r="0" g="0" b="0"/>
+      </a:effectRef>
+      <a:fontRef idx="minor"/>
+    </dgm:style>
+  </dgm:styleLbl>
+  <dgm:styleLbl name="bgImgPlace1">
+    <dgm:scene3d>
+      <a:camera prst="orthographicFront"/>
+      <a:lightRig rig="flat" dir="t"/>
+    </dgm:scene3d>
+    <dgm:sp3d z="-190500" prstMaterial="plastic">
+      <a:bevelT w="88900" h="88900"/>
+      <a:bevelB w="88900" h="31750" prst="angle"/>
+    </dgm:sp3d>
+    <dgm:txPr/>
+    <dgm:style>
+      <a:lnRef idx="0">
+        <a:scrgbClr r="0" g="0" b="0"/>
+      </a:lnRef>
+      <a:fillRef idx="3">
+        <a:scrgbClr r="0" g="0" b="0"/>
+      </a:fillRef>
+      <a:effectRef idx="2">
+        <a:scrgbClr r="0" g="0" b="0"/>
+      </a:effectRef>
+      <a:fontRef idx="minor"/>
+    </dgm:style>
+  </dgm:styleLbl>
+  <dgm:styleLbl name="sibTrans2D1">
+    <dgm:scene3d>
+      <a:camera prst="orthographicFront"/>
+      <a:lightRig rig="flat" dir="t"/>
+    </dgm:scene3d>
+    <dgm:sp3d z="-80000" prstMaterial="plastic">
+      <a:bevelT w="50800" h="50800"/>
+      <a:bevelB w="25400" h="25400" prst="angle"/>
+    </dgm:sp3d>
+    <dgm:txPr/>
+    <dgm:style>
+      <a:lnRef idx="0">
+        <a:scrgbClr r="0" g="0" b="0"/>
+      </a:lnRef>
+      <a:fillRef idx="3">
+        <a:scrgbClr r="0" g="0" b="0"/>
+      </a:fillRef>
+      <a:effectRef idx="2">
+        <a:scrgbClr r="0" g="0" b="0"/>
+      </a:effectRef>
+      <a:fontRef idx="minor">
+        <a:schemeClr val="lt1"/>
+      </a:fontRef>
+    </dgm:style>
+  </dgm:styleLbl>
+  <dgm:styleLbl name="fgSibTrans2D1">
+    <dgm:scene3d>
+      <a:camera prst="orthographicFront"/>
+      <a:lightRig rig="flat" dir="t"/>
+    </dgm:scene3d>
+    <dgm:sp3d z="127000" prstMaterial="plastic">
+      <a:bevelT w="50800" h="50800"/>
+      <a:bevelB w="25400" h="25400" prst="angle"/>
+    </dgm:sp3d>
+    <dgm:txPr/>
+    <dgm:style>
+      <a:lnRef idx="0">
+        <a:scrgbClr r="0" g="0" b="0"/>
+      </a:lnRef>
+      <a:fillRef idx="3">
+        <a:scrgbClr r="0" g="0" b="0"/>
+      </a:fillRef>
+      <a:effectRef idx="2">
+        <a:scrgbClr r="0" g="0" b="0"/>
+      </a:effectRef>
+      <a:fontRef idx="minor">
+        <a:schemeClr val="lt1"/>
+      </a:fontRef>
+    </dgm:style>
+  </dgm:styleLbl>
+  <dgm:styleLbl name="bgSibTrans2D1">
+    <dgm:scene3d>
+      <a:camera prst="orthographicFront"/>
+      <a:lightRig rig="flat" dir="t"/>
+    </dgm:scene3d>
+    <dgm:sp3d z="-190500" prstMaterial="plastic">
+      <a:bevelT w="50800" h="50800"/>
+      <a:bevelB w="25400" h="25400" prst="angle"/>
+    </dgm:sp3d>
+    <dgm:txPr/>
+    <dgm:style>
+      <a:lnRef idx="0">
+        <a:scrgbClr r="0" g="0" b="0"/>
+      </a:lnRef>
+      <a:fillRef idx="3">
+        <a:scrgbClr r="0" g="0" b="0"/>
+      </a:fillRef>
+      <a:effectRef idx="2">
+        <a:scrgbClr r="0" g="0" b="0"/>
+      </a:effectRef>
+      <a:fontRef idx="minor">
+        <a:schemeClr val="lt1"/>
+      </a:fontRef>
+    </dgm:style>
+  </dgm:styleLbl>
+  <dgm:styleLbl name="sibTrans1D1">
+    <dgm:scene3d>
+      <a:camera prst="orthographicFront"/>
+      <a:lightRig rig="flat" dir="t"/>
+    </dgm:scene3d>
+    <dgm:sp3d z="-40000" prstMaterial="matte"/>
+    <dgm:txPr/>
+    <dgm:style>
+      <a:lnRef idx="1">
+        <a:scrgbClr r="0" g="0" b="0"/>
+      </a:lnRef>
+      <a:fillRef idx="0">
+        <a:scrgbClr r="0" g="0" b="0"/>
+      </a:fillRef>
+      <a:effectRef idx="0">
+        <a:scrgbClr r="0" g="0" b="0"/>
+      </a:effectRef>
+      <a:fontRef idx="minor"/>
+    </dgm:style>
+  </dgm:styleLbl>
+  <dgm:styleLbl name="callout">
+    <dgm:scene3d>
+      <a:camera prst="orthographicFront"/>
+      <a:lightRig rig="threePt" dir="t"/>
+    </dgm:scene3d>
+    <dgm:sp3d z="127000" prstMaterial="matte"/>
+    <dgm:txPr/>
+    <dgm:style>
+      <a:lnRef idx="2">
+        <a:scrgbClr r="0" g="0" b="0"/>
+      </a:lnRef>
+      <a:fillRef idx="1">
+        <a:scrgbClr r="0" g="0" b="0"/>
+      </a:fillRef>
+      <a:effectRef idx="0">
+        <a:scrgbClr r="0" g="0" b="0"/>
+      </a:effectRef>
+      <a:fontRef idx="minor"/>
+    </dgm:style>
+  </dgm:styleLbl>
+  <dgm:styleLbl name="asst0">
+    <dgm:scene3d>
+      <a:camera prst="orthographicFront"/>
+      <a:lightRig rig="flat" dir="t"/>
+    </dgm:scene3d>
+    <dgm:sp3d prstMaterial="plastic">
+      <a:bevelT w="120900" h="88900"/>
+      <a:bevelB w="88900" h="31750" prst="angle"/>
+    </dgm:sp3d>
+    <dgm:txPr/>
+    <dgm:style>
+      <a:lnRef idx="0">
+        <a:scrgbClr r="0" g="0" b="0"/>
+      </a:lnRef>
+      <a:fillRef idx="3">
+        <a:scrgbClr r="0" g="0" b="0"/>
+      </a:fillRef>
+      <a:effectRef idx="1">
+        <a:scrgbClr r="0" g="0" b="0"/>
+      </a:effectRef>
+      <a:fontRef idx="minor">
+        <a:schemeClr val="lt1"/>
+      </a:fontRef>
+    </dgm:style>
+  </dgm:styleLbl>
+  <dgm:styleLbl name="asst1">
+    <dgm:scene3d>
+      <a:camera prst="orthographicFront"/>
+      <a:lightRig rig="flat" dir="t"/>
+    </dgm:scene3d>
+    <dgm:sp3d prstMaterial="plastic">
+      <a:bevelT w="120900" h="88900"/>
+      <a:bevelB w="88900" h="31750" prst="angle"/>
+    </dgm:sp3d>
+    <dgm:txPr/>
+    <dgm:style>
+      <a:lnRef idx="0">
+        <a:scrgbClr r="0" g="0" b="0"/>
+      </a:lnRef>
+      <a:fillRef idx="3">
+        <a:scrgbClr r="0" g="0" b="0"/>
+      </a:fillRef>
+      <a:effectRef idx="1">
+        <a:scrgbClr r="0" g="0" b="0"/>
+      </a:effectRef>
+      <a:fontRef idx="minor">
+        <a:schemeClr val="lt1"/>
+      </a:fontRef>
+    </dgm:style>
+  </dgm:styleLbl>
+  <dgm:styleLbl name="asst2">
+    <dgm:scene3d>
+      <a:camera prst="orthographicFront"/>
+      <a:lightRig rig="flat" dir="t"/>
+    </dgm:scene3d>
+    <dgm:sp3d prstMaterial="plastic">
+      <a:bevelT w="120900" h="88900"/>
+      <a:bevelB w="88900" h="31750" prst="angle"/>
+    </dgm:sp3d>
+    <dgm:txPr/>
+    <dgm:style>
+      <a:lnRef idx="0">
+        <a:scrgbClr r="0" g="0" b="0"/>
+      </a:lnRef>
+      <a:fillRef idx="3">
+        <a:scrgbClr r="0" g="0" b="0"/>
+      </a:fillRef>
+      <a:effectRef idx="1">
+        <a:scrgbClr r="0" g="0" b="0"/>
+      </a:effectRef>
+      <a:fontRef idx="minor">
+        <a:schemeClr val="lt1"/>
+      </a:fontRef>
+    </dgm:style>
+  </dgm:styleLbl>
+  <dgm:styleLbl name="asst3">
+    <dgm:scene3d>
+      <a:camera prst="orthographicFront"/>
+      <a:lightRig rig="flat" dir="t"/>
+    </dgm:scene3d>
+    <dgm:sp3d prstMaterial="plastic">
+      <a:bevelT w="120900" h="88900"/>
+      <a:bevelB w="88900" h="31750" prst="angle"/>
+    </dgm:sp3d>
+    <dgm:txPr/>
+    <dgm:style>
+      <a:lnRef idx="0">
+        <a:scrgbClr r="0" g="0" b="0"/>
+      </a:lnRef>
+      <a:fillRef idx="3">
+        <a:scrgbClr r="0" g="0" b="0"/>
+      </a:fillRef>
+      <a:effectRef idx="1">
+        <a:scrgbClr r="0" g="0" b="0"/>
+      </a:effectRef>
+      <a:fontRef idx="minor">
+        <a:schemeClr val="lt1"/>
+      </a:fontRef>
+    </dgm:style>
+  </dgm:styleLbl>
+  <dgm:styleLbl name="parChTrans2D1">
+    <dgm:scene3d>
+      <a:camera prst="orthographicFront"/>
+      <a:lightRig rig="flat" dir="t"/>
+    </dgm:scene3d>
+    <dgm:sp3d z="-100000" prstMaterial="plastic">
+      <a:bevelT w="120900" h="88900"/>
+      <a:bevelB w="88900" h="31750" prst="angle"/>
+    </dgm:sp3d>
+    <dgm:txPr/>
+    <dgm:style>
+      <a:lnRef idx="0">
+        <a:scrgbClr r="0" g="0" b="0"/>
+      </a:lnRef>
+      <a:fillRef idx="3">
+        <a:scrgbClr r="0" g="0" b="0"/>
+      </a:fillRef>
+      <a:effectRef idx="1">
+        <a:scrgbClr r="0" g="0" b="0"/>
+      </a:effectRef>
+      <a:fontRef idx="minor">
+        <a:schemeClr val="lt1"/>
+      </a:fontRef>
+    </dgm:style>
+  </dgm:styleLbl>
+  <dgm:styleLbl name="parChTrans2D2">
+    <dgm:scene3d>
+      <a:camera prst="orthographicFront"/>
+      <a:lightRig rig="flat" dir="t"/>
+    </dgm:scene3d>
+    <dgm:sp3d z="-60000" prstMaterial="plastic">
+      <a:bevelT w="120900" h="88900"/>
+      <a:bevelB w="88900" h="31750" prst="angle"/>
+    </dgm:sp3d>
+    <dgm:txPr/>
+    <dgm:style>
+      <a:lnRef idx="0">
+        <a:scrgbClr r="0" g="0" b="0"/>
+      </a:lnRef>
+      <a:fillRef idx="3">
+        <a:scrgbClr r="0" g="0" b="0"/>
+      </a:fillRef>
+      <a:effectRef idx="1">
+        <a:scrgbClr r="0" g="0" b="0"/>
+      </a:effectRef>
+      <a:fontRef idx="minor">
+        <a:schemeClr val="lt1"/>
+      </a:fontRef>
+    </dgm:style>
+  </dgm:styleLbl>
+  <dgm:styleLbl name="parChTrans2D3">
+    <dgm:scene3d>
+      <a:camera prst="orthographicFront"/>
+      <a:lightRig rig="flat" dir="t"/>
+    </dgm:scene3d>
+    <dgm:sp3d z="-60000" prstMaterial="plastic">
+      <a:bevelT w="120900" h="88900"/>
+      <a:bevelB w="88900" h="31750" prst="angle"/>
+    </dgm:sp3d>
+    <dgm:txPr/>
+    <dgm:style>
+      <a:lnRef idx="0">
+        <a:scrgbClr r="0" g="0" b="0"/>
+      </a:lnRef>
+      <a:fillRef idx="3">
+        <a:scrgbClr r="0" g="0" b="0"/>
+      </a:fillRef>
+      <a:effectRef idx="1">
+        <a:scrgbClr r="0" g="0" b="0"/>
+      </a:effectRef>
+      <a:fontRef idx="minor">
+        <a:schemeClr val="lt1"/>
+      </a:fontRef>
+    </dgm:style>
+  </dgm:styleLbl>
+  <dgm:styleLbl name="parChTrans2D4">
+    <dgm:scene3d>
+      <a:camera prst="orthographicFront"/>
+      <a:lightRig rig="flat" dir="t"/>
+    </dgm:scene3d>
+    <dgm:sp3d z="-60000" prstMaterial="plastic">
+      <a:bevelT w="120900" h="88900"/>
+      <a:bevelB w="88900" h="31750" prst="angle"/>
+    </dgm:sp3d>
+    <dgm:txPr/>
+    <dgm:style>
+      <a:lnRef idx="0">
+        <a:scrgbClr r="0" g="0" b="0"/>
+      </a:lnRef>
+      <a:fillRef idx="3">
+        <a:scrgbClr r="0" g="0" b="0"/>
+      </a:fillRef>
+      <a:effectRef idx="1">
+        <a:scrgbClr r="0" g="0" b="0"/>
+      </a:effectRef>
+      <a:fontRef idx="minor">
+        <a:schemeClr val="lt1"/>
+      </a:fontRef>
+    </dgm:style>
+  </dgm:styleLbl>
+  <dgm:styleLbl name="parChTrans1D1">
+    <dgm:scene3d>
+      <a:camera prst="orthographicFront"/>
+      <a:lightRig rig="flat" dir="t"/>
+    </dgm:scene3d>
+    <dgm:sp3d prstMaterial="matte"/>
+    <dgm:txPr/>
+    <dgm:style>
+      <a:lnRef idx="2">
+        <a:scrgbClr r="0" g="0" b="0"/>
+      </a:lnRef>
+      <a:fillRef idx="0">
+        <a:scrgbClr r="0" g="0" b="0"/>
+      </a:fillRef>
+      <a:effectRef idx="0">
+        <a:scrgbClr r="0" g="0" b="0"/>
+      </a:effectRef>
+      <a:fontRef idx="minor"/>
+    </dgm:style>
+  </dgm:styleLbl>
+  <dgm:styleLbl name="parChTrans1D2">
+    <dgm:scene3d>
+      <a:camera prst="orthographicFront"/>
+      <a:lightRig rig="flat" dir="t"/>
+    </dgm:scene3d>
+    <dgm:sp3d prstMaterial="matte"/>
+    <dgm:txPr/>
+    <dgm:style>
+      <a:lnRef idx="2">
+        <a:scrgbClr r="0" g="0" b="0"/>
+      </a:lnRef>
+      <a:fillRef idx="0">
+        <a:scrgbClr r="0" g="0" b="0"/>
+      </a:fillRef>
+      <a:effectRef idx="0">
+        <a:scrgbClr r="0" g="0" b="0"/>
+      </a:effectRef>
+      <a:fontRef idx="minor"/>
+    </dgm:style>
+  </dgm:styleLbl>
+  <dgm:styleLbl name="parChTrans1D3">
+    <dgm:scene3d>
+      <a:camera prst="orthographicFront"/>
+      <a:lightRig rig="flat" dir="t"/>
+    </dgm:scene3d>
+    <dgm:sp3d prstMaterial="matte"/>
+    <dgm:txPr/>
+    <dgm:style>
+      <a:lnRef idx="2">
+        <a:scrgbClr r="0" g="0" b="0"/>
+      </a:lnRef>
+      <a:fillRef idx="0">
+        <a:scrgbClr r="0" g="0" b="0"/>
+      </a:fillRef>
+      <a:effectRef idx="0">
+        <a:scrgbClr r="0" g="0" b="0"/>
+      </a:effectRef>
+      <a:fontRef idx="minor"/>
+    </dgm:style>
+  </dgm:styleLbl>
+  <dgm:styleLbl name="parChTrans1D4">
+    <dgm:scene3d>
+      <a:camera prst="orthographicFront"/>
+      <a:lightRig rig="flat" dir="t"/>
+    </dgm:scene3d>
+    <dgm:sp3d prstMaterial="matte"/>
+    <dgm:txPr/>
+    <dgm:style>
+      <a:lnRef idx="2">
+        <a:scrgbClr r="0" g="0" b="0"/>
+      </a:lnRef>
+      <a:fillRef idx="0">
+        <a:scrgbClr r="0" g="0" b="0"/>
+      </a:fillRef>
+      <a:effectRef idx="0">
+        <a:scrgbClr r="0" g="0" b="0"/>
+      </a:effectRef>
+      <a:fontRef idx="minor"/>
+    </dgm:style>
+  </dgm:styleLbl>
+  <dgm:styleLbl name="fgAcc1">
+    <dgm:scene3d>
+      <a:camera prst="orthographicFront"/>
+      <a:lightRig rig="flat" dir="t"/>
+    </dgm:scene3d>
+    <dgm:sp3d z="190500" extrusionH="12700" prstMaterial="plastic">
+      <a:bevelT w="50800" h="50800"/>
+    </dgm:sp3d>
+    <dgm:txPr/>
+    <dgm:style>
+      <a:lnRef idx="1">
+        <a:scrgbClr r="0" g="0" b="0"/>
+      </a:lnRef>
+      <a:fillRef idx="1">
+        <a:scrgbClr r="0" g="0" b="0"/>
+      </a:fillRef>
+      <a:effectRef idx="2">
+        <a:scrgbClr r="0" g="0" b="0"/>
+      </a:effectRef>
+      <a:fontRef idx="minor"/>
+    </dgm:style>
+  </dgm:styleLbl>
+  <dgm:styleLbl name="conFgAcc1">
+    <dgm:scene3d>
+      <a:camera prst="orthographicFront"/>
+      <a:lightRig rig="flat" dir="t"/>
+    </dgm:scene3d>
+    <dgm:sp3d z="190500" extrusionH="12700" prstMaterial="plastic">
+      <a:bevelT w="50800" h="50800"/>
+    </dgm:sp3d>
+    <dgm:txPr/>
+    <dgm:style>
+      <a:lnRef idx="1">
+        <a:scrgbClr r="0" g="0" b="0"/>
+      </a:lnRef>
+      <a:fillRef idx="1">
+        <a:scrgbClr r="0" g="0" b="0"/>
+      </a:fillRef>
+      <a:effectRef idx="2">
+        <a:scrgbClr r="0" g="0" b="0"/>
+      </a:effectRef>
+      <a:fontRef idx="minor"/>
+    </dgm:style>
+  </dgm:styleLbl>
+  <dgm:styleLbl name="alignAcc1">
+    <dgm:scene3d>
+      <a:camera prst="orthographicFront"/>
+      <a:lightRig rig="flat" dir="t"/>
+    </dgm:scene3d>
+    <dgm:sp3d extrusionH="12700" prstMaterial="plastic">
+      <a:bevelT w="50800" h="50800"/>
+    </dgm:sp3d>
+    <dgm:txPr/>
+    <dgm:style>
+      <a:lnRef idx="1">
+        <a:scrgbClr r="0" g="0" b="0"/>
+      </a:lnRef>
+      <a:fillRef idx="1">
+        <a:scrgbClr r="0" g="0" b="0"/>
+      </a:fillRef>
+      <a:effectRef idx="2">
+        <a:scrgbClr r="0" g="0" b="0"/>
+      </a:effectRef>
+      <a:fontRef idx="minor"/>
+    </dgm:style>
+  </dgm:styleLbl>
+  <dgm:styleLbl name="trAlignAcc1">
+    <dgm:scene3d>
+      <a:camera prst="orthographicFront"/>
+      <a:lightRig rig="flat" dir="t"/>
+    </dgm:scene3d>
+    <dgm:sp3d extrusionH="12700" prstMaterial="plastic">
+      <a:bevelT w="50800" h="50800"/>
+    </dgm:sp3d>
+    <dgm:txPr/>
+    <dgm:style>
+      <a:lnRef idx="1">
+        <a:scrgbClr r="0" g="0" b="0"/>
+      </a:lnRef>
+      <a:fillRef idx="1">
+        <a:scrgbClr r="0" g="0" b="0"/>
+      </a:fillRef>
+      <a:effectRef idx="2">
+        <a:scrgbClr r="0" g="0" b="0"/>
+      </a:effectRef>
+      <a:fontRef idx="minor"/>
+    </dgm:style>
+  </dgm:styleLbl>
+  <dgm:styleLbl name="bgAcc1">
+    <dgm:scene3d>
+      <a:camera prst="orthographicFront"/>
+      <a:lightRig rig="flat" dir="t"/>
+    </dgm:scene3d>
+    <dgm:sp3d z="-190500" extrusionH="12700" prstMaterial="plastic">
+      <a:bevelT w="50800" h="50800"/>
+    </dgm:sp3d>
+    <dgm:txPr/>
+    <dgm:style>
+      <a:lnRef idx="1">
+        <a:scrgbClr r="0" g="0" b="0"/>
+      </a:lnRef>
+      <a:fillRef idx="1">
+        <a:scrgbClr r="0" g="0" b="0"/>
+      </a:fillRef>
+      <a:effectRef idx="2">
+        <a:scrgbClr r="0" g="0" b="0"/>
+      </a:effectRef>
+      <a:fontRef idx="minor"/>
+    </dgm:style>
+  </dgm:styleLbl>
+  <dgm:styleLbl name="solidFgAcc1">
+    <dgm:scene3d>
+      <a:camera prst="orthographicFront"/>
+      <a:lightRig rig="flat" dir="t"/>
+    </dgm:scene3d>
+    <dgm:sp3d z="190500" extrusionH="12700" prstMaterial="plastic">
+      <a:bevelT w="50800" h="50800"/>
+    </dgm:sp3d>
+    <dgm:txPr/>
+    <dgm:style>
+      <a:lnRef idx="1">
+        <a:scrgbClr r="0" g="0" b="0"/>
+      </a:lnRef>
+      <a:fillRef idx="1">
+        <a:scrgbClr r="0" g="0" b="0"/>
+      </a:fillRef>
+      <a:effectRef idx="2">
+        <a:scrgbClr r="0" g="0" b="0"/>
+      </a:effectRef>
+      <a:fontRef idx="minor"/>
+    </dgm:style>
+  </dgm:styleLbl>
+  <dgm:styleLbl name="solidAlignAcc1">
+    <dgm:scene3d>
+      <a:camera prst="orthographicFront"/>
+      <a:lightRig rig="flat" dir="t"/>
+    </dgm:scene3d>
+    <dgm:sp3d extrusionH="12700" prstMaterial="plastic">
+      <a:bevelT w="50800" h="50800"/>
+    </dgm:sp3d>
+    <dgm:txPr/>
+    <dgm:style>
+      <a:lnRef idx="1">
+        <a:scrgbClr r="0" g="0" b="0"/>
+      </a:lnRef>
+      <a:fillRef idx="1">
+        <a:scrgbClr r="0" g="0" b="0"/>
+      </a:fillRef>
+      <a:effectRef idx="2">
+        <a:scrgbClr r="0" g="0" b="0"/>
+      </a:effectRef>
+      <a:fontRef idx="minor"/>
+    </dgm:style>
+  </dgm:styleLbl>
+  <dgm:styleLbl name="solidBgAcc1">
+    <dgm:scene3d>
+      <a:camera prst="orthographicFront"/>
+      <a:lightRig rig="flat" dir="t"/>
+    </dgm:scene3d>
+    <dgm:sp3d z="-190500" extrusionH="12700" prstMaterial="plastic">
+      <a:bevelT w="50800" h="50800"/>
+    </dgm:sp3d>
+    <dgm:txPr/>
+    <dgm:style>
+      <a:lnRef idx="1">
+        <a:scrgbClr r="0" g="0" b="0"/>
+      </a:lnRef>
+      <a:fillRef idx="1">
+        <a:scrgbClr r="0" g="0" b="0"/>
+      </a:fillRef>
+      <a:effectRef idx="2">
+        <a:scrgbClr r="0" g="0" b="0"/>
+      </a:effectRef>
+      <a:fontRef idx="minor"/>
+    </dgm:style>
+  </dgm:styleLbl>
+  <dgm:styleLbl name="fgAccFollowNode1">
+    <dgm:scene3d>
+      <a:camera prst="orthographicFront"/>
+      <a:lightRig rig="flat" dir="t"/>
+    </dgm:scene3d>
+    <dgm:sp3d z="190500" extrusionH="12700" prstMaterial="plastic">
+      <a:bevelT w="50800" h="50800"/>
+    </dgm:sp3d>
+    <dgm:txPr/>
+    <dgm:style>
+      <a:lnRef idx="1">
+        <a:scrgbClr r="0" g="0" b="0"/>
+      </a:lnRef>
+      <a:fillRef idx="1">
+        <a:scrgbClr r="0" g="0" b="0"/>
+      </a:fillRef>
+      <a:effectRef idx="2">
+        <a:scrgbClr r="0" g="0" b="0"/>
+      </a:effectRef>
+      <a:fontRef idx="minor"/>
+    </dgm:style>
+  </dgm:styleLbl>
+  <dgm:styleLbl name="alignAccFollowNode1">
+    <dgm:scene3d>
+      <a:camera prst="orthographicFront"/>
+      <a:lightRig rig="flat" dir="t"/>
+    </dgm:scene3d>
+    <dgm:sp3d extrusionH="12700" prstMaterial="plastic">
+      <a:bevelT w="50800" h="50800"/>
+    </dgm:sp3d>
+    <dgm:txPr/>
+    <dgm:style>
+      <a:lnRef idx="1">
+        <a:scrgbClr r="0" g="0" b="0"/>
+      </a:lnRef>
+      <a:fillRef idx="1">
+        <a:scrgbClr r="0" g="0" b="0"/>
+      </a:fillRef>
+      <a:effectRef idx="2">
+        <a:scrgbClr r="0" g="0" b="0"/>
+      </a:effectRef>
+      <a:fontRef idx="minor"/>
+    </dgm:style>
+  </dgm:styleLbl>
+  <dgm:styleLbl name="bgAccFollowNode1">
+    <dgm:scene3d>
+      <a:camera prst="orthographicFront"/>
+      <a:lightRig rig="flat" dir="t"/>
+    </dgm:scene3d>
+    <dgm:sp3d z="-190500" extrusionH="12700" prstMaterial="plastic">
+      <a:bevelT w="50800" h="50800"/>
+    </dgm:sp3d>
+    <dgm:txPr/>
+    <dgm:style>
+      <a:lnRef idx="1">
+        <a:scrgbClr r="0" g="0" b="0"/>
+      </a:lnRef>
+      <a:fillRef idx="1">
+        <a:scrgbClr r="0" g="0" b="0"/>
+      </a:fillRef>
+      <a:effectRef idx="2">
+        <a:scrgbClr r="0" g="0" b="0"/>
+      </a:effectRef>
+      <a:fontRef idx="minor"/>
+    </dgm:style>
+  </dgm:styleLbl>
+  <dgm:styleLbl name="fgAcc0">
+    <dgm:scene3d>
+      <a:camera prst="orthographicFront"/>
+      <a:lightRig rig="flat" dir="t"/>
+    </dgm:scene3d>
+    <dgm:sp3d z="190500" extrusionH="12700" prstMaterial="plastic">
+      <a:bevelT w="50800" h="50800"/>
+    </dgm:sp3d>
+    <dgm:txPr/>
+    <dgm:style>
+      <a:lnRef idx="1">
+        <a:scrgbClr r="0" g="0" b="0"/>
+      </a:lnRef>
+      <a:fillRef idx="1">
+        <a:scrgbClr r="0" g="0" b="0"/>
+      </a:fillRef>
+      <a:effectRef idx="2">
+        <a:scrgbClr r="0" g="0" b="0"/>
+      </a:effectRef>
+      <a:fontRef idx="minor"/>
+    </dgm:style>
+  </dgm:styleLbl>
+  <dgm:styleLbl name="fgAcc2">
+    <dgm:scene3d>
+      <a:camera prst="orthographicFront"/>
+      <a:lightRig rig="flat" dir="t"/>
+    </dgm:scene3d>
+    <dgm:sp3d z="190500" extrusionH="12700" prstMaterial="plastic">
+      <a:bevelT w="50800" h="50800"/>
+    </dgm:sp3d>
+    <dgm:txPr/>
+    <dgm:style>
+      <a:lnRef idx="1">
+        <a:scrgbClr r="0" g="0" b="0"/>
+      </a:lnRef>
+      <a:fillRef idx="1">
+        <a:scrgbClr r="0" g="0" b="0"/>
+      </a:fillRef>
+      <a:effectRef idx="2">
+        <a:scrgbClr r="0" g="0" b="0"/>
+      </a:effectRef>
+      <a:fontRef idx="minor"/>
+    </dgm:style>
+  </dgm:styleLbl>
+  <dgm:styleLbl name="fgAcc3">
+    <dgm:scene3d>
+      <a:camera prst="orthographicFront"/>
+      <a:lightRig rig="flat" dir="t"/>
+    </dgm:scene3d>
+    <dgm:sp3d z="190500" extrusionH="12700" prstMaterial="plastic">
+      <a:bevelT w="50800" h="50800"/>
+    </dgm:sp3d>
+    <dgm:txPr/>
+    <dgm:style>
+      <a:lnRef idx="1">
+        <a:scrgbClr r="0" g="0" b="0"/>
+      </a:lnRef>
+      <a:fillRef idx="1">
+        <a:scrgbClr r="0" g="0" b="0"/>
+      </a:fillRef>
+      <a:effectRef idx="2">
+        <a:scrgbClr r="0" g="0" b="0"/>
+      </a:effectRef>
+      <a:fontRef idx="minor"/>
+    </dgm:style>
+  </dgm:styleLbl>
+  <dgm:styleLbl name="fgAcc4">
+    <dgm:scene3d>
+      <a:camera prst="orthographicFront"/>
+      <a:lightRig rig="flat" dir="t"/>
+    </dgm:scene3d>
+    <dgm:sp3d z="190500" extrusionH="12700" prstMaterial="plastic">
+      <a:bevelT w="50800" h="50800"/>
+    </dgm:sp3d>
+    <dgm:txPr/>
+    <dgm:style>
+      <a:lnRef idx="1">
+        <a:scrgbClr r="0" g="0" b="0"/>
+      </a:lnRef>
+      <a:fillRef idx="1">
+        <a:scrgbClr r="0" g="0" b="0"/>
+      </a:fillRef>
+      <a:effectRef idx="2">
+        <a:scrgbClr r="0" g="0" b="0"/>
+      </a:effectRef>
+      <a:fontRef idx="minor"/>
+    </dgm:style>
+  </dgm:styleLbl>
+  <dgm:styleLbl name="bgShp">
+    <dgm:scene3d>
+      <a:camera prst="orthographicFront"/>
+      <a:lightRig rig="flat" dir="t"/>
+    </dgm:scene3d>
+    <dgm:sp3d z="-190500" extrusionH="12700" prstMaterial="plastic">
+      <a:bevelT w="50800" h="50800"/>
+    </dgm:sp3d>
+    <dgm:txPr/>
+    <dgm:style>
+      <a:lnRef idx="0">
+        <a:scrgbClr r="0" g="0" b="0"/>
+      </a:lnRef>
+      <a:fillRef idx="3">
+        <a:scrgbClr r="0" g="0" b="0"/>
+      </a:fillRef>
+      <a:effectRef idx="0">
+        <a:scrgbClr r="0" g="0" b="0"/>
+      </a:effectRef>
+      <a:fontRef idx="minor"/>
+    </dgm:style>
+  </dgm:styleLbl>
+  <dgm:styleLbl name="dkBgShp">
+    <dgm:scene3d>
+      <a:camera prst="orthographicFront"/>
+      <a:lightRig rig="flat" dir="t"/>
+    </dgm:scene3d>
+    <dgm:sp3d z="-190500" extrusionH="12700" prstMaterial="plastic">
+      <a:bevelT w="50800" h="50800"/>
+    </dgm:sp3d>
+    <dgm:txPr/>
+    <dgm:style>
+      <a:lnRef idx="0">
+        <a:scrgbClr r="0" g="0" b="0"/>
+      </a:lnRef>
+      <a:fillRef idx="2">
+        <a:scrgbClr r="0" g="0" b="0"/>
+      </a:fillRef>
+      <a:effectRef idx="0">
+        <a:scrgbClr r="0" g="0" b="0"/>
+      </a:effectRef>
+      <a:fontRef idx="minor"/>
+    </dgm:style>
+  </dgm:styleLbl>
+  <dgm:styleLbl name="trBgShp">
+    <dgm:scene3d>
+      <a:camera prst="orthographicFront"/>
+      <a:lightRig rig="flat" dir="t"/>
+    </dgm:scene3d>
+    <dgm:sp3d z="-190500" extrusionH="12700" prstMaterial="matte"/>
+    <dgm:txPr/>
+    <dgm:style>
+      <a:lnRef idx="0">
+        <a:scrgbClr r="0" g="0" b="0"/>
+      </a:lnRef>
+      <a:fillRef idx="1">
+        <a:scrgbClr r="0" g="0" b="0"/>
+      </a:fillRef>
+      <a:effectRef idx="0">
+        <a:scrgbClr r="0" g="0" b="0"/>
+      </a:effectRef>
+      <a:fontRef idx="minor"/>
+    </dgm:style>
+  </dgm:styleLbl>
+  <dgm:styleLbl name="fgShp">
+    <dgm:scene3d>
+      <a:camera prst="orthographicFront"/>
+      <a:lightRig rig="flat" dir="t"/>
+    </dgm:scene3d>
+    <dgm:sp3d z="190500" prstMaterial="plastic">
+      <a:bevelT w="120900" h="88900"/>
+      <a:bevelB w="88900" h="31750" prst="angle"/>
+    </dgm:sp3d>
+    <dgm:txPr/>
+    <dgm:style>
+      <a:lnRef idx="0">
+        <a:scrgbClr r="0" g="0" b="0"/>
+      </a:lnRef>
+      <a:fillRef idx="1">
+        <a:scrgbClr r="0" g="0" b="0"/>
+      </a:fillRef>
+      <a:effectRef idx="3">
+        <a:scrgbClr r="0" g="0" b="0"/>
+      </a:effectRef>
+      <a:fontRef idx="minor">
+        <a:schemeClr val="lt1"/>
+      </a:fontRef>
+    </dgm:style>
+  </dgm:styleLbl>
+  <dgm:styleLbl name="revTx">
+    <dgm:scene3d>
+      <a:camera prst="orthographicFront"/>
+      <a:lightRig rig="threePt" dir="t"/>
+    </dgm:scene3d>
+    <dgm:sp3d/>
+    <dgm:txPr/>
+    <dgm:style>
+      <a:lnRef idx="0">
+        <a:scrgbClr r="0" g="0" b="0"/>
+      </a:lnRef>
+      <a:fillRef idx="0">
+        <a:scrgbClr r="0" g="0" b="0"/>
+      </a:fillRef>
+      <a:effectRef idx="0">
+        <a:scrgbClr r="0" g="0" b="0"/>
+      </a:effectRef>
+      <a:fontRef idx="minor"/>
+    </dgm:style>
+  </dgm:styleLbl>
+</dgm:styleDef>
+</file>
+
+<file path=ppt/diagrams/quickStyle2.xml><?xml version="1.0" encoding="utf-8"?>
+<dgm:styleDef xmlns:dgm="http://schemas.openxmlformats.org/drawingml/2006/diagram" xmlns:a="http://schemas.openxmlformats.org/drawingml/2006/main" uniqueId="urn:microsoft.com/office/officeart/2005/8/quickstyle/3d1">
+  <dgm:title val=""/>
+  <dgm:desc val=""/>
+  <dgm:catLst>
+    <dgm:cat type="3D" pri="11100"/>
+  </dgm:catLst>
+  <dgm:scene3d>
+    <a:camera prst="orthographicFront"/>
+    <a:lightRig rig="threePt" dir="t"/>
+  </dgm:scene3d>
+  <dgm:styleLbl name="node0">
+    <dgm:scene3d>
+      <a:camera prst="orthographicFront"/>
+      <a:lightRig rig="flat" dir="t"/>
+    </dgm:scene3d>
+    <dgm:sp3d prstMaterial="plastic">
+      <a:bevelT w="120900" h="88900"/>
+      <a:bevelB w="88900" h="31750" prst="angle"/>
+    </dgm:sp3d>
+    <dgm:txPr/>
+    <dgm:style>
+      <a:lnRef idx="0">
+        <a:scrgbClr r="0" g="0" b="0"/>
+      </a:lnRef>
+      <a:fillRef idx="3">
+        <a:scrgbClr r="0" g="0" b="0"/>
+      </a:fillRef>
+      <a:effectRef idx="2">
+        <a:scrgbClr r="0" g="0" b="0"/>
+      </a:effectRef>
+      <a:fontRef idx="minor">
+        <a:schemeClr val="lt1"/>
+      </a:fontRef>
+    </dgm:style>
+  </dgm:styleLbl>
+  <dgm:styleLbl name="lnNode1">
+    <dgm:scene3d>
+      <a:camera prst="orthographicFront"/>
+      <a:lightRig rig="flat" dir="t"/>
+    </dgm:scene3d>
+    <dgm:sp3d prstMaterial="plastic">
+      <a:bevelT w="120900" h="88900"/>
+      <a:bevelB w="88900" h="31750" prst="angle"/>
+    </dgm:sp3d>
+    <dgm:txPr/>
+    <dgm:style>
+      <a:lnRef idx="0">
+        <a:scrgbClr r="0" g="0" b="0"/>
+      </a:lnRef>
+      <a:fillRef idx="3">
+        <a:scrgbClr r="0" g="0" b="0"/>
+      </a:fillRef>
+      <a:effectRef idx="1">
+        <a:scrgbClr r="0" g="0" b="0"/>
+      </a:effectRef>
+      <a:fontRef idx="minor">
+        <a:schemeClr val="lt1"/>
+      </a:fontRef>
+    </dgm:style>
+  </dgm:styleLbl>
+  <dgm:styleLbl name="vennNode1">
+    <dgm:scene3d>
+      <a:camera prst="orthographicFront"/>
+      <a:lightRig rig="flat" dir="t"/>
+    </dgm:scene3d>
+    <dgm:sp3d prstMaterial="plastic">
+      <a:bevelT w="120900" h="88900"/>
+      <a:bevelB w="88900" h="31750" prst="angle"/>
+    </dgm:sp3d>
+    <dgm:txPr/>
+    <dgm:style>
+      <a:lnRef idx="0">
+        <a:scrgbClr r="0" g="0" b="0"/>
+      </a:lnRef>
+      <a:fillRef idx="1">
+        <a:scrgbClr r="0" g="0" b="0"/>
+      </a:fillRef>
+      <a:effectRef idx="1">
+        <a:scrgbClr r="0" g="0" b="0"/>
+      </a:effectRef>
+      <a:fontRef idx="minor">
+        <a:schemeClr val="tx1"/>
+      </a:fontRef>
+    </dgm:style>
+  </dgm:styleLbl>
+  <dgm:styleLbl name="alignNode1">
+    <dgm:scene3d>
+      <a:camera prst="orthographicFront"/>
+      <a:lightRig rig="flat" dir="t"/>
+    </dgm:scene3d>
+    <dgm:sp3d prstMaterial="plastic">
+      <a:bevelT w="120900" h="88900"/>
+      <a:bevelB w="88900" h="31750" prst="angle"/>
+    </dgm:sp3d>
+    <dgm:txPr/>
+    <dgm:style>
+      <a:lnRef idx="1">
+        <a:scrgbClr r="0" g="0" b="0"/>
+      </a:lnRef>
+      <a:fillRef idx="3">
+        <a:scrgbClr r="0" g="0" b="0"/>
+      </a:fillRef>
+      <a:effectRef idx="2">
+        <a:scrgbClr r="0" g="0" b="0"/>
+      </a:effectRef>
+      <a:fontRef idx="minor">
+        <a:schemeClr val="lt1"/>
+      </a:fontRef>
+    </dgm:style>
+  </dgm:styleLbl>
+  <dgm:styleLbl name="node1">
+    <dgm:scene3d>
+      <a:camera prst="orthographicFront"/>
+      <a:lightRig rig="flat" dir="t"/>
+    </dgm:scene3d>
+    <dgm:sp3d prstMaterial="plastic">
+      <a:bevelT w="120900" h="88900"/>
+      <a:bevelB w="88900" h="31750" prst="angle"/>
+    </dgm:sp3d>
+    <dgm:txPr/>
+    <dgm:style>
+      <a:lnRef idx="0">
+        <a:scrgbClr r="0" g="0" b="0"/>
+      </a:lnRef>
+      <a:fillRef idx="3">
+        <a:scrgbClr r="0" g="0" b="0"/>
+      </a:fillRef>
+      <a:effectRef idx="2">
+        <a:scrgbClr r="0" g="0" b="0"/>
+      </a:effectRef>
+      <a:fontRef idx="minor">
+        <a:schemeClr val="lt1"/>
+      </a:fontRef>
+    </dgm:style>
+  </dgm:styleLbl>
+  <dgm:styleLbl name="node2">
+    <dgm:scene3d>
+      <a:camera prst="orthographicFront"/>
+      <a:lightRig rig="flat" dir="t"/>
+    </dgm:scene3d>
+    <dgm:sp3d prstMaterial="plastic">
+      <a:bevelT w="120900" h="88900"/>
+      <a:bevelB w="88900" h="31750" prst="angle"/>
+    </dgm:sp3d>
+    <dgm:txPr/>
+    <dgm:style>
+      <a:lnRef idx="0">
+        <a:scrgbClr r="0" g="0" b="0"/>
+      </a:lnRef>
+      <a:fillRef idx="3">
+        <a:scrgbClr r="0" g="0" b="0"/>
+      </a:fillRef>
+      <a:effectRef idx="1">
+        <a:scrgbClr r="0" g="0" b="0"/>
+      </a:effectRef>
+      <a:fontRef idx="minor">
+        <a:schemeClr val="lt1"/>
+      </a:fontRef>
+    </dgm:style>
+  </dgm:styleLbl>
+  <dgm:styleLbl name="node3">
+    <dgm:scene3d>
+      <a:camera prst="orthographicFront"/>
+      <a:lightRig rig="flat" dir="t"/>
+    </dgm:scene3d>
+    <dgm:sp3d prstMaterial="plastic">
+      <a:bevelT w="120900" h="88900"/>
+      <a:bevelB w="88900" h="31750" prst="angle"/>
+    </dgm:sp3d>
+    <dgm:txPr/>
+    <dgm:style>
+      <a:lnRef idx="0">
+        <a:scrgbClr r="0" g="0" b="0"/>
+      </a:lnRef>
+      <a:fillRef idx="3">
+        <a:scrgbClr r="0" g="0" b="0"/>
+      </a:fillRef>
+      <a:effectRef idx="1">
+        <a:scrgbClr r="0" g="0" b="0"/>
+      </a:effectRef>
+      <a:fontRef idx="minor">
+        <a:schemeClr val="lt1"/>
+      </a:fontRef>
+    </dgm:style>
+  </dgm:styleLbl>
+  <dgm:styleLbl name="node4">
+    <dgm:scene3d>
+      <a:camera prst="orthographicFront"/>
+      <a:lightRig rig="flat" dir="t"/>
+    </dgm:scene3d>
+    <dgm:sp3d prstMaterial="plastic">
+      <a:bevelT w="120900" h="88900"/>
+      <a:bevelB w="88900" h="31750" prst="angle"/>
+    </dgm:sp3d>
+    <dgm:txPr/>
+    <dgm:style>
+      <a:lnRef idx="0">
+        <a:scrgbClr r="0" g="0" b="0"/>
+      </a:lnRef>
+      <a:fillRef idx="3">
+        <a:scrgbClr r="0" g="0" b="0"/>
+      </a:fillRef>
+      <a:effectRef idx="1">
+        <a:scrgbClr r="0" g="0" b="0"/>
+      </a:effectRef>
+      <a:fontRef idx="minor">
+        <a:schemeClr val="lt1"/>
+      </a:fontRef>
+    </dgm:style>
+  </dgm:styleLbl>
+  <dgm:styleLbl name="fgImgPlace1">
+    <dgm:scene3d>
+      <a:camera prst="orthographicFront"/>
+      <a:lightRig rig="flat" dir="t"/>
+    </dgm:scene3d>
+    <dgm:sp3d z="127000" prstMaterial="plastic">
+      <a:bevelT w="88900" h="88900"/>
+      <a:bevelB w="88900" h="31750" prst="angle"/>
+    </dgm:sp3d>
+    <dgm:txPr/>
+    <dgm:style>
+      <a:lnRef idx="0">
+        <a:scrgbClr r="0" g="0" b="0"/>
+      </a:lnRef>
+      <a:fillRef idx="3">
+        <a:scrgbClr r="0" g="0" b="0"/>
+      </a:fillRef>
+      <a:effectRef idx="2">
+        <a:scrgbClr r="0" g="0" b="0"/>
+      </a:effectRef>
+      <a:fontRef idx="minor"/>
+    </dgm:style>
+  </dgm:styleLbl>
+  <dgm:styleLbl name="alignImgPlace1">
+    <dgm:scene3d>
+      <a:camera prst="orthographicFront"/>
+      <a:lightRig rig="flat" dir="t"/>
+    </dgm:scene3d>
+    <dgm:sp3d prstMaterial="plastic">
+      <a:bevelT w="88900" h="88900"/>
+      <a:bevelB w="88900" h="31750" prst="angle"/>
+    </dgm:sp3d>
+    <dgm:txPr/>
+    <dgm:style>
+      <a:lnRef idx="0">
+        <a:scrgbClr r="0" g="0" b="0"/>
+      </a:lnRef>
+      <a:fillRef idx="3">
+        <a:scrgbClr r="0" g="0" b="0"/>
+      </a:fillRef>
+      <a:effectRef idx="2">
+        <a:scrgbClr r="0" g="0" b="0"/>
+      </a:effectRef>
+      <a:fontRef idx="minor"/>
+    </dgm:style>
+  </dgm:styleLbl>
+  <dgm:styleLbl name="bgImgPlace1">
+    <dgm:scene3d>
+      <a:camera prst="orthographicFront"/>
+      <a:lightRig rig="flat" dir="t"/>
+    </dgm:scene3d>
+    <dgm:sp3d z="-190500" prstMaterial="plastic">
+      <a:bevelT w="88900" h="88900"/>
+      <a:bevelB w="88900" h="31750" prst="angle"/>
+    </dgm:sp3d>
+    <dgm:txPr/>
+    <dgm:style>
+      <a:lnRef idx="0">
+        <a:scrgbClr r="0" g="0" b="0"/>
+      </a:lnRef>
+      <a:fillRef idx="3">
+        <a:scrgbClr r="0" g="0" b="0"/>
+      </a:fillRef>
+      <a:effectRef idx="2">
+        <a:scrgbClr r="0" g="0" b="0"/>
+      </a:effectRef>
+      <a:fontRef idx="minor"/>
+    </dgm:style>
+  </dgm:styleLbl>
+  <dgm:styleLbl name="sibTrans2D1">
+    <dgm:scene3d>
+      <a:camera prst="orthographicFront"/>
+      <a:lightRig rig="flat" dir="t"/>
+    </dgm:scene3d>
+    <dgm:sp3d z="-80000" prstMaterial="plastic">
+      <a:bevelT w="50800" h="50800"/>
+      <a:bevelB w="25400" h="25400" prst="angle"/>
+    </dgm:sp3d>
+    <dgm:txPr/>
+    <dgm:style>
+      <a:lnRef idx="0">
+        <a:scrgbClr r="0" g="0" b="0"/>
+      </a:lnRef>
+      <a:fillRef idx="3">
+        <a:scrgbClr r="0" g="0" b="0"/>
+      </a:fillRef>
+      <a:effectRef idx="2">
+        <a:scrgbClr r="0" g="0" b="0"/>
+      </a:effectRef>
+      <a:fontRef idx="minor">
+        <a:schemeClr val="lt1"/>
+      </a:fontRef>
+    </dgm:style>
+  </dgm:styleLbl>
+  <dgm:styleLbl name="fgSibTrans2D1">
+    <dgm:scene3d>
+      <a:camera prst="orthographicFront"/>
+      <a:lightRig rig="flat" dir="t"/>
+    </dgm:scene3d>
+    <dgm:sp3d z="127000" prstMaterial="plastic">
+      <a:bevelT w="50800" h="50800"/>
+      <a:bevelB w="25400" h="25400" prst="angle"/>
+    </dgm:sp3d>
+    <dgm:txPr/>
+    <dgm:style>
+      <a:lnRef idx="0">
+        <a:scrgbClr r="0" g="0" b="0"/>
+      </a:lnRef>
+      <a:fillRef idx="3">
+        <a:scrgbClr r="0" g="0" b="0"/>
+      </a:fillRef>
+      <a:effectRef idx="2">
+        <a:scrgbClr r="0" g="0" b="0"/>
+      </a:effectRef>
+      <a:fontRef idx="minor">
+        <a:schemeClr val="lt1"/>
+      </a:fontRef>
+    </dgm:style>
+  </dgm:styleLbl>
+  <dgm:styleLbl name="bgSibTrans2D1">
+    <dgm:scene3d>
+      <a:camera prst="orthographicFront"/>
+      <a:lightRig rig="flat" dir="t"/>
+    </dgm:scene3d>
+    <dgm:sp3d z="-190500" prstMaterial="plastic">
+      <a:bevelT w="50800" h="50800"/>
+      <a:bevelB w="25400" h="25400" prst="angle"/>
+    </dgm:sp3d>
+    <dgm:txPr/>
+    <dgm:style>
+      <a:lnRef idx="0">
+        <a:scrgbClr r="0" g="0" b="0"/>
+      </a:lnRef>
+      <a:fillRef idx="3">
+        <a:scrgbClr r="0" g="0" b="0"/>
+      </a:fillRef>
+      <a:effectRef idx="2">
+        <a:scrgbClr r="0" g="0" b="0"/>
+      </a:effectRef>
+      <a:fontRef idx="minor">
+        <a:schemeClr val="lt1"/>
+      </a:fontRef>
+    </dgm:style>
+  </dgm:styleLbl>
+  <dgm:styleLbl name="sibTrans1D1">
+    <dgm:scene3d>
+      <a:camera prst="orthographicFront"/>
+      <a:lightRig rig="flat" dir="t"/>
+    </dgm:scene3d>
+    <dgm:sp3d z="-40000" prstMaterial="matte"/>
+    <dgm:txPr/>
+    <dgm:style>
+      <a:lnRef idx="1">
+        <a:scrgbClr r="0" g="0" b="0"/>
+      </a:lnRef>
+      <a:fillRef idx="0">
+        <a:scrgbClr r="0" g="0" b="0"/>
+      </a:fillRef>
+      <a:effectRef idx="0">
+        <a:scrgbClr r="0" g="0" b="0"/>
+      </a:effectRef>
+      <a:fontRef idx="minor"/>
+    </dgm:style>
+  </dgm:styleLbl>
+  <dgm:styleLbl name="callout">
+    <dgm:scene3d>
+      <a:camera prst="orthographicFront"/>
+      <a:lightRig rig="threePt" dir="t"/>
+    </dgm:scene3d>
+    <dgm:sp3d z="127000" prstMaterial="matte"/>
+    <dgm:txPr/>
+    <dgm:style>
+      <a:lnRef idx="2">
+        <a:scrgbClr r="0" g="0" b="0"/>
+      </a:lnRef>
+      <a:fillRef idx="1">
+        <a:scrgbClr r="0" g="0" b="0"/>
+      </a:fillRef>
+      <a:effectRef idx="0">
+        <a:scrgbClr r="0" g="0" b="0"/>
+      </a:effectRef>
+      <a:fontRef idx="minor"/>
+    </dgm:style>
+  </dgm:styleLbl>
+  <dgm:styleLbl name="asst0">
+    <dgm:scene3d>
+      <a:camera prst="orthographicFront"/>
+      <a:lightRig rig="flat" dir="t"/>
+    </dgm:scene3d>
+    <dgm:sp3d prstMaterial="plastic">
+      <a:bevelT w="120900" h="88900"/>
+      <a:bevelB w="88900" h="31750" prst="angle"/>
+    </dgm:sp3d>
+    <dgm:txPr/>
+    <dgm:style>
+      <a:lnRef idx="0">
+        <a:scrgbClr r="0" g="0" b="0"/>
+      </a:lnRef>
+      <a:fillRef idx="3">
+        <a:scrgbClr r="0" g="0" b="0"/>
+      </a:fillRef>
+      <a:effectRef idx="1">
+        <a:scrgbClr r="0" g="0" b="0"/>
+      </a:effectRef>
+      <a:fontRef idx="minor">
+        <a:schemeClr val="lt1"/>
+      </a:fontRef>
+    </dgm:style>
+  </dgm:styleLbl>
+  <dgm:styleLbl name="asst1">
+    <dgm:scene3d>
+      <a:camera prst="orthographicFront"/>
+      <a:lightRig rig="flat" dir="t"/>
+    </dgm:scene3d>
+    <dgm:sp3d prstMaterial="plastic">
+      <a:bevelT w="120900" h="88900"/>
+      <a:bevelB w="88900" h="31750" prst="angle"/>
+    </dgm:sp3d>
+    <dgm:txPr/>
+    <dgm:style>
+      <a:lnRef idx="0">
+        <a:scrgbClr r="0" g="0" b="0"/>
+      </a:lnRef>
+      <a:fillRef idx="3">
+        <a:scrgbClr r="0" g="0" b="0"/>
+      </a:fillRef>
+      <a:effectRef idx="1">
+        <a:scrgbClr r="0" g="0" b="0"/>
+      </a:effectRef>
+      <a:fontRef idx="minor">
+        <a:schemeClr val="lt1"/>
+      </a:fontRef>
+    </dgm:style>
+  </dgm:styleLbl>
+  <dgm:styleLbl name="asst2">
+    <dgm:scene3d>
+      <a:camera prst="orthographicFront"/>
+      <a:lightRig rig="flat" dir="t"/>
+    </dgm:scene3d>
+    <dgm:sp3d prstMaterial="plastic">
+      <a:bevelT w="120900" h="88900"/>
+      <a:bevelB w="88900" h="31750" prst="angle"/>
+    </dgm:sp3d>
+    <dgm:txPr/>
+    <dgm:style>
+      <a:lnRef idx="0">
+        <a:scrgbClr r="0" g="0" b="0"/>
+      </a:lnRef>
+      <a:fillRef idx="3">
+        <a:scrgbClr r="0" g="0" b="0"/>
+      </a:fillRef>
+      <a:effectRef idx="1">
+        <a:scrgbClr r="0" g="0" b="0"/>
+      </a:effectRef>
+      <a:fontRef idx="minor">
+        <a:schemeClr val="lt1"/>
+      </a:fontRef>
+    </dgm:style>
+  </dgm:styleLbl>
+  <dgm:styleLbl name="asst3">
+    <dgm:scene3d>
+      <a:camera prst="orthographicFront"/>
+      <a:lightRig rig="flat" dir="t"/>
+    </dgm:scene3d>
+    <dgm:sp3d prstMaterial="plastic">
+      <a:bevelT w="120900" h="88900"/>
+      <a:bevelB w="88900" h="31750" prst="angle"/>
+    </dgm:sp3d>
+    <dgm:txPr/>
+    <dgm:style>
+      <a:lnRef idx="0">
+        <a:scrgbClr r="0" g="0" b="0"/>
+      </a:lnRef>
+      <a:fillRef idx="3">
+        <a:scrgbClr r="0" g="0" b="0"/>
+      </a:fillRef>
+      <a:effectRef idx="1">
+        <a:scrgbClr r="0" g="0" b="0"/>
+      </a:effectRef>
+      <a:fontRef idx="minor">
+        <a:schemeClr val="lt1"/>
+      </a:fontRef>
+    </dgm:style>
+  </dgm:styleLbl>
+  <dgm:styleLbl name="parChTrans2D1">
+    <dgm:scene3d>
+      <a:camera prst="orthographicFront"/>
+      <a:lightRig rig="flat" dir="t"/>
+    </dgm:scene3d>
+    <dgm:sp3d z="-100000" prstMaterial="plastic">
+      <a:bevelT w="120900" h="88900"/>
+      <a:bevelB w="88900" h="31750" prst="angle"/>
+    </dgm:sp3d>
+    <dgm:txPr/>
+    <dgm:style>
+      <a:lnRef idx="0">
+        <a:scrgbClr r="0" g="0" b="0"/>
+      </a:lnRef>
+      <a:fillRef idx="3">
+        <a:scrgbClr r="0" g="0" b="0"/>
+      </a:fillRef>
+      <a:effectRef idx="1">
+        <a:scrgbClr r="0" g="0" b="0"/>
+      </a:effectRef>
+      <a:fontRef idx="minor">
+        <a:schemeClr val="lt1"/>
+      </a:fontRef>
+    </dgm:style>
+  </dgm:styleLbl>
+  <dgm:styleLbl name="parChTrans2D2">
+    <dgm:scene3d>
+      <a:camera prst="orthographicFront"/>
+      <a:lightRig rig="flat" dir="t"/>
+    </dgm:scene3d>
+    <dgm:sp3d z="-60000" prstMaterial="plastic">
+      <a:bevelT w="120900" h="88900"/>
+      <a:bevelB w="88900" h="31750" prst="angle"/>
+    </dgm:sp3d>
+    <dgm:txPr/>
+    <dgm:style>
+      <a:lnRef idx="0">
+        <a:scrgbClr r="0" g="0" b="0"/>
+      </a:lnRef>
+      <a:fillRef idx="3">
+        <a:scrgbClr r="0" g="0" b="0"/>
+      </a:fillRef>
+      <a:effectRef idx="1">
+        <a:scrgbClr r="0" g="0" b="0"/>
+      </a:effectRef>
+      <a:fontRef idx="minor">
+        <a:schemeClr val="lt1"/>
+      </a:fontRef>
+    </dgm:style>
+  </dgm:styleLbl>
+  <dgm:styleLbl name="parChTrans2D3">
+    <dgm:scene3d>
+      <a:camera prst="orthographicFront"/>
+      <a:lightRig rig="flat" dir="t"/>
+    </dgm:scene3d>
+    <dgm:sp3d z="-60000" prstMaterial="plastic">
+      <a:bevelT w="120900" h="88900"/>
+      <a:bevelB w="88900" h="31750" prst="angle"/>
+    </dgm:sp3d>
+    <dgm:txPr/>
+    <dgm:style>
+      <a:lnRef idx="0">
+        <a:scrgbClr r="0" g="0" b="0"/>
+      </a:lnRef>
+      <a:fillRef idx="3">
+        <a:scrgbClr r="0" g="0" b="0"/>
+      </a:fillRef>
+      <a:effectRef idx="1">
+        <a:scrgbClr r="0" g="0" b="0"/>
+      </a:effectRef>
+      <a:fontRef idx="minor">
+        <a:schemeClr val="lt1"/>
+      </a:fontRef>
+    </dgm:style>
+  </dgm:styleLbl>
+  <dgm:styleLbl name="parChTrans2D4">
+    <dgm:scene3d>
+      <a:camera prst="orthographicFront"/>
+      <a:lightRig rig="flat" dir="t"/>
+    </dgm:scene3d>
+    <dgm:sp3d z="-60000" prstMaterial="plastic">
+      <a:bevelT w="120900" h="88900"/>
+      <a:bevelB w="88900" h="31750" prst="angle"/>
+    </dgm:sp3d>
+    <dgm:txPr/>
+    <dgm:style>
+      <a:lnRef idx="0">
+        <a:scrgbClr r="0" g="0" b="0"/>
+      </a:lnRef>
+      <a:fillRef idx="3">
+        <a:scrgbClr r="0" g="0" b="0"/>
+      </a:fillRef>
+      <a:effectRef idx="1">
+        <a:scrgbClr r="0" g="0" b="0"/>
+      </a:effectRef>
+      <a:fontRef idx="minor">
+        <a:schemeClr val="lt1"/>
+      </a:fontRef>
+    </dgm:style>
+  </dgm:styleLbl>
+  <dgm:styleLbl name="parChTrans1D1">
+    <dgm:scene3d>
+      <a:camera prst="orthographicFront"/>
+      <a:lightRig rig="flat" dir="t"/>
+    </dgm:scene3d>
+    <dgm:sp3d prstMaterial="matte"/>
+    <dgm:txPr/>
+    <dgm:style>
+      <a:lnRef idx="2">
+        <a:scrgbClr r="0" g="0" b="0"/>
+      </a:lnRef>
+      <a:fillRef idx="0">
+        <a:scrgbClr r="0" g="0" b="0"/>
+      </a:fillRef>
+      <a:effectRef idx="0">
+        <a:scrgbClr r="0" g="0" b="0"/>
+      </a:effectRef>
+      <a:fontRef idx="minor"/>
+    </dgm:style>
+  </dgm:styleLbl>
+  <dgm:styleLbl name="parChTrans1D2">
+    <dgm:scene3d>
+      <a:camera prst="orthographicFront"/>
+      <a:lightRig rig="flat" dir="t"/>
+    </dgm:scene3d>
+    <dgm:sp3d prstMaterial="matte"/>
+    <dgm:txPr/>
+    <dgm:style>
+      <a:lnRef idx="2">
+        <a:scrgbClr r="0" g="0" b="0"/>
+      </a:lnRef>
+      <a:fillRef idx="0">
+        <a:scrgbClr r="0" g="0" b="0"/>
+      </a:fillRef>
+      <a:effectRef idx="0">
+        <a:scrgbClr r="0" g="0" b="0"/>
+      </a:effectRef>
+      <a:fontRef idx="minor"/>
+    </dgm:style>
+  </dgm:styleLbl>
+  <dgm:styleLbl name="parChTrans1D3">
+    <dgm:scene3d>
+      <a:camera prst="orthographicFront"/>
+      <a:lightRig rig="flat" dir="t"/>
+    </dgm:scene3d>
+    <dgm:sp3d prstMaterial="matte"/>
+    <dgm:txPr/>
+    <dgm:style>
+      <a:lnRef idx="2">
+        <a:scrgbClr r="0" g="0" b="0"/>
+      </a:lnRef>
+      <a:fillRef idx="0">
+        <a:scrgbClr r="0" g="0" b="0"/>
+      </a:fillRef>
+      <a:effectRef idx="0">
+        <a:scrgbClr r="0" g="0" b="0"/>
+      </a:effectRef>
+      <a:fontRef idx="minor"/>
+    </dgm:style>
+  </dgm:styleLbl>
+  <dgm:styleLbl name="parChTrans1D4">
+    <dgm:scene3d>
+      <a:camera prst="orthographicFront"/>
+      <a:lightRig rig="flat" dir="t"/>
+    </dgm:scene3d>
+    <dgm:sp3d prstMaterial="matte"/>
+    <dgm:txPr/>
+    <dgm:style>
+      <a:lnRef idx="2">
+        <a:scrgbClr r="0" g="0" b="0"/>
+      </a:lnRef>
+      <a:fillRef idx="0">
+        <a:scrgbClr r="0" g="0" b="0"/>
+      </a:fillRef>
+      <a:effectRef idx="0">
+        <a:scrgbClr r="0" g="0" b="0"/>
+      </a:effectRef>
+      <a:fontRef idx="minor"/>
+    </dgm:style>
+  </dgm:styleLbl>
+  <dgm:styleLbl name="fgAcc1">
+    <dgm:scene3d>
+      <a:camera prst="orthographicFront"/>
+      <a:lightRig rig="flat" dir="t"/>
+    </dgm:scene3d>
+    <dgm:sp3d z="190500" extrusionH="12700" prstMaterial="plastic">
+      <a:bevelT w="50800" h="50800"/>
+    </dgm:sp3d>
+    <dgm:txPr/>
+    <dgm:style>
+      <a:lnRef idx="1">
+        <a:scrgbClr r="0" g="0" b="0"/>
+      </a:lnRef>
+      <a:fillRef idx="1">
+        <a:scrgbClr r="0" g="0" b="0"/>
+      </a:fillRef>
+      <a:effectRef idx="2">
+        <a:scrgbClr r="0" g="0" b="0"/>
+      </a:effectRef>
+      <a:fontRef idx="minor"/>
+    </dgm:style>
+  </dgm:styleLbl>
+  <dgm:styleLbl name="conFgAcc1">
+    <dgm:scene3d>
+      <a:camera prst="orthographicFront"/>
+      <a:lightRig rig="flat" dir="t"/>
+    </dgm:scene3d>
+    <dgm:sp3d z="190500" extrusionH="12700" prstMaterial="plastic">
+      <a:bevelT w="50800" h="50800"/>
+    </dgm:sp3d>
+    <dgm:txPr/>
+    <dgm:style>
+      <a:lnRef idx="1">
+        <a:scrgbClr r="0" g="0" b="0"/>
+      </a:lnRef>
+      <a:fillRef idx="1">
+        <a:scrgbClr r="0" g="0" b="0"/>
+      </a:fillRef>
+      <a:effectRef idx="2">
+        <a:scrgbClr r="0" g="0" b="0"/>
+      </a:effectRef>
+      <a:fontRef idx="minor"/>
+    </dgm:style>
+  </dgm:styleLbl>
+  <dgm:styleLbl name="alignAcc1">
+    <dgm:scene3d>
+      <a:camera prst="orthographicFront"/>
+      <a:lightRig rig="flat" dir="t"/>
+    </dgm:scene3d>
+    <dgm:sp3d extrusionH="12700" prstMaterial="plastic">
+      <a:bevelT w="50800" h="50800"/>
+    </dgm:sp3d>
+    <dgm:txPr/>
+    <dgm:style>
+      <a:lnRef idx="1">
+        <a:scrgbClr r="0" g="0" b="0"/>
+      </a:lnRef>
+      <a:fillRef idx="1">
+        <a:scrgbClr r="0" g="0" b="0"/>
+      </a:fillRef>
+      <a:effectRef idx="2">
+        <a:scrgbClr r="0" g="0" b="0"/>
+      </a:effectRef>
+      <a:fontRef idx="minor"/>
+    </dgm:style>
+  </dgm:styleLbl>
+  <dgm:styleLbl name="trAlignAcc1">
+    <dgm:scene3d>
+      <a:camera prst="orthographicFront"/>
+      <a:lightRig rig="flat" dir="t"/>
+    </dgm:scene3d>
+    <dgm:sp3d extrusionH="12700" prstMaterial="plastic">
+      <a:bevelT w="50800" h="50800"/>
+    </dgm:sp3d>
+    <dgm:txPr/>
+    <dgm:style>
+      <a:lnRef idx="1">
+        <a:scrgbClr r="0" g="0" b="0"/>
+      </a:lnRef>
+      <a:fillRef idx="1">
+        <a:scrgbClr r="0" g="0" b="0"/>
+      </a:fillRef>
+      <a:effectRef idx="2">
+        <a:scrgbClr r="0" g="0" b="0"/>
+      </a:effectRef>
+      <a:fontRef idx="minor"/>
+    </dgm:style>
+  </dgm:styleLbl>
+  <dgm:styleLbl name="bgAcc1">
+    <dgm:scene3d>
+      <a:camera prst="orthographicFront"/>
+      <a:lightRig rig="flat" dir="t"/>
+    </dgm:scene3d>
+    <dgm:sp3d z="-190500" extrusionH="12700" prstMaterial="plastic">
+      <a:bevelT w="50800" h="50800"/>
+    </dgm:sp3d>
+    <dgm:txPr/>
+    <dgm:style>
+      <a:lnRef idx="1">
+        <a:scrgbClr r="0" g="0" b="0"/>
+      </a:lnRef>
+      <a:fillRef idx="1">
+        <a:scrgbClr r="0" g="0" b="0"/>
+      </a:fillRef>
+      <a:effectRef idx="2">
+        <a:scrgbClr r="0" g="0" b="0"/>
+      </a:effectRef>
+      <a:fontRef idx="minor"/>
+    </dgm:style>
+  </dgm:styleLbl>
+  <dgm:styleLbl name="solidFgAcc1">
+    <dgm:scene3d>
+      <a:camera prst="orthographicFront"/>
+      <a:lightRig rig="flat" dir="t"/>
+    </dgm:scene3d>
+    <dgm:sp3d z="190500" extrusionH="12700" prstMaterial="plastic">
+      <a:bevelT w="50800" h="50800"/>
+    </dgm:sp3d>
+    <dgm:txPr/>
+    <dgm:style>
+      <a:lnRef idx="1">
+        <a:scrgbClr r="0" g="0" b="0"/>
+      </a:lnRef>
+      <a:fillRef idx="1">
+        <a:scrgbClr r="0" g="0" b="0"/>
+      </a:fillRef>
+      <a:effectRef idx="2">
+        <a:scrgbClr r="0" g="0" b="0"/>
+      </a:effectRef>
+      <a:fontRef idx="minor"/>
+    </dgm:style>
+  </dgm:styleLbl>
+  <dgm:styleLbl name="solidAlignAcc1">
+    <dgm:scene3d>
+      <a:camera prst="orthographicFront"/>
+      <a:lightRig rig="flat" dir="t"/>
+    </dgm:scene3d>
+    <dgm:sp3d extrusionH="12700" prstMaterial="plastic">
+      <a:bevelT w="50800" h="50800"/>
+    </dgm:sp3d>
+    <dgm:txPr/>
+    <dgm:style>
+      <a:lnRef idx="1">
+        <a:scrgbClr r="0" g="0" b="0"/>
+      </a:lnRef>
+      <a:fillRef idx="1">
+        <a:scrgbClr r="0" g="0" b="0"/>
+      </a:fillRef>
+      <a:effectRef idx="2">
+        <a:scrgbClr r="0" g="0" b="0"/>
+      </a:effectRef>
+      <a:fontRef idx="minor"/>
+    </dgm:style>
+  </dgm:styleLbl>
+  <dgm:styleLbl name="solidBgAcc1">
+    <dgm:scene3d>
+      <a:camera prst="orthographicFront"/>
+      <a:lightRig rig="flat" dir="t"/>
+    </dgm:scene3d>
+    <dgm:sp3d z="-190500" extrusionH="12700" prstMaterial="plastic">
+      <a:bevelT w="50800" h="50800"/>
+    </dgm:sp3d>
+    <dgm:txPr/>
+    <dgm:style>
+      <a:lnRef idx="1">
+        <a:scrgbClr r="0" g="0" b="0"/>
+      </a:lnRef>
+      <a:fillRef idx="1">
+        <a:scrgbClr r="0" g="0" b="0"/>
+      </a:fillRef>
+      <a:effectRef idx="2">
+        <a:scrgbClr r="0" g="0" b="0"/>
+      </a:effectRef>
+      <a:fontRef idx="minor"/>
+    </dgm:style>
+  </dgm:styleLbl>
+  <dgm:styleLbl name="fgAccFollowNode1">
+    <dgm:scene3d>
+      <a:camera prst="orthographicFront"/>
+      <a:lightRig rig="flat" dir="t"/>
+    </dgm:scene3d>
+    <dgm:sp3d z="190500" extrusionH="12700" prstMaterial="plastic">
+      <a:bevelT w="50800" h="50800"/>
+    </dgm:sp3d>
+    <dgm:txPr/>
+    <dgm:style>
+      <a:lnRef idx="1">
+        <a:scrgbClr r="0" g="0" b="0"/>
+      </a:lnRef>
+      <a:fillRef idx="1">
+        <a:scrgbClr r="0" g="0" b="0"/>
+      </a:fillRef>
+      <a:effectRef idx="2">
+        <a:scrgbClr r="0" g="0" b="0"/>
+      </a:effectRef>
+      <a:fontRef idx="minor"/>
+    </dgm:style>
+  </dgm:styleLbl>
+  <dgm:styleLbl name="alignAccFollowNode1">
+    <dgm:scene3d>
+      <a:camera prst="orthographicFront"/>
+      <a:lightRig rig="flat" dir="t"/>
+    </dgm:scene3d>
+    <dgm:sp3d extrusionH="12700" prstMaterial="plastic">
+      <a:bevelT w="50800" h="50800"/>
+    </dgm:sp3d>
+    <dgm:txPr/>
+    <dgm:style>
+      <a:lnRef idx="1">
+        <a:scrgbClr r="0" g="0" b="0"/>
+      </a:lnRef>
+      <a:fillRef idx="1">
+        <a:scrgbClr r="0" g="0" b="0"/>
+      </a:fillRef>
+      <a:effectRef idx="2">
+        <a:scrgbClr r="0" g="0" b="0"/>
+      </a:effectRef>
+      <a:fontRef idx="minor"/>
+    </dgm:style>
+  </dgm:styleLbl>
+  <dgm:styleLbl name="bgAccFollowNode1">
+    <dgm:scene3d>
+      <a:camera prst="orthographicFront"/>
+      <a:lightRig rig="flat" dir="t"/>
+    </dgm:scene3d>
+    <dgm:sp3d z="-190500" extrusionH="12700" prstMaterial="plastic">
+      <a:bevelT w="50800" h="50800"/>
+    </dgm:sp3d>
+    <dgm:txPr/>
+    <dgm:style>
+      <a:lnRef idx="1">
+        <a:scrgbClr r="0" g="0" b="0"/>
+      </a:lnRef>
+      <a:fillRef idx="1">
+        <a:scrgbClr r="0" g="0" b="0"/>
+      </a:fillRef>
+      <a:effectRef idx="2">
+        <a:scrgbClr r="0" g="0" b="0"/>
+      </a:effectRef>
+      <a:fontRef idx="minor"/>
+    </dgm:style>
+  </dgm:styleLbl>
+  <dgm:styleLbl name="fgAcc0">
+    <dgm:scene3d>
+      <a:camera prst="orthographicFront"/>
+      <a:lightRig rig="flat" dir="t"/>
+    </dgm:scene3d>
+    <dgm:sp3d z="190500" extrusionH="12700" prstMaterial="plastic">
+      <a:bevelT w="50800" h="50800"/>
+    </dgm:sp3d>
+    <dgm:txPr/>
+    <dgm:style>
+      <a:lnRef idx="1">
+        <a:scrgbClr r="0" g="0" b="0"/>
+      </a:lnRef>
+      <a:fillRef idx="1">
+        <a:scrgbClr r="0" g="0" b="0"/>
+      </a:fillRef>
+      <a:effectRef idx="2">
+        <a:scrgbClr r="0" g="0" b="0"/>
+      </a:effectRef>
+      <a:fontRef idx="minor"/>
+    </dgm:style>
+  </dgm:styleLbl>
+  <dgm:styleLbl name="fgAcc2">
+    <dgm:scene3d>
+      <a:camera prst="orthographicFront"/>
+      <a:lightRig rig="flat" dir="t"/>
+    </dgm:scene3d>
+    <dgm:sp3d z="190500" extrusionH="12700" prstMaterial="plastic">
+      <a:bevelT w="50800" h="50800"/>
+    </dgm:sp3d>
+    <dgm:txPr/>
+    <dgm:style>
+      <a:lnRef idx="1">
+        <a:scrgbClr r="0" g="0" b="0"/>
+      </a:lnRef>
+      <a:fillRef idx="1">
+        <a:scrgbClr r="0" g="0" b="0"/>
+      </a:fillRef>
+      <a:effectRef idx="2">
+        <a:scrgbClr r="0" g="0" b="0"/>
+      </a:effectRef>
+      <a:fontRef idx="minor"/>
+    </dgm:style>
+  </dgm:styleLbl>
+  <dgm:styleLbl name="fgAcc3">
+    <dgm:scene3d>
+      <a:camera prst="orthographicFront"/>
+      <a:lightRig rig="flat" dir="t"/>
+    </dgm:scene3d>
+    <dgm:sp3d z="190500" extrusionH="12700" prstMaterial="plastic">
+      <a:bevelT w="50800" h="50800"/>
+    </dgm:sp3d>
+    <dgm:txPr/>
+    <dgm:style>
+      <a:lnRef idx="1">
+        <a:scrgbClr r="0" g="0" b="0"/>
+      </a:lnRef>
+      <a:fillRef idx="1">
+        <a:scrgbClr r="0" g="0" b="0"/>
+      </a:fillRef>
+      <a:effectRef idx="2">
+        <a:scrgbClr r="0" g="0" b="0"/>
+      </a:effectRef>
+      <a:fontRef idx="minor"/>
+    </dgm:style>
+  </dgm:styleLbl>
+  <dgm:styleLbl name="fgAcc4">
+    <dgm:scene3d>
+      <a:camera prst="orthographicFront"/>
+      <a:lightRig rig="flat" dir="t"/>
+    </dgm:scene3d>
+    <dgm:sp3d z="190500" extrusionH="12700" prstMaterial="plastic">
+      <a:bevelT w="50800" h="50800"/>
+    </dgm:sp3d>
+    <dgm:txPr/>
+    <dgm:style>
+      <a:lnRef idx="1">
+        <a:scrgbClr r="0" g="0" b="0"/>
+      </a:lnRef>
+      <a:fillRef idx="1">
+        <a:scrgbClr r="0" g="0" b="0"/>
+      </a:fillRef>
+      <a:effectRef idx="2">
+        <a:scrgbClr r="0" g="0" b="0"/>
+      </a:effectRef>
+      <a:fontRef idx="minor"/>
+    </dgm:style>
+  </dgm:styleLbl>
+  <dgm:styleLbl name="bgShp">
+    <dgm:scene3d>
+      <a:camera prst="orthographicFront"/>
+      <a:lightRig rig="flat" dir="t"/>
+    </dgm:scene3d>
+    <dgm:sp3d z="-190500" extrusionH="12700" prstMaterial="plastic">
+      <a:bevelT w="50800" h="50800"/>
+    </dgm:sp3d>
+    <dgm:txPr/>
+    <dgm:style>
+      <a:lnRef idx="0">
+        <a:scrgbClr r="0" g="0" b="0"/>
+      </a:lnRef>
+      <a:fillRef idx="3">
+        <a:scrgbClr r="0" g="0" b="0"/>
+      </a:fillRef>
+      <a:effectRef idx="0">
+        <a:scrgbClr r="0" g="0" b="0"/>
+      </a:effectRef>
+      <a:fontRef idx="minor"/>
+    </dgm:style>
+  </dgm:styleLbl>
+  <dgm:styleLbl name="dkBgShp">
+    <dgm:scene3d>
+      <a:camera prst="orthographicFront"/>
+      <a:lightRig rig="flat" dir="t"/>
+    </dgm:scene3d>
+    <dgm:sp3d z="-190500" extrusionH="12700" prstMaterial="plastic">
+      <a:bevelT w="50800" h="50800"/>
+    </dgm:sp3d>
+    <dgm:txPr/>
+    <dgm:style>
+      <a:lnRef idx="0">
+        <a:scrgbClr r="0" g="0" b="0"/>
+      </a:lnRef>
+      <a:fillRef idx="2">
+        <a:scrgbClr r="0" g="0" b="0"/>
+      </a:fillRef>
+      <a:effectRef idx="0">
+        <a:scrgbClr r="0" g="0" b="0"/>
+      </a:effectRef>
+      <a:fontRef idx="minor"/>
+    </dgm:style>
+  </dgm:styleLbl>
+  <dgm:styleLbl name="trBgShp">
+    <dgm:scene3d>
+      <a:camera prst="orthographicFront"/>
+      <a:lightRig rig="flat" dir="t"/>
+    </dgm:scene3d>
+    <dgm:sp3d z="-190500" extrusionH="12700" prstMaterial="matte"/>
+    <dgm:txPr/>
+    <dgm:style>
+      <a:lnRef idx="0">
+        <a:scrgbClr r="0" g="0" b="0"/>
+      </a:lnRef>
+      <a:fillRef idx="1">
+        <a:scrgbClr r="0" g="0" b="0"/>
+      </a:fillRef>
+      <a:effectRef idx="0">
+        <a:scrgbClr r="0" g="0" b="0"/>
+      </a:effectRef>
+      <a:fontRef idx="minor"/>
+    </dgm:style>
+  </dgm:styleLbl>
+  <dgm:styleLbl name="fgShp">
+    <dgm:scene3d>
+      <a:camera prst="orthographicFront"/>
+      <a:lightRig rig="flat" dir="t"/>
+    </dgm:scene3d>
+    <dgm:sp3d z="190500" prstMaterial="plastic">
+      <a:bevelT w="120900" h="88900"/>
+      <a:bevelB w="88900" h="31750" prst="angle"/>
+    </dgm:sp3d>
+    <dgm:txPr/>
+    <dgm:style>
+      <a:lnRef idx="0">
+        <a:scrgbClr r="0" g="0" b="0"/>
+      </a:lnRef>
+      <a:fillRef idx="1">
+        <a:scrgbClr r="0" g="0" b="0"/>
+      </a:fillRef>
+      <a:effectRef idx="3">
+        <a:scrgbClr r="0" g="0" b="0"/>
+      </a:effectRef>
+      <a:fontRef idx="minor">
+        <a:schemeClr val="lt1"/>
+      </a:fontRef>
+    </dgm:style>
+  </dgm:styleLbl>
+  <dgm:styleLbl name="revTx">
+    <dgm:scene3d>
+      <a:camera prst="orthographicFront"/>
+      <a:lightRig rig="threePt" dir="t"/>
+    </dgm:scene3d>
+    <dgm:sp3d/>
+    <dgm:txPr/>
+    <dgm:style>
+      <a:lnRef idx="0">
+        <a:scrgbClr r="0" g="0" b="0"/>
+      </a:lnRef>
+      <a:fillRef idx="0">
+        <a:scrgbClr r="0" g="0" b="0"/>
+      </a:fillRef>
+      <a:effectRef idx="0">
+        <a:scrgbClr r="0" g="0" b="0"/>
+      </a:effectRef>
+      <a:fontRef idx="minor"/>
+    </dgm:style>
+  </dgm:styleLbl>
+</dgm:styleDef>
 </file>
 
 <file path=ppt/slideLayouts/slideLayout1.xml><?xml version="1.0" encoding="utf-8"?>
@@ -6179,6 +13136,72 @@
 </p:sld>
 </file>
 
+<file path=ppt/slides/slide10.xml><?xml version="1.0" encoding="utf-8"?>
+<p:sld xmlns:a="http://schemas.openxmlformats.org/drawingml/2006/main" xmlns:r="http://schemas.openxmlformats.org/officeDocument/2006/relationships" xmlns:p="http://schemas.openxmlformats.org/presentationml/2006/main">
+  <p:cSld>
+    <p:spTree>
+      <p:nvGrpSpPr>
+        <p:cNvPr id="1" name=""/>
+        <p:cNvGrpSpPr/>
+        <p:nvPr/>
+      </p:nvGrpSpPr>
+      <p:grpSpPr>
+        <a:xfrm>
+          <a:off x="0" y="0"/>
+          <a:ext cx="0" cy="0"/>
+          <a:chOff x="0" y="0"/>
+          <a:chExt cx="0" cy="0"/>
+        </a:xfrm>
+      </p:grpSpPr>
+      <p:pic>
+        <p:nvPicPr>
+          <p:cNvPr id="4" name="Picture 3" descr="A picture containing text&#10;&#10;Description automatically generated">
+            <a:extLst>
+              <a:ext uri="{FF2B5EF4-FFF2-40B4-BE49-F238E27FC236}">
+                <a16:creationId xmlns:a16="http://schemas.microsoft.com/office/drawing/2014/main" id="{EE32E6F7-A7F1-457B-A96F-419F67B2E1A1}"/>
+              </a:ext>
+            </a:extLst>
+          </p:cNvPr>
+          <p:cNvPicPr>
+            <a:picLocks noChangeAspect="1"/>
+          </p:cNvPicPr>
+          <p:nvPr/>
+        </p:nvPicPr>
+        <p:blipFill>
+          <a:blip r:embed="rId2">
+            <a:extLst>
+              <a:ext uri="{28A0092B-C50C-407E-A947-70E740481C1C}">
+                <a14:useLocalDpi xmlns:a14="http://schemas.microsoft.com/office/drawing/2010/main" val="0"/>
+              </a:ext>
+            </a:extLst>
+          </a:blip>
+          <a:stretch>
+            <a:fillRect/>
+          </a:stretch>
+        </p:blipFill>
+        <p:spPr>
+          <a:xfrm>
+            <a:off x="1123048" y="1395663"/>
+            <a:ext cx="9945904" cy="4262530"/>
+          </a:xfrm>
+          <a:prstGeom prst="rect">
+            <a:avLst/>
+          </a:prstGeom>
+        </p:spPr>
+      </p:pic>
+    </p:spTree>
+    <p:extLst>
+      <p:ext uri="{BB962C8B-B14F-4D97-AF65-F5344CB8AC3E}">
+        <p14:creationId xmlns:p14="http://schemas.microsoft.com/office/powerpoint/2010/main" val="490410601"/>
+      </p:ext>
+    </p:extLst>
+  </p:cSld>
+  <p:clrMapOvr>
+    <a:masterClrMapping/>
+  </p:clrMapOvr>
+</p:sld>
+</file>
+
 <file path=ppt/slides/slide2.xml><?xml version="1.0" encoding="utf-8"?>
 <p:sld xmlns:a="http://schemas.openxmlformats.org/drawingml/2006/main" xmlns:r="http://schemas.openxmlformats.org/officeDocument/2006/relationships" xmlns:p="http://schemas.openxmlformats.org/presentationml/2006/main">
   <p:cSld>
@@ -6254,7 +13277,7 @@
           <a:p>
             <a:r>
               <a:rPr lang="en-US" dirty="0"/>
-              <a:t>Dataset Information</a:t>
+              <a:t>Experiment Data</a:t>
             </a:r>
           </a:p>
           <a:p>
@@ -6277,6 +13300,67 @@
           </a:p>
         </p:txBody>
       </p:sp>
+      <p:pic>
+        <p:nvPicPr>
+          <p:cNvPr id="5" name="Picture 4" descr="A silhouette of a person&#10;&#10;Description automatically generated with low confidence">
+            <a:extLst>
+              <a:ext uri="{FF2B5EF4-FFF2-40B4-BE49-F238E27FC236}">
+                <a16:creationId xmlns:a16="http://schemas.microsoft.com/office/drawing/2014/main" id="{235D2FB3-825C-4723-A211-3D5101FF1F99}"/>
+              </a:ext>
+            </a:extLst>
+          </p:cNvPr>
+          <p:cNvPicPr>
+            <a:picLocks noChangeAspect="1"/>
+          </p:cNvPicPr>
+          <p:nvPr/>
+        </p:nvPicPr>
+        <p:blipFill>
+          <a:blip r:embed="rId2">
+            <a:extLst>
+              <a:ext uri="{28A0092B-C50C-407E-A947-70E740481C1C}">
+                <a14:useLocalDpi xmlns:a14="http://schemas.microsoft.com/office/drawing/2010/main" val="0"/>
+              </a:ext>
+            </a:extLst>
+          </a:blip>
+          <a:stretch>
+            <a:fillRect/>
+          </a:stretch>
+        </p:blipFill>
+        <p:spPr>
+          <a:xfrm>
+            <a:off x="3044900" y="1312514"/>
+            <a:ext cx="7977417" cy="4827100"/>
+          </a:xfrm>
+          <a:prstGeom prst="roundRect">
+            <a:avLst>
+              <a:gd name="adj" fmla="val 16667"/>
+            </a:avLst>
+          </a:prstGeom>
+          <a:ln>
+            <a:noFill/>
+          </a:ln>
+          <a:effectLst>
+            <a:outerShdw blurRad="76200" dist="38100" dir="7800000" algn="tl" rotWithShape="0">
+              <a:srgbClr val="000000">
+                <a:alpha val="40000"/>
+              </a:srgbClr>
+            </a:outerShdw>
+          </a:effectLst>
+          <a:scene3d>
+            <a:camera prst="orthographicFront">
+              <a:rot lat="20370824" lon="2227130" rev="20429932"/>
+            </a:camera>
+            <a:lightRig rig="flood" dir="t"/>
+          </a:scene3d>
+          <a:sp3d prstMaterial="matte">
+            <a:bevelT w="381000" h="114300" prst="coolSlant"/>
+            <a:bevelB/>
+            <a:contourClr>
+              <a:srgbClr val="969696"/>
+            </a:contourClr>
+          </a:sp3d>
+        </p:spPr>
+      </p:pic>
     </p:spTree>
     <p:extLst>
       <p:ext uri="{BB962C8B-B14F-4D97-AF65-F5344CB8AC3E}">
@@ -6335,220 +13419,34 @@
           </a:p>
         </p:txBody>
       </p:sp>
-      <p:sp>
-        <p:nvSpPr>
-          <p:cNvPr id="3" name="Content Placeholder 2">
+      <p:graphicFrame>
+        <p:nvGraphicFramePr>
+          <p:cNvPr id="8" name="Diagram 7">
             <a:extLst>
               <a:ext uri="{FF2B5EF4-FFF2-40B4-BE49-F238E27FC236}">
-                <a16:creationId xmlns:a16="http://schemas.microsoft.com/office/drawing/2014/main" id="{F95D25BB-BEB9-4325-B917-13FDD12EE8EA}"/>
+                <a16:creationId xmlns:a16="http://schemas.microsoft.com/office/drawing/2014/main" id="{99D342DD-A632-4182-87C8-E4C38A6B14C6}"/>
               </a:ext>
             </a:extLst>
           </p:cNvPr>
-          <p:cNvSpPr>
-            <a:spLocks noGrp="1"/>
-          </p:cNvSpPr>
+          <p:cNvGraphicFramePr/>
           <p:nvPr>
-            <p:ph sz="half" idx="1"/>
+            <p:extLst>
+              <p:ext uri="{D42A27DB-BD31-4B8C-83A1-F6EECF244321}">
+                <p14:modId xmlns:p14="http://schemas.microsoft.com/office/powerpoint/2010/main" val="3746717524"/>
+              </p:ext>
+            </p:extLst>
           </p:nvPr>
-        </p:nvSpPr>
-        <p:spPr/>
-        <p:txBody>
-          <a:bodyPr>
-            <a:normAutofit fontScale="70000" lnSpcReduction="20000"/>
-          </a:bodyPr>
-          <a:lstStyle/>
-          <a:p>
-            <a:r>
-              <a:rPr lang="en-US" dirty="0"/>
-              <a:t>Human Activity Recognition (HAR) is the classification of sequences of sensor data into human activities</a:t>
-            </a:r>
-          </a:p>
-          <a:p>
-            <a:r>
-              <a:rPr lang="en-US" dirty="0"/>
-              <a:t>Time series, multi-class classification problem ideally performed on smartphone or in cloud</a:t>
-            </a:r>
-          </a:p>
-          <a:p>
-            <a:r>
-              <a:rPr lang="en-US" dirty="0"/>
-              <a:t>Experiment consists of 12 activities performed by 30 volunteers</a:t>
-            </a:r>
-          </a:p>
-          <a:p>
-            <a:r>
-              <a:rPr lang="en-US" dirty="0"/>
-              <a:t>Age range of volunteers is 19 to 48 years old</a:t>
-            </a:r>
-          </a:p>
-          <a:p>
-            <a:r>
-              <a:rPr lang="en-US" dirty="0"/>
-              <a:t>Experiment data is from a smartphone accelerometer and gyroscope worn on waist (Samsung Galaxy S2)</a:t>
-            </a:r>
-          </a:p>
-          <a:p>
-            <a:r>
-              <a:rPr lang="en-US" dirty="0"/>
-              <a:t>Video was recorded for each subject and the movement data was manually labeled</a:t>
-            </a:r>
-          </a:p>
-          <a:p>
-            <a:r>
-              <a:rPr lang="en-US" dirty="0"/>
-              <a:t>SVM classification accuracy 89% in 2012</a:t>
-            </a:r>
-          </a:p>
-        </p:txBody>
-      </p:sp>
-      <p:sp>
-        <p:nvSpPr>
-          <p:cNvPr id="4" name="Content Placeholder 3">
-            <a:extLst>
-              <a:ext uri="{FF2B5EF4-FFF2-40B4-BE49-F238E27FC236}">
-                <a16:creationId xmlns:a16="http://schemas.microsoft.com/office/drawing/2014/main" id="{F3FBD36D-1C35-42CA-9476-4D6D6EF4D6FD}"/>
-              </a:ext>
-            </a:extLst>
-          </p:cNvPr>
-          <p:cNvSpPr>
-            <a:spLocks noGrp="1"/>
-          </p:cNvSpPr>
-          <p:nvPr>
-            <p:ph sz="half" idx="2"/>
-          </p:nvPr>
-        </p:nvSpPr>
-        <p:spPr/>
-        <p:txBody>
-          <a:bodyPr>
-            <a:normAutofit fontScale="70000" lnSpcReduction="20000"/>
-          </a:bodyPr>
-          <a:lstStyle/>
-          <a:p>
-            <a:r>
-              <a:rPr lang="en-US" dirty="0"/>
-              <a:t>Activities Performed (</a:t>
-            </a:r>
-            <a:r>
-              <a:rPr lang="en-US" dirty="0">
-                <a:hlinkClick r:id="rId2"/>
-              </a:rPr>
-              <a:t>video</a:t>
-            </a:r>
-            <a:r>
-              <a:rPr lang="en-US" dirty="0"/>
-              <a:t>)</a:t>
-            </a:r>
-          </a:p>
-          <a:p>
-            <a:pPr lvl="1"/>
-            <a:r>
-              <a:rPr lang="en-US" dirty="0"/>
-              <a:t>Static Postures</a:t>
-            </a:r>
-          </a:p>
-          <a:p>
-            <a:pPr marL="1200150" lvl="2" indent="-285750"/>
-            <a:r>
-              <a:rPr lang="en-US" dirty="0"/>
-              <a:t>standing</a:t>
-            </a:r>
-          </a:p>
-          <a:p>
-            <a:pPr marL="1200150" lvl="2" indent="-285750"/>
-            <a:r>
-              <a:rPr lang="en-US" dirty="0"/>
-              <a:t>sitting</a:t>
-            </a:r>
-          </a:p>
-          <a:p>
-            <a:pPr marL="1200150" lvl="2" indent="-285750"/>
-            <a:r>
-              <a:rPr lang="en-US" dirty="0"/>
-              <a:t>lying</a:t>
-            </a:r>
-          </a:p>
-          <a:p>
-            <a:pPr lvl="1"/>
-            <a:r>
-              <a:rPr lang="en-US" dirty="0"/>
-              <a:t>Dynamic Activities</a:t>
-            </a:r>
-          </a:p>
-          <a:p>
-            <a:pPr marL="1200150" lvl="2" indent="-285750"/>
-            <a:r>
-              <a:rPr lang="en-US" dirty="0"/>
-              <a:t>walking</a:t>
-            </a:r>
-          </a:p>
-          <a:p>
-            <a:pPr marL="1200150" lvl="2" indent="-285750"/>
-            <a:r>
-              <a:rPr lang="en-US" dirty="0"/>
-              <a:t>walking downstairs</a:t>
-            </a:r>
-          </a:p>
-          <a:p>
-            <a:pPr marL="1200150" lvl="2" indent="-285750"/>
-            <a:r>
-              <a:rPr lang="en-US" dirty="0"/>
-              <a:t>walking upstairs</a:t>
-            </a:r>
-          </a:p>
-          <a:p>
-            <a:pPr lvl="1"/>
-            <a:r>
-              <a:rPr lang="en-US" dirty="0"/>
-              <a:t>Postural Transitions</a:t>
-            </a:r>
-          </a:p>
-          <a:p>
-            <a:pPr marL="1200150" lvl="2" indent="-285750"/>
-            <a:r>
-              <a:rPr lang="en-US" dirty="0"/>
-              <a:t>stand to sit</a:t>
-            </a:r>
-          </a:p>
-          <a:p>
-            <a:pPr marL="1200150" lvl="2" indent="-285750"/>
-            <a:r>
-              <a:rPr lang="en-US" dirty="0"/>
-              <a:t>sit to stand</a:t>
-            </a:r>
-          </a:p>
-          <a:p>
-            <a:pPr marL="1200150" lvl="2" indent="-285750"/>
-            <a:r>
-              <a:rPr lang="en-US" dirty="0"/>
-              <a:t>sit to lie</a:t>
-            </a:r>
-          </a:p>
-          <a:p>
-            <a:pPr marL="1200150" lvl="2" indent="-285750"/>
-            <a:r>
-              <a:rPr lang="en-US" dirty="0"/>
-              <a:t>lie to sit</a:t>
-            </a:r>
-          </a:p>
-          <a:p>
-            <a:pPr marL="1200150" lvl="2" indent="-285750"/>
-            <a:r>
-              <a:rPr lang="en-US" dirty="0"/>
-              <a:t>stand to lie</a:t>
-            </a:r>
-          </a:p>
-          <a:p>
-            <a:pPr marL="1200150" lvl="2" indent="-285750"/>
-            <a:r>
-              <a:rPr lang="en-US" dirty="0"/>
-              <a:t>lie to stand</a:t>
-            </a:r>
-          </a:p>
-          <a:p>
-            <a:endParaRPr lang="en-US" dirty="0"/>
-          </a:p>
-        </p:txBody>
-      </p:sp>
+        </p:nvGraphicFramePr>
+        <p:xfrm>
+          <a:off x="411262" y="1621785"/>
+          <a:ext cx="11265932" cy="4879643"/>
+        </p:xfrm>
+        <a:graphic>
+          <a:graphicData uri="http://schemas.openxmlformats.org/drawingml/2006/diagram">
+            <dgm:relIds xmlns:dgm="http://schemas.openxmlformats.org/drawingml/2006/diagram" xmlns:r="http://schemas.openxmlformats.org/officeDocument/2006/relationships" r:dm="rId2" r:lo="rId3" r:qs="rId4" r:cs="rId5"/>
+          </a:graphicData>
+        </a:graphic>
+      </p:graphicFrame>
     </p:spTree>
     <p:extLst>
       <p:ext uri="{BB962C8B-B14F-4D97-AF65-F5344CB8AC3E}">
@@ -6595,14 +13493,19 @@
             <p:ph type="title"/>
           </p:nvPr>
         </p:nvSpPr>
-        <p:spPr/>
+        <p:spPr>
+          <a:xfrm>
+            <a:off x="646111" y="308754"/>
+            <a:ext cx="9404723" cy="918017"/>
+          </a:xfrm>
+        </p:spPr>
         <p:txBody>
           <a:bodyPr/>
           <a:lstStyle/>
           <a:p>
             <a:r>
               <a:rPr lang="en-US" dirty="0"/>
-              <a:t>Dataset Information</a:t>
+              <a:t>Experiment Data</a:t>
             </a:r>
           </a:p>
         </p:txBody>
@@ -6625,7 +13528,7 @@
         </p:nvSpPr>
         <p:spPr>
           <a:xfrm>
-            <a:off x="6297614" y="1687513"/>
+            <a:off x="711198" y="4191192"/>
             <a:ext cx="5157787" cy="435504"/>
           </a:xfrm>
         </p:spPr>
@@ -6658,13 +13561,13 @@
         </p:nvSpPr>
         <p:spPr>
           <a:xfrm>
-            <a:off x="6297614" y="2151592"/>
-            <a:ext cx="5157787" cy="3684588"/>
+            <a:off x="711197" y="4745834"/>
+            <a:ext cx="5157787" cy="1832387"/>
           </a:xfrm>
         </p:spPr>
         <p:txBody>
           <a:bodyPr>
-            <a:normAutofit fontScale="92500" lnSpcReduction="10000"/>
+            <a:normAutofit/>
           </a:bodyPr>
           <a:lstStyle/>
           <a:p>
@@ -6705,7 +13608,7 @@
         </p:nvSpPr>
         <p:spPr>
           <a:xfrm>
-            <a:off x="711200" y="1690688"/>
+            <a:off x="711199" y="1195972"/>
             <a:ext cx="5183188" cy="435504"/>
           </a:xfrm>
         </p:spPr>
@@ -6715,80 +13618,39 @@
           <a:p>
             <a:r>
               <a:rPr lang="en-US" dirty="0"/>
-              <a:t>Pre-Processing</a:t>
+              <a:t>Data Capture &amp; Pre-Processing</a:t>
             </a:r>
           </a:p>
         </p:txBody>
       </p:sp>
-      <p:sp>
-        <p:nvSpPr>
-          <p:cNvPr id="4" name="Content Placeholder 3">
+      <p:graphicFrame>
+        <p:nvGraphicFramePr>
+          <p:cNvPr id="10" name="Diagram 9">
             <a:extLst>
               <a:ext uri="{FF2B5EF4-FFF2-40B4-BE49-F238E27FC236}">
-                <a16:creationId xmlns:a16="http://schemas.microsoft.com/office/drawing/2014/main" id="{71DE36E2-F68F-40EB-86AE-0762DA0C4762}"/>
+                <a16:creationId xmlns:a16="http://schemas.microsoft.com/office/drawing/2014/main" id="{61C2FB37-5242-417B-BB17-6078E8B04E40}"/>
               </a:ext>
             </a:extLst>
           </p:cNvPr>
-          <p:cNvSpPr>
-            <a:spLocks noGrp="1"/>
-          </p:cNvSpPr>
+          <p:cNvGraphicFramePr/>
           <p:nvPr>
-            <p:ph sz="quarter" idx="4"/>
+            <p:extLst>
+              <p:ext uri="{D42A27DB-BD31-4B8C-83A1-F6EECF244321}">
+                <p14:modId xmlns:p14="http://schemas.microsoft.com/office/powerpoint/2010/main" val="2738371870"/>
+              </p:ext>
+            </p:extLst>
           </p:nvPr>
-        </p:nvSpPr>
-        <p:spPr>
-          <a:xfrm>
-            <a:off x="708024" y="2154767"/>
-            <a:ext cx="5183188" cy="3684588"/>
-          </a:xfrm>
-        </p:spPr>
-        <p:txBody>
-          <a:bodyPr>
-            <a:normAutofit fontScale="92500" lnSpcReduction="10000"/>
-          </a:bodyPr>
-          <a:lstStyle/>
-          <a:p>
-            <a:r>
-              <a:rPr lang="en-US" dirty="0"/>
-              <a:t>Filter raw accelerometer and gyroscope data with 20Hz high-pass noise filter</a:t>
-            </a:r>
-          </a:p>
-          <a:p>
-            <a:r>
-              <a:rPr lang="en-US" dirty="0"/>
-              <a:t>Observations were recorded at 50Hz (50 data points per second)</a:t>
-            </a:r>
-          </a:p>
-          <a:p>
-            <a:r>
-              <a:rPr lang="en-US" dirty="0"/>
-              <a:t>Split observations into fixed time step windows of 2.56 seconds</a:t>
-            </a:r>
-          </a:p>
-          <a:p>
-            <a:r>
-              <a:rPr lang="en-US" dirty="0"/>
-              <a:t>Split accelerometer data into gravitational and body motion components</a:t>
-            </a:r>
-          </a:p>
-          <a:p>
-            <a:r>
-              <a:rPr lang="en-US" dirty="0"/>
-              <a:t>Engineering of time and frequency features commonly used in the field of human activity recognition</a:t>
-            </a:r>
-          </a:p>
-          <a:p>
-            <a:r>
-              <a:rPr lang="en-US" dirty="0"/>
-              <a:t>All features are scaled: 0 mean, 1 variance</a:t>
-            </a:r>
-          </a:p>
-          <a:p>
-            <a:pPr lvl="1"/>
-            <a:endParaRPr lang="en-US" dirty="0"/>
-          </a:p>
-        </p:txBody>
-      </p:sp>
+        </p:nvGraphicFramePr>
+        <p:xfrm>
+          <a:off x="433839" y="1314166"/>
+          <a:ext cx="10374030" cy="3094778"/>
+        </p:xfrm>
+        <a:graphic>
+          <a:graphicData uri="http://schemas.openxmlformats.org/drawingml/2006/diagram">
+            <dgm:relIds xmlns:dgm="http://schemas.openxmlformats.org/drawingml/2006/diagram" xmlns:r="http://schemas.openxmlformats.org/officeDocument/2006/relationships" r:dm="rId2" r:lo="rId3" r:qs="rId4" r:cs="rId5"/>
+          </a:graphicData>
+        </a:graphic>
+      </p:graphicFrame>
     </p:spTree>
     <p:extLst>
       <p:ext uri="{BB962C8B-B14F-4D97-AF65-F5344CB8AC3E}">
@@ -6803,6 +13665,723 @@
 </file>
 
 <file path=ppt/slides/slide5.xml><?xml version="1.0" encoding="utf-8"?>
+<p:sld xmlns:a="http://schemas.openxmlformats.org/drawingml/2006/main" xmlns:r="http://schemas.openxmlformats.org/officeDocument/2006/relationships" xmlns:p="http://schemas.openxmlformats.org/presentationml/2006/main">
+  <p:cSld>
+    <p:spTree>
+      <p:nvGrpSpPr>
+        <p:cNvPr id="1" name=""/>
+        <p:cNvGrpSpPr/>
+        <p:nvPr/>
+      </p:nvGrpSpPr>
+      <p:grpSpPr>
+        <a:xfrm>
+          <a:off x="0" y="0"/>
+          <a:ext cx="0" cy="0"/>
+          <a:chOff x="0" y="0"/>
+          <a:chExt cx="0" cy="0"/>
+        </a:xfrm>
+      </p:grpSpPr>
+      <p:sp>
+        <p:nvSpPr>
+          <p:cNvPr id="2" name="Title 1">
+            <a:extLst>
+              <a:ext uri="{FF2B5EF4-FFF2-40B4-BE49-F238E27FC236}">
+                <a16:creationId xmlns:a16="http://schemas.microsoft.com/office/drawing/2014/main" id="{AFC7DD29-9EC5-49CD-A6C9-5F1A215A4163}"/>
+              </a:ext>
+            </a:extLst>
+          </p:cNvPr>
+          <p:cNvSpPr>
+            <a:spLocks noGrp="1"/>
+          </p:cNvSpPr>
+          <p:nvPr>
+            <p:ph type="title"/>
+          </p:nvPr>
+        </p:nvSpPr>
+        <p:spPr/>
+        <p:txBody>
+          <a:bodyPr/>
+          <a:lstStyle/>
+          <a:p>
+            <a:r>
+              <a:rPr lang="en-US" dirty="0"/>
+              <a:t>Experiment Activities</a:t>
+            </a:r>
+          </a:p>
+        </p:txBody>
+      </p:sp>
+      <p:sp>
+        <p:nvSpPr>
+          <p:cNvPr id="3" name="Content Placeholder 3">
+            <a:extLst>
+              <a:ext uri="{FF2B5EF4-FFF2-40B4-BE49-F238E27FC236}">
+                <a16:creationId xmlns:a16="http://schemas.microsoft.com/office/drawing/2014/main" id="{3344F7E4-8A10-4D84-A511-710591264E30}"/>
+              </a:ext>
+            </a:extLst>
+          </p:cNvPr>
+          <p:cNvSpPr txBox="1">
+            <a:spLocks/>
+          </p:cNvSpPr>
+          <p:nvPr/>
+        </p:nvSpPr>
+        <p:spPr>
+          <a:xfrm>
+            <a:off x="742462" y="1513010"/>
+            <a:ext cx="5120677" cy="4892272"/>
+          </a:xfrm>
+          <a:prstGeom prst="rect">
+            <a:avLst/>
+          </a:prstGeom>
+        </p:spPr>
+        <p:txBody>
+          <a:bodyPr>
+            <a:normAutofit fontScale="85000" lnSpcReduction="20000"/>
+          </a:bodyPr>
+          <a:lstStyle>
+            <a:lvl1pPr marL="342900" indent="-342900" algn="l" defTabSz="457200" rtl="0" eaLnBrk="1" latinLnBrk="0" hangingPunct="1">
+              <a:spcBef>
+                <a:spcPts val="1000"/>
+              </a:spcBef>
+              <a:spcAft>
+                <a:spcPts val="0"/>
+              </a:spcAft>
+              <a:buClr>
+                <a:schemeClr val="bg2">
+                  <a:lumMod val="40000"/>
+                  <a:lumOff val="60000"/>
+                </a:schemeClr>
+              </a:buClr>
+              <a:buSzPct val="80000"/>
+              <a:buFont typeface="Wingdings 3" charset="2"/>
+              <a:buChar char=""/>
+              <a:defRPr sz="2000" b="0" i="0" kern="1200">
+                <a:solidFill>
+                  <a:schemeClr val="tx1"/>
+                </a:solidFill>
+                <a:latin typeface="+mj-lt"/>
+                <a:ea typeface="+mj-ea"/>
+                <a:cs typeface="+mj-cs"/>
+              </a:defRPr>
+            </a:lvl1pPr>
+            <a:lvl2pPr marL="742950" indent="-285750" algn="l" defTabSz="457200" rtl="0" eaLnBrk="1" latinLnBrk="0" hangingPunct="1">
+              <a:spcBef>
+                <a:spcPts val="1000"/>
+              </a:spcBef>
+              <a:spcAft>
+                <a:spcPts val="0"/>
+              </a:spcAft>
+              <a:buClr>
+                <a:schemeClr val="bg2">
+                  <a:lumMod val="40000"/>
+                  <a:lumOff val="60000"/>
+                </a:schemeClr>
+              </a:buClr>
+              <a:buSzPct val="80000"/>
+              <a:buFont typeface="Wingdings 3" charset="2"/>
+              <a:buChar char=""/>
+              <a:defRPr sz="1800" b="0" i="0" kern="1200">
+                <a:solidFill>
+                  <a:schemeClr val="tx1"/>
+                </a:solidFill>
+                <a:latin typeface="+mj-lt"/>
+                <a:ea typeface="+mj-ea"/>
+                <a:cs typeface="+mj-cs"/>
+              </a:defRPr>
+            </a:lvl2pPr>
+            <a:lvl3pPr marL="1143000" indent="-228600" algn="l" defTabSz="457200" rtl="0" eaLnBrk="1" latinLnBrk="0" hangingPunct="1">
+              <a:spcBef>
+                <a:spcPts val="1000"/>
+              </a:spcBef>
+              <a:spcAft>
+                <a:spcPts val="0"/>
+              </a:spcAft>
+              <a:buClr>
+                <a:schemeClr val="bg2">
+                  <a:lumMod val="40000"/>
+                  <a:lumOff val="60000"/>
+                </a:schemeClr>
+              </a:buClr>
+              <a:buSzPct val="80000"/>
+              <a:buFont typeface="Wingdings 3" charset="2"/>
+              <a:buChar char=""/>
+              <a:defRPr sz="1600" b="0" i="0" kern="1200">
+                <a:solidFill>
+                  <a:schemeClr val="tx1"/>
+                </a:solidFill>
+                <a:latin typeface="+mj-lt"/>
+                <a:ea typeface="+mj-ea"/>
+                <a:cs typeface="+mj-cs"/>
+              </a:defRPr>
+            </a:lvl3pPr>
+            <a:lvl4pPr marL="1600200" indent="-228600" algn="l" defTabSz="457200" rtl="0" eaLnBrk="1" latinLnBrk="0" hangingPunct="1">
+              <a:spcBef>
+                <a:spcPts val="1000"/>
+              </a:spcBef>
+              <a:spcAft>
+                <a:spcPts val="0"/>
+              </a:spcAft>
+              <a:buClr>
+                <a:schemeClr val="bg2">
+                  <a:lumMod val="40000"/>
+                  <a:lumOff val="60000"/>
+                </a:schemeClr>
+              </a:buClr>
+              <a:buSzPct val="80000"/>
+              <a:buFont typeface="Wingdings 3" charset="2"/>
+              <a:buChar char=""/>
+              <a:defRPr sz="1400" b="0" i="0" kern="1200">
+                <a:solidFill>
+                  <a:schemeClr val="tx1"/>
+                </a:solidFill>
+                <a:latin typeface="+mj-lt"/>
+                <a:ea typeface="+mj-ea"/>
+                <a:cs typeface="+mj-cs"/>
+              </a:defRPr>
+            </a:lvl4pPr>
+            <a:lvl5pPr marL="2057400" indent="-228600" algn="l" defTabSz="457200" rtl="0" eaLnBrk="1" latinLnBrk="0" hangingPunct="1">
+              <a:spcBef>
+                <a:spcPts val="1000"/>
+              </a:spcBef>
+              <a:spcAft>
+                <a:spcPts val="0"/>
+              </a:spcAft>
+              <a:buClr>
+                <a:schemeClr val="bg2">
+                  <a:lumMod val="40000"/>
+                  <a:lumOff val="60000"/>
+                </a:schemeClr>
+              </a:buClr>
+              <a:buSzPct val="80000"/>
+              <a:buFont typeface="Wingdings 3" charset="2"/>
+              <a:buChar char=""/>
+              <a:defRPr sz="1400" b="0" i="0" kern="1200">
+                <a:solidFill>
+                  <a:schemeClr val="tx1"/>
+                </a:solidFill>
+                <a:latin typeface="+mj-lt"/>
+                <a:ea typeface="+mj-ea"/>
+                <a:cs typeface="+mj-cs"/>
+              </a:defRPr>
+            </a:lvl5pPr>
+            <a:lvl6pPr marL="2506000" indent="-228600" algn="l" defTabSz="457200" rtl="0" eaLnBrk="1" latinLnBrk="0" hangingPunct="1">
+              <a:spcBef>
+                <a:spcPts val="1000"/>
+              </a:spcBef>
+              <a:spcAft>
+                <a:spcPts val="0"/>
+              </a:spcAft>
+              <a:buClr>
+                <a:schemeClr val="bg2">
+                  <a:lumMod val="40000"/>
+                  <a:lumOff val="60000"/>
+                </a:schemeClr>
+              </a:buClr>
+              <a:buSzPct val="80000"/>
+              <a:buFont typeface="Wingdings 3" charset="2"/>
+              <a:buChar char=""/>
+              <a:defRPr sz="1400" b="0" i="0" kern="1200">
+                <a:solidFill>
+                  <a:schemeClr val="tx1"/>
+                </a:solidFill>
+                <a:latin typeface="+mj-lt"/>
+                <a:ea typeface="+mj-ea"/>
+                <a:cs typeface="+mj-cs"/>
+              </a:defRPr>
+            </a:lvl6pPr>
+            <a:lvl7pPr marL="2971800" indent="-228600" algn="l" defTabSz="457200" rtl="0" eaLnBrk="1" latinLnBrk="0" hangingPunct="1">
+              <a:spcBef>
+                <a:spcPts val="1000"/>
+              </a:spcBef>
+              <a:spcAft>
+                <a:spcPts val="0"/>
+              </a:spcAft>
+              <a:buClr>
+                <a:schemeClr val="bg2">
+                  <a:lumMod val="40000"/>
+                  <a:lumOff val="60000"/>
+                </a:schemeClr>
+              </a:buClr>
+              <a:buSzPct val="80000"/>
+              <a:buFont typeface="Wingdings 3" charset="2"/>
+              <a:buChar char=""/>
+              <a:defRPr sz="1400" b="0" i="0" kern="1200">
+                <a:solidFill>
+                  <a:schemeClr val="tx1"/>
+                </a:solidFill>
+                <a:latin typeface="+mj-lt"/>
+                <a:ea typeface="+mj-ea"/>
+                <a:cs typeface="+mj-cs"/>
+              </a:defRPr>
+            </a:lvl7pPr>
+            <a:lvl8pPr marL="3429000" indent="-228600" algn="l" defTabSz="457200" rtl="0" eaLnBrk="1" latinLnBrk="0" hangingPunct="1">
+              <a:spcBef>
+                <a:spcPts val="1000"/>
+              </a:spcBef>
+              <a:spcAft>
+                <a:spcPts val="0"/>
+              </a:spcAft>
+              <a:buClr>
+                <a:schemeClr val="bg2">
+                  <a:lumMod val="40000"/>
+                  <a:lumOff val="60000"/>
+                </a:schemeClr>
+              </a:buClr>
+              <a:buSzPct val="80000"/>
+              <a:buFont typeface="Wingdings 3" charset="2"/>
+              <a:buChar char=""/>
+              <a:defRPr sz="1400" b="0" i="0" kern="1200">
+                <a:solidFill>
+                  <a:schemeClr val="tx1"/>
+                </a:solidFill>
+                <a:latin typeface="+mj-lt"/>
+                <a:ea typeface="+mj-ea"/>
+                <a:cs typeface="+mj-cs"/>
+              </a:defRPr>
+            </a:lvl8pPr>
+            <a:lvl9pPr marL="3886200" indent="-228600" algn="l" defTabSz="457200" rtl="0" eaLnBrk="1" latinLnBrk="0" hangingPunct="1">
+              <a:spcBef>
+                <a:spcPts val="1000"/>
+              </a:spcBef>
+              <a:spcAft>
+                <a:spcPts val="0"/>
+              </a:spcAft>
+              <a:buClr>
+                <a:schemeClr val="bg2">
+                  <a:lumMod val="40000"/>
+                  <a:lumOff val="60000"/>
+                </a:schemeClr>
+              </a:buClr>
+              <a:buSzPct val="80000"/>
+              <a:buFont typeface="Wingdings 3" charset="2"/>
+              <a:buChar char=""/>
+              <a:defRPr sz="1400" b="0" i="0" kern="1200">
+                <a:solidFill>
+                  <a:schemeClr val="tx1"/>
+                </a:solidFill>
+                <a:latin typeface="+mj-lt"/>
+                <a:ea typeface="+mj-ea"/>
+                <a:cs typeface="+mj-cs"/>
+              </a:defRPr>
+            </a:lvl9pPr>
+          </a:lstStyle>
+          <a:p>
+            <a:r>
+              <a:rPr lang="en-US" dirty="0"/>
+              <a:t>Activities Performed (</a:t>
+            </a:r>
+            <a:r>
+              <a:rPr lang="en-US" dirty="0">
+                <a:hlinkClick r:id="rId2"/>
+              </a:rPr>
+              <a:t>video</a:t>
+            </a:r>
+            <a:r>
+              <a:rPr lang="en-US" dirty="0"/>
+              <a:t>)</a:t>
+            </a:r>
+          </a:p>
+          <a:p>
+            <a:pPr lvl="1"/>
+            <a:r>
+              <a:rPr lang="en-US" dirty="0"/>
+              <a:t>Static Postures</a:t>
+            </a:r>
+          </a:p>
+          <a:p>
+            <a:pPr marL="1200150" lvl="2" indent="-285750"/>
+            <a:r>
+              <a:rPr lang="en-US" dirty="0"/>
+              <a:t>standing</a:t>
+            </a:r>
+          </a:p>
+          <a:p>
+            <a:pPr marL="1200150" lvl="2" indent="-285750"/>
+            <a:r>
+              <a:rPr lang="en-US" dirty="0"/>
+              <a:t>sitting</a:t>
+            </a:r>
+          </a:p>
+          <a:p>
+            <a:pPr marL="1200150" lvl="2" indent="-285750"/>
+            <a:r>
+              <a:rPr lang="en-US" dirty="0"/>
+              <a:t>lying</a:t>
+            </a:r>
+          </a:p>
+          <a:p>
+            <a:pPr lvl="1"/>
+            <a:r>
+              <a:rPr lang="en-US" dirty="0"/>
+              <a:t>Dynamic Activities</a:t>
+            </a:r>
+          </a:p>
+          <a:p>
+            <a:pPr marL="1200150" lvl="2" indent="-285750"/>
+            <a:r>
+              <a:rPr lang="en-US" dirty="0"/>
+              <a:t>walking</a:t>
+            </a:r>
+          </a:p>
+          <a:p>
+            <a:pPr marL="1200150" lvl="2" indent="-285750"/>
+            <a:r>
+              <a:rPr lang="en-US" dirty="0"/>
+              <a:t>walking downstairs</a:t>
+            </a:r>
+          </a:p>
+          <a:p>
+            <a:pPr marL="1200150" lvl="2" indent="-285750"/>
+            <a:r>
+              <a:rPr lang="en-US" dirty="0"/>
+              <a:t>walking upstairs</a:t>
+            </a:r>
+          </a:p>
+          <a:p>
+            <a:pPr lvl="1"/>
+            <a:r>
+              <a:rPr lang="en-US" dirty="0"/>
+              <a:t>Postural Transitions</a:t>
+            </a:r>
+          </a:p>
+          <a:p>
+            <a:pPr marL="1200150" lvl="2" indent="-285750"/>
+            <a:r>
+              <a:rPr lang="en-US" dirty="0"/>
+              <a:t>stand to sit</a:t>
+            </a:r>
+          </a:p>
+          <a:p>
+            <a:pPr marL="1200150" lvl="2" indent="-285750"/>
+            <a:r>
+              <a:rPr lang="en-US" dirty="0"/>
+              <a:t>sit to stand</a:t>
+            </a:r>
+          </a:p>
+          <a:p>
+            <a:pPr marL="1200150" lvl="2" indent="-285750"/>
+            <a:r>
+              <a:rPr lang="en-US" dirty="0"/>
+              <a:t>sit to lie</a:t>
+            </a:r>
+          </a:p>
+          <a:p>
+            <a:pPr marL="1200150" lvl="2" indent="-285750"/>
+            <a:r>
+              <a:rPr lang="en-US" dirty="0"/>
+              <a:t>lie to sit</a:t>
+            </a:r>
+          </a:p>
+          <a:p>
+            <a:pPr marL="1200150" lvl="2" indent="-285750"/>
+            <a:r>
+              <a:rPr lang="en-US" dirty="0"/>
+              <a:t>stand to lie</a:t>
+            </a:r>
+          </a:p>
+          <a:p>
+            <a:pPr marL="1200150" lvl="2" indent="-285750"/>
+            <a:r>
+              <a:rPr lang="en-US" dirty="0"/>
+              <a:t>lie to stand</a:t>
+            </a:r>
+          </a:p>
+          <a:p>
+            <a:endParaRPr lang="en-US" dirty="0"/>
+          </a:p>
+        </p:txBody>
+      </p:sp>
+      <p:pic>
+        <p:nvPicPr>
+          <p:cNvPr id="4" name="Picture 3" descr="A picture containing dark, night sky&#10;&#10;Description automatically generated">
+            <a:extLst>
+              <a:ext uri="{FF2B5EF4-FFF2-40B4-BE49-F238E27FC236}">
+                <a16:creationId xmlns:a16="http://schemas.microsoft.com/office/drawing/2014/main" id="{84345128-922D-49FB-918E-CB428594F92A}"/>
+              </a:ext>
+            </a:extLst>
+          </p:cNvPr>
+          <p:cNvPicPr>
+            <a:picLocks noChangeAspect="1"/>
+          </p:cNvPicPr>
+          <p:nvPr/>
+        </p:nvPicPr>
+        <p:blipFill>
+          <a:blip r:embed="rId3">
+            <a:extLst>
+              <a:ext uri="{28A0092B-C50C-407E-A947-70E740481C1C}">
+                <a14:useLocalDpi xmlns:a14="http://schemas.microsoft.com/office/drawing/2010/main" val="0"/>
+              </a:ext>
+            </a:extLst>
+          </a:blip>
+          <a:stretch>
+            <a:fillRect/>
+          </a:stretch>
+        </p:blipFill>
+        <p:spPr>
+          <a:xfrm>
+            <a:off x="4983418" y="2189443"/>
+            <a:ext cx="6060503" cy="3638217"/>
+          </a:xfrm>
+          <a:prstGeom prst="rect">
+            <a:avLst/>
+          </a:prstGeom>
+          <a:effectLst>
+            <a:glow rad="63500">
+              <a:schemeClr val="accent5">
+                <a:satMod val="175000"/>
+                <a:alpha val="40000"/>
+              </a:schemeClr>
+            </a:glow>
+            <a:outerShdw blurRad="76200" dir="13500000" sy="23000" kx="1200000" algn="br" rotWithShape="0">
+              <a:prstClr val="black">
+                <a:alpha val="20000"/>
+              </a:prstClr>
+            </a:outerShdw>
+          </a:effectLst>
+          <a:scene3d>
+            <a:camera prst="orthographicFront">
+              <a:rot lat="0" lon="0" rev="0"/>
+            </a:camera>
+            <a:lightRig rig="sunrise" dir="t">
+              <a:rot lat="0" lon="0" rev="0"/>
+            </a:lightRig>
+          </a:scene3d>
+          <a:sp3d prstMaterial="plastic"/>
+        </p:spPr>
+      </p:pic>
+    </p:spTree>
+    <p:extLst>
+      <p:ext uri="{BB962C8B-B14F-4D97-AF65-F5344CB8AC3E}">
+        <p14:creationId xmlns:p14="http://schemas.microsoft.com/office/powerpoint/2010/main" val="3394083746"/>
+      </p:ext>
+    </p:extLst>
+  </p:cSld>
+  <p:clrMapOvr>
+    <a:masterClrMapping/>
+  </p:clrMapOvr>
+</p:sld>
+</file>
+
+<file path=ppt/slides/slide6.xml><?xml version="1.0" encoding="utf-8"?>
+<p:sld xmlns:a="http://schemas.openxmlformats.org/drawingml/2006/main" xmlns:r="http://schemas.openxmlformats.org/officeDocument/2006/relationships" xmlns:p="http://schemas.openxmlformats.org/presentationml/2006/main">
+  <p:cSld>
+    <p:spTree>
+      <p:nvGrpSpPr>
+        <p:cNvPr id="1" name=""/>
+        <p:cNvGrpSpPr/>
+        <p:nvPr/>
+      </p:nvGrpSpPr>
+      <p:grpSpPr>
+        <a:xfrm>
+          <a:off x="0" y="0"/>
+          <a:ext cx="0" cy="0"/>
+          <a:chOff x="0" y="0"/>
+          <a:chExt cx="0" cy="0"/>
+        </a:xfrm>
+      </p:grpSpPr>
+      <p:sp>
+        <p:nvSpPr>
+          <p:cNvPr id="2" name="Title 1">
+            <a:extLst>
+              <a:ext uri="{FF2B5EF4-FFF2-40B4-BE49-F238E27FC236}">
+                <a16:creationId xmlns:a16="http://schemas.microsoft.com/office/drawing/2014/main" id="{8A49C76B-B4EA-4A81-8601-BFDBB5B9E795}"/>
+              </a:ext>
+            </a:extLst>
+          </p:cNvPr>
+          <p:cNvSpPr>
+            <a:spLocks noGrp="1"/>
+          </p:cNvSpPr>
+          <p:nvPr>
+            <p:ph type="title"/>
+          </p:nvPr>
+        </p:nvSpPr>
+        <p:spPr/>
+        <p:txBody>
+          <a:bodyPr/>
+          <a:lstStyle/>
+          <a:p>
+            <a:r>
+              <a:rPr lang="en-US" dirty="0"/>
+              <a:t>Exploratory Data Analysis</a:t>
+            </a:r>
+            <a:br>
+              <a:rPr lang="en-US" dirty="0"/>
+            </a:br>
+            <a:r>
+              <a:rPr lang="en-US" sz="2800" dirty="0"/>
+              <a:t>visualizing people in motion</a:t>
+            </a:r>
+            <a:endParaRPr lang="en-US" dirty="0"/>
+          </a:p>
+        </p:txBody>
+      </p:sp>
+      <p:sp>
+        <p:nvSpPr>
+          <p:cNvPr id="3" name="Text Placeholder 2">
+            <a:extLst>
+              <a:ext uri="{FF2B5EF4-FFF2-40B4-BE49-F238E27FC236}">
+                <a16:creationId xmlns:a16="http://schemas.microsoft.com/office/drawing/2014/main" id="{7D4DB0CE-FB6B-4505-BDCA-7240B558F50E}"/>
+              </a:ext>
+            </a:extLst>
+          </p:cNvPr>
+          <p:cNvSpPr>
+            <a:spLocks noGrp="1"/>
+          </p:cNvSpPr>
+          <p:nvPr>
+            <p:ph type="body" idx="1"/>
+          </p:nvPr>
+        </p:nvSpPr>
+        <p:spPr>
+          <a:xfrm>
+            <a:off x="238082" y="1905000"/>
+            <a:ext cx="4396338" cy="576262"/>
+          </a:xfrm>
+        </p:spPr>
+        <p:txBody>
+          <a:bodyPr/>
+          <a:lstStyle/>
+          <a:p>
+            <a:r>
+              <a:rPr lang="en-US" dirty="0"/>
+              <a:t>Person 8</a:t>
+            </a:r>
+          </a:p>
+        </p:txBody>
+      </p:sp>
+      <p:pic>
+        <p:nvPicPr>
+          <p:cNvPr id="8" name="Content Placeholder 7">
+            <a:extLst>
+              <a:ext uri="{FF2B5EF4-FFF2-40B4-BE49-F238E27FC236}">
+                <a16:creationId xmlns:a16="http://schemas.microsoft.com/office/drawing/2014/main" id="{3D7B798E-CADD-4A78-8E98-052806D22CFC}"/>
+              </a:ext>
+            </a:extLst>
+          </p:cNvPr>
+          <p:cNvPicPr>
+            <a:picLocks noGrp="1" noChangeAspect="1"/>
+          </p:cNvPicPr>
+          <p:nvPr>
+            <p:ph sz="half" idx="2"/>
+          </p:nvPr>
+        </p:nvPicPr>
+        <p:blipFill>
+          <a:blip r:embed="rId2"/>
+          <a:stretch>
+            <a:fillRect/>
+          </a:stretch>
+        </p:blipFill>
+        <p:spPr>
+          <a:xfrm>
+            <a:off x="238082" y="2678217"/>
+            <a:ext cx="5762927" cy="3212004"/>
+          </a:xfrm>
+          <a:prstGeom prst="rect">
+            <a:avLst/>
+          </a:prstGeom>
+          <a:ln>
+            <a:noFill/>
+          </a:ln>
+          <a:effectLst>
+            <a:outerShdw blurRad="190500" algn="tl" rotWithShape="0">
+              <a:srgbClr val="000000">
+                <a:alpha val="70000"/>
+              </a:srgbClr>
+            </a:outerShdw>
+          </a:effectLst>
+        </p:spPr>
+      </p:pic>
+      <p:sp>
+        <p:nvSpPr>
+          <p:cNvPr id="5" name="Text Placeholder 4">
+            <a:extLst>
+              <a:ext uri="{FF2B5EF4-FFF2-40B4-BE49-F238E27FC236}">
+                <a16:creationId xmlns:a16="http://schemas.microsoft.com/office/drawing/2014/main" id="{DB761B06-17BE-4DC1-A23E-32B9F62531C4}"/>
+              </a:ext>
+            </a:extLst>
+          </p:cNvPr>
+          <p:cNvSpPr>
+            <a:spLocks noGrp="1"/>
+          </p:cNvSpPr>
+          <p:nvPr>
+            <p:ph type="body" sz="quarter" idx="3"/>
+          </p:nvPr>
+        </p:nvSpPr>
+        <p:spPr>
+          <a:xfrm>
+            <a:off x="6096000" y="1905000"/>
+            <a:ext cx="4396339" cy="576262"/>
+          </a:xfrm>
+        </p:spPr>
+        <p:txBody>
+          <a:bodyPr/>
+          <a:lstStyle/>
+          <a:p>
+            <a:r>
+              <a:rPr lang="en-US" dirty="0"/>
+              <a:t>Person 21</a:t>
+            </a:r>
+          </a:p>
+        </p:txBody>
+      </p:sp>
+      <p:pic>
+        <p:nvPicPr>
+          <p:cNvPr id="10" name="Content Placeholder 9">
+            <a:extLst>
+              <a:ext uri="{FF2B5EF4-FFF2-40B4-BE49-F238E27FC236}">
+                <a16:creationId xmlns:a16="http://schemas.microsoft.com/office/drawing/2014/main" id="{B99AEA9C-C090-4A08-9A2A-32A34EFA954F}"/>
+              </a:ext>
+            </a:extLst>
+          </p:cNvPr>
+          <p:cNvPicPr>
+            <a:picLocks noGrp="1" noChangeAspect="1"/>
+          </p:cNvPicPr>
+          <p:nvPr>
+            <p:ph sz="quarter" idx="4"/>
+          </p:nvPr>
+        </p:nvPicPr>
+        <p:blipFill>
+          <a:blip r:embed="rId3">
+            <a:extLst>
+              <a:ext uri="{28A0092B-C50C-407E-A947-70E740481C1C}">
+                <a14:useLocalDpi xmlns:a14="http://schemas.microsoft.com/office/drawing/2010/main" val="0"/>
+              </a:ext>
+            </a:extLst>
+          </a:blip>
+          <a:srcRect/>
+          <a:stretch/>
+        </p:blipFill>
+        <p:spPr>
+          <a:xfrm>
+            <a:off x="6121957" y="2678217"/>
+            <a:ext cx="5696625" cy="3212004"/>
+          </a:xfrm>
+          <a:prstGeom prst="rect">
+            <a:avLst/>
+          </a:prstGeom>
+          <a:ln>
+            <a:noFill/>
+          </a:ln>
+          <a:effectLst>
+            <a:outerShdw blurRad="190500" algn="tl" rotWithShape="0">
+              <a:srgbClr val="000000">
+                <a:alpha val="70000"/>
+              </a:srgbClr>
+            </a:outerShdw>
+          </a:effectLst>
+        </p:spPr>
+      </p:pic>
+    </p:spTree>
+    <p:extLst>
+      <p:ext uri="{BB962C8B-B14F-4D97-AF65-F5344CB8AC3E}">
+        <p14:creationId xmlns:p14="http://schemas.microsoft.com/office/powerpoint/2010/main" val="2464843218"/>
+      </p:ext>
+    </p:extLst>
+  </p:cSld>
+  <p:clrMapOvr>
+    <a:masterClrMapping/>
+  </p:clrMapOvr>
+</p:sld>
+</file>
+
+<file path=ppt/slides/slide7.xml><?xml version="1.0" encoding="utf-8"?>
 <p:sld xmlns:a="http://schemas.openxmlformats.org/drawingml/2006/main" xmlns:r="http://schemas.openxmlformats.org/officeDocument/2006/relationships" xmlns:p="http://schemas.openxmlformats.org/presentationml/2006/main">
   <p:cSld>
     <p:spTree>
@@ -7238,7 +14817,7 @@
 </p:sld>
 </file>
 
-<file path=ppt/slides/slide6.xml><?xml version="1.0" encoding="utf-8"?>
+<file path=ppt/slides/slide8.xml><?xml version="1.0" encoding="utf-8"?>
 <p:sld xmlns:a="http://schemas.openxmlformats.org/drawingml/2006/main" xmlns:r="http://schemas.openxmlformats.org/officeDocument/2006/relationships" xmlns:p="http://schemas.openxmlformats.org/presentationml/2006/main">
   <p:cSld>
     <p:spTree>
@@ -7302,7 +14881,7 @@
         <p:spPr>
           <a:xfrm>
             <a:off x="839788" y="1681163"/>
-            <a:ext cx="5157787" cy="829204"/>
+            <a:ext cx="5157787" cy="481834"/>
           </a:xfrm>
         </p:spPr>
         <p:txBody>
@@ -7332,7 +14911,12 @@
             <p:ph sz="half" idx="2"/>
           </p:nvPr>
         </p:nvSpPr>
-        <p:spPr/>
+        <p:spPr>
+          <a:xfrm>
+            <a:off x="952133" y="2254295"/>
+            <a:ext cx="4396339" cy="3741738"/>
+          </a:xfrm>
+        </p:spPr>
         <p:txBody>
           <a:bodyPr/>
           <a:lstStyle/>
@@ -7400,7 +14984,12 @@
             <p:ph type="body" sz="quarter" idx="3"/>
           </p:nvPr>
         </p:nvSpPr>
-        <p:spPr/>
+        <p:spPr>
+          <a:xfrm>
+            <a:off x="5654494" y="1681163"/>
+            <a:ext cx="4396339" cy="481834"/>
+          </a:xfrm>
+        </p:spPr>
         <p:txBody>
           <a:bodyPr/>
           <a:lstStyle/>
@@ -7428,7 +15017,12 @@
             <p:ph sz="quarter" idx="4"/>
           </p:nvPr>
         </p:nvSpPr>
-        <p:spPr/>
+        <p:spPr>
+          <a:xfrm>
+            <a:off x="5654494" y="2254295"/>
+            <a:ext cx="4396339" cy="3741738"/>
+          </a:xfrm>
+        </p:spPr>
         <p:txBody>
           <a:bodyPr/>
           <a:lstStyle/>
@@ -7467,6 +15061,73 @@
           </a:p>
         </p:txBody>
       </p:sp>
+      <p:pic>
+        <p:nvPicPr>
+          <p:cNvPr id="7" name="Picture 6" descr="Shape, arrow&#10;&#10;Description automatically generated">
+            <a:extLst>
+              <a:ext uri="{FF2B5EF4-FFF2-40B4-BE49-F238E27FC236}">
+                <a16:creationId xmlns:a16="http://schemas.microsoft.com/office/drawing/2014/main" id="{E54063D0-F7B2-4666-8112-1C311F926F90}"/>
+              </a:ext>
+            </a:extLst>
+          </p:cNvPr>
+          <p:cNvPicPr>
+            <a:picLocks noChangeAspect="1"/>
+          </p:cNvPicPr>
+          <p:nvPr/>
+        </p:nvPicPr>
+        <p:blipFill>
+          <a:blip r:embed="rId2">
+            <a:extLst>
+              <a:ext uri="{BEBA8EAE-BF5A-486C-A8C5-ECC9F3942E4B}">
+                <a14:imgProps xmlns:a14="http://schemas.microsoft.com/office/drawing/2010/main">
+                  <a14:imgLayer r:embed="rId3">
+                    <a14:imgEffect>
+                      <a14:artisticGlowEdges/>
+                    </a14:imgEffect>
+                  </a14:imgLayer>
+                </a14:imgProps>
+              </a:ext>
+              <a:ext uri="{28A0092B-C50C-407E-A947-70E740481C1C}">
+                <a14:useLocalDpi xmlns:a14="http://schemas.microsoft.com/office/drawing/2010/main" val="0"/>
+              </a:ext>
+            </a:extLst>
+          </a:blip>
+          <a:stretch>
+            <a:fillRect/>
+          </a:stretch>
+        </p:blipFill>
+        <p:spPr>
+          <a:xfrm>
+            <a:off x="9177752" y="3815415"/>
+            <a:ext cx="2548527" cy="2548527"/>
+          </a:xfrm>
+          <a:prstGeom prst="rect">
+            <a:avLst/>
+          </a:prstGeom>
+          <a:ln w="34925">
+            <a:solidFill>
+              <a:srgbClr val="FFFFFF"/>
+            </a:solidFill>
+          </a:ln>
+          <a:effectLst>
+            <a:outerShdw blurRad="317500" dir="2700000" algn="ctr">
+              <a:srgbClr val="000000">
+                <a:alpha val="43000"/>
+              </a:srgbClr>
+            </a:outerShdw>
+          </a:effectLst>
+          <a:scene3d>
+            <a:camera prst="perspectiveFront" fov="4800000">
+              <a:rot lat="20594633" lon="2120718" rev="20466462"/>
+            </a:camera>
+            <a:lightRig rig="harsh" dir="t"/>
+          </a:scene3d>
+          <a:sp3d extrusionH="38100" prstMaterial="clear">
+            <a:bevelT w="260350" h="50800" prst="softRound"/>
+            <a:bevelB prst="softRound"/>
+          </a:sp3d>
+        </p:spPr>
+      </p:pic>
     </p:spTree>
     <p:extLst>
       <p:ext uri="{BB962C8B-B14F-4D97-AF65-F5344CB8AC3E}">
@@ -7480,7 +15141,7 @@
 </p:sld>
 </file>
 
-<file path=ppt/slides/slide7.xml><?xml version="1.0" encoding="utf-8"?>
+<file path=ppt/slides/slide9.xml><?xml version="1.0" encoding="utf-8"?>
 <p:sld xmlns:a="http://schemas.openxmlformats.org/drawingml/2006/main" xmlns:r="http://schemas.openxmlformats.org/officeDocument/2006/relationships" xmlns:p="http://schemas.openxmlformats.org/presentationml/2006/main">
   <p:cSld>
     <p:spTree>
@@ -7588,7 +15249,7 @@
           <a:p>
             <a:r>
               <a:rPr lang="en-US" dirty="0"/>
-              <a:t>Xtreme Gradient Boosting Machine is best performer</a:t>
+              <a:t>Xtreme Gradient Boosting Machine is best performer at 92% accuracy</a:t>
             </a:r>
           </a:p>
           <a:p>
@@ -7714,12 +15375,36 @@
         </p:blipFill>
         <p:spPr>
           <a:xfrm>
-            <a:off x="3081868" y="4172476"/>
-            <a:ext cx="2560444" cy="2262720"/>
+            <a:off x="3160775" y="3935574"/>
+            <a:ext cx="2692313" cy="2379256"/>
           </a:xfrm>
-          <a:prstGeom prst="rect">
-            <a:avLst/>
+          <a:prstGeom prst="roundRect">
+            <a:avLst>
+              <a:gd name="adj" fmla="val 16667"/>
+            </a:avLst>
           </a:prstGeom>
+          <a:ln>
+            <a:noFill/>
+          </a:ln>
+          <a:effectLst>
+            <a:outerShdw blurRad="152400" dist="12000" dir="900000" sy="98000" kx="110000" ky="200000" algn="tl" rotWithShape="0">
+              <a:srgbClr val="000000">
+                <a:alpha val="30000"/>
+              </a:srgbClr>
+            </a:outerShdw>
+          </a:effectLst>
+          <a:scene3d>
+            <a:camera prst="perspectiveRelaxed">
+              <a:rot lat="20275443" lon="20757088" rev="301939"/>
+            </a:camera>
+            <a:lightRig rig="threePt" dir="t"/>
+          </a:scene3d>
+          <a:sp3d contourW="6350" prstMaterial="matte">
+            <a:bevelT w="101600" h="101600"/>
+            <a:contourClr>
+              <a:srgbClr val="969696"/>
+            </a:contourClr>
+          </a:sp3d>
         </p:spPr>
       </p:pic>
     </p:spTree>
